--- a/4. Predicting the steering angle of a car/Slides/4.1.pptx
+++ b/4. Predicting the steering angle of a car/Slides/4.1.pptx
@@ -5,7 +5,7 @@
     <p:sldMasterId id="2147483669" r:id="rId1"/>
   </p:sldMasterIdLst>
   <p:notesMasterIdLst>
-    <p:notesMasterId r:id="rId16"/>
+    <p:notesMasterId r:id="rId17"/>
   </p:notesMasterIdLst>
   <p:sldIdLst>
     <p:sldId id="291" r:id="rId2"/>
@@ -19,33 +19,34 @@
     <p:sldId id="285" r:id="rId10"/>
     <p:sldId id="305" r:id="rId11"/>
     <p:sldId id="299" r:id="rId12"/>
-    <p:sldId id="307" r:id="rId13"/>
-    <p:sldId id="303" r:id="rId14"/>
-    <p:sldId id="301" r:id="rId15"/>
+    <p:sldId id="308" r:id="rId13"/>
+    <p:sldId id="307" r:id="rId14"/>
+    <p:sldId id="303" r:id="rId15"/>
+    <p:sldId id="301" r:id="rId16"/>
   </p:sldIdLst>
   <p:sldSz cx="18288000" cy="10282238"/>
   <p:notesSz cx="6858000" cy="9144000"/>
   <p:embeddedFontLst>
     <p:embeddedFont>
       <p:font typeface="Calibri" panose="020F0502020204030204" pitchFamily="34" charset="0"/>
-      <p:regular r:id="rId17"/>
-      <p:bold r:id="rId18"/>
-      <p:italic r:id="rId19"/>
-      <p:boldItalic r:id="rId20"/>
+      <p:regular r:id="rId18"/>
+      <p:bold r:id="rId19"/>
+      <p:italic r:id="rId20"/>
+      <p:boldItalic r:id="rId21"/>
     </p:embeddedFont>
     <p:embeddedFont>
       <p:font typeface="Consolas" panose="020B0609020204030204" pitchFamily="49" charset="0"/>
-      <p:regular r:id="rId21"/>
-      <p:bold r:id="rId22"/>
-      <p:italic r:id="rId23"/>
-      <p:boldItalic r:id="rId24"/>
+      <p:regular r:id="rId22"/>
+      <p:bold r:id="rId23"/>
+      <p:italic r:id="rId24"/>
+      <p:boldItalic r:id="rId25"/>
     </p:embeddedFont>
     <p:embeddedFont>
       <p:font typeface="Roboto"/>
-      <p:regular r:id="rId25"/>
-      <p:bold r:id="rId26"/>
-      <p:italic r:id="rId27"/>
-      <p:boldItalic r:id="rId28"/>
+      <p:regular r:id="rId26"/>
+      <p:bold r:id="rId27"/>
+      <p:italic r:id="rId28"/>
+      <p:boldItalic r:id="rId29"/>
     </p:embeddedFont>
   </p:embeddedFontLst>
   <p:defaultTextStyle>
@@ -2358,13 +2359,8 @@
             </a:pPr>
             <a:r>
               <a:rPr lang="en-US" dirty="0"/>
-              <a:t>This slide, like mentioned above is for multiple pointers. The information above covers the types</a:t>
+              <a:t>As you can see, a large percentage of the dataset has a steering angle of between -5 and +5 degrees.  This can potentially cause training issues where the algorithm may get 70% accuracy by just returning 0 as the answer! Obviously this won’t be a good thing in a real car!! </a:t>
             </a:r>
-            <a:r>
-              <a:rPr lang="en-US" baseline="0" dirty="0"/>
-              <a:t> of information that can be used in this slide</a:t>
-            </a:r>
-            <a:endParaRPr lang="en-US" dirty="0"/>
           </a:p>
           <a:p>
             <a:pPr lvl="0" rtl="0">
@@ -4724,6 +4720,40 @@
               <a:buClr>
                 <a:srgbClr val="434343"/>
               </a:buClr>
+              <a:buFont typeface="Calibri"/>
+              <a:buChar char="●"/>
+            </a:pPr>
+            <a:r>
+              <a:rPr lang="en-US" sz="4002" dirty="0">
+                <a:solidFill>
+                  <a:srgbClr val="434343"/>
+                </a:solidFill>
+              </a:rPr>
+              <a:t>Creating training, validation and test datasets</a:t>
+            </a:r>
+          </a:p>
+          <a:p>
+            <a:pPr marL="914507" indent="-711281">
+              <a:buClr>
+                <a:srgbClr val="434343"/>
+              </a:buClr>
+              <a:buFont typeface="Calibri"/>
+              <a:buChar char="●"/>
+            </a:pPr>
+            <a:r>
+              <a:rPr lang="en-US" sz="4002" dirty="0">
+                <a:solidFill>
+                  <a:srgbClr val="434343"/>
+                </a:solidFill>
+              </a:rPr>
+              <a:t>Generators</a:t>
+            </a:r>
+          </a:p>
+          <a:p>
+            <a:pPr marL="914507" indent="-711281">
+              <a:buClr>
+                <a:srgbClr val="434343"/>
+              </a:buClr>
               <a:buChar char="●"/>
             </a:pPr>
             <a:r>
@@ -4756,22 +4786,6 @@
                   <a:srgbClr val="434343"/>
                 </a:solidFill>
               </a:rPr>
-              <a:t>Generators</a:t>
-            </a:r>
-          </a:p>
-          <a:p>
-            <a:pPr marL="914507" indent="-711281">
-              <a:buClr>
-                <a:srgbClr val="434343"/>
-              </a:buClr>
-              <a:buChar char="●"/>
-            </a:pPr>
-            <a:r>
-              <a:rPr lang="en-US" sz="4002" dirty="0">
-                <a:solidFill>
-                  <a:srgbClr val="434343"/>
-                </a:solidFill>
-              </a:rPr>
               <a:t>Loss functions</a:t>
             </a:r>
           </a:p>
@@ -4869,6 +4883,544 @@
 </file>
 
 <file path=ppt/slides/slide12.xml><?xml version="1.0" encoding="utf-8"?>
+<p:sld xmlns:a="http://schemas.openxmlformats.org/drawingml/2006/main" xmlns:r="http://schemas.openxmlformats.org/officeDocument/2006/relationships" xmlns:p="http://schemas.openxmlformats.org/presentationml/2006/main">
+  <p:cSld>
+    <p:spTree>
+      <p:nvGrpSpPr>
+        <p:cNvPr id="1" name=""/>
+        <p:cNvGrpSpPr/>
+        <p:nvPr/>
+      </p:nvGrpSpPr>
+      <p:grpSpPr>
+        <a:xfrm>
+          <a:off x="0" y="0"/>
+          <a:ext cx="0" cy="0"/>
+          <a:chOff x="0" y="0"/>
+          <a:chExt cx="0" cy="0"/>
+        </a:xfrm>
+      </p:grpSpPr>
+      <p:sp>
+        <p:nvSpPr>
+          <p:cNvPr id="2" name="Title 1">
+            <a:extLst>
+              <a:ext uri="{FF2B5EF4-FFF2-40B4-BE49-F238E27FC236}">
+                <a16:creationId xmlns:a16="http://schemas.microsoft.com/office/drawing/2014/main" id="{53CA41F2-396A-D24E-AB66-1C0509B1988F}"/>
+              </a:ext>
+            </a:extLst>
+          </p:cNvPr>
+          <p:cNvSpPr>
+            <a:spLocks noGrp="1"/>
+          </p:cNvSpPr>
+          <p:nvPr>
+            <p:ph type="title"/>
+          </p:nvPr>
+        </p:nvSpPr>
+        <p:spPr/>
+        <p:txBody>
+          <a:bodyPr/>
+          <a:lstStyle/>
+          <a:p>
+            <a:r>
+              <a:rPr lang="en-US" dirty="0"/>
+              <a:t>Splitting our data into train, validate and test datasets</a:t>
+            </a:r>
+          </a:p>
+        </p:txBody>
+      </p:sp>
+      <p:pic>
+        <p:nvPicPr>
+          <p:cNvPr id="4" name="Picture 3">
+            <a:extLst>
+              <a:ext uri="{FF2B5EF4-FFF2-40B4-BE49-F238E27FC236}">
+                <a16:creationId xmlns:a16="http://schemas.microsoft.com/office/drawing/2014/main" id="{FB31FC68-B9AB-554A-8434-92BA54A927D2}"/>
+              </a:ext>
+            </a:extLst>
+          </p:cNvPr>
+          <p:cNvPicPr>
+            <a:picLocks noChangeAspect="1"/>
+          </p:cNvPicPr>
+          <p:nvPr/>
+        </p:nvPicPr>
+        <p:blipFill>
+          <a:blip r:embed="rId2"/>
+          <a:stretch>
+            <a:fillRect/>
+          </a:stretch>
+        </p:blipFill>
+        <p:spPr>
+          <a:xfrm>
+            <a:off x="807951" y="3264572"/>
+            <a:ext cx="2882900" cy="1625600"/>
+          </a:xfrm>
+          <a:prstGeom prst="rect">
+            <a:avLst/>
+          </a:prstGeom>
+        </p:spPr>
+      </p:pic>
+      <p:pic>
+        <p:nvPicPr>
+          <p:cNvPr id="6" name="Picture 5">
+            <a:extLst>
+              <a:ext uri="{FF2B5EF4-FFF2-40B4-BE49-F238E27FC236}">
+                <a16:creationId xmlns:a16="http://schemas.microsoft.com/office/drawing/2014/main" id="{4E8B3B65-5FC9-A14F-AD0C-BF93DED3617D}"/>
+              </a:ext>
+            </a:extLst>
+          </p:cNvPr>
+          <p:cNvPicPr>
+            <a:picLocks noChangeAspect="1"/>
+          </p:cNvPicPr>
+          <p:nvPr/>
+        </p:nvPicPr>
+        <p:blipFill>
+          <a:blip r:embed="rId3"/>
+          <a:stretch>
+            <a:fillRect/>
+          </a:stretch>
+        </p:blipFill>
+        <p:spPr>
+          <a:xfrm>
+            <a:off x="1148574" y="3608601"/>
+            <a:ext cx="2882900" cy="1625600"/>
+          </a:xfrm>
+          <a:prstGeom prst="rect">
+            <a:avLst/>
+          </a:prstGeom>
+        </p:spPr>
+      </p:pic>
+      <p:pic>
+        <p:nvPicPr>
+          <p:cNvPr id="8" name="Picture 7">
+            <a:extLst>
+              <a:ext uri="{FF2B5EF4-FFF2-40B4-BE49-F238E27FC236}">
+                <a16:creationId xmlns:a16="http://schemas.microsoft.com/office/drawing/2014/main" id="{621CD730-1E9E-CC4A-BC03-9E6854187172}"/>
+              </a:ext>
+            </a:extLst>
+          </p:cNvPr>
+          <p:cNvPicPr>
+            <a:picLocks noChangeAspect="1"/>
+          </p:cNvPicPr>
+          <p:nvPr/>
+        </p:nvPicPr>
+        <p:blipFill>
+          <a:blip r:embed="rId4"/>
+          <a:stretch>
+            <a:fillRect/>
+          </a:stretch>
+        </p:blipFill>
+        <p:spPr>
+          <a:xfrm>
+            <a:off x="1489197" y="3952630"/>
+            <a:ext cx="2882900" cy="1625600"/>
+          </a:xfrm>
+          <a:prstGeom prst="rect">
+            <a:avLst/>
+          </a:prstGeom>
+        </p:spPr>
+      </p:pic>
+      <p:pic>
+        <p:nvPicPr>
+          <p:cNvPr id="22" name="Picture 21">
+            <a:extLst>
+              <a:ext uri="{FF2B5EF4-FFF2-40B4-BE49-F238E27FC236}">
+                <a16:creationId xmlns:a16="http://schemas.microsoft.com/office/drawing/2014/main" id="{A6D9FECD-07E9-CD49-803A-FCE4DBDFF879}"/>
+              </a:ext>
+            </a:extLst>
+          </p:cNvPr>
+          <p:cNvPicPr>
+            <a:picLocks noChangeAspect="1"/>
+          </p:cNvPicPr>
+          <p:nvPr/>
+        </p:nvPicPr>
+        <p:blipFill>
+          <a:blip r:embed="rId5"/>
+          <a:stretch>
+            <a:fillRect/>
+          </a:stretch>
+        </p:blipFill>
+        <p:spPr>
+          <a:xfrm>
+            <a:off x="1829820" y="4296659"/>
+            <a:ext cx="2882900" cy="1625600"/>
+          </a:xfrm>
+          <a:prstGeom prst="rect">
+            <a:avLst/>
+          </a:prstGeom>
+        </p:spPr>
+      </p:pic>
+      <p:pic>
+        <p:nvPicPr>
+          <p:cNvPr id="24" name="Picture 23">
+            <a:extLst>
+              <a:ext uri="{FF2B5EF4-FFF2-40B4-BE49-F238E27FC236}">
+                <a16:creationId xmlns:a16="http://schemas.microsoft.com/office/drawing/2014/main" id="{1ECDDD4F-9C47-E845-98D5-267B0E53B75F}"/>
+              </a:ext>
+            </a:extLst>
+          </p:cNvPr>
+          <p:cNvPicPr>
+            <a:picLocks noChangeAspect="1"/>
+          </p:cNvPicPr>
+          <p:nvPr/>
+        </p:nvPicPr>
+        <p:blipFill>
+          <a:blip r:embed="rId6"/>
+          <a:stretch>
+            <a:fillRect/>
+          </a:stretch>
+        </p:blipFill>
+        <p:spPr>
+          <a:xfrm>
+            <a:off x="2170443" y="4640688"/>
+            <a:ext cx="2882900" cy="1625600"/>
+          </a:xfrm>
+          <a:prstGeom prst="rect">
+            <a:avLst/>
+          </a:prstGeom>
+        </p:spPr>
+      </p:pic>
+      <p:pic>
+        <p:nvPicPr>
+          <p:cNvPr id="26" name="Picture 25">
+            <a:extLst>
+              <a:ext uri="{FF2B5EF4-FFF2-40B4-BE49-F238E27FC236}">
+                <a16:creationId xmlns:a16="http://schemas.microsoft.com/office/drawing/2014/main" id="{132164A8-BFD9-7346-B7CD-51007DC27EE3}"/>
+              </a:ext>
+            </a:extLst>
+          </p:cNvPr>
+          <p:cNvPicPr>
+            <a:picLocks noChangeAspect="1"/>
+          </p:cNvPicPr>
+          <p:nvPr/>
+        </p:nvPicPr>
+        <p:blipFill>
+          <a:blip r:embed="rId7"/>
+          <a:stretch>
+            <a:fillRect/>
+          </a:stretch>
+        </p:blipFill>
+        <p:spPr>
+          <a:xfrm>
+            <a:off x="2511066" y="4984717"/>
+            <a:ext cx="2882900" cy="1625600"/>
+          </a:xfrm>
+          <a:prstGeom prst="rect">
+            <a:avLst/>
+          </a:prstGeom>
+        </p:spPr>
+      </p:pic>
+      <p:pic>
+        <p:nvPicPr>
+          <p:cNvPr id="28" name="Picture 27">
+            <a:extLst>
+              <a:ext uri="{FF2B5EF4-FFF2-40B4-BE49-F238E27FC236}">
+                <a16:creationId xmlns:a16="http://schemas.microsoft.com/office/drawing/2014/main" id="{58952160-B73E-0A4F-95F1-FC58D1941127}"/>
+              </a:ext>
+            </a:extLst>
+          </p:cNvPr>
+          <p:cNvPicPr>
+            <a:picLocks noChangeAspect="1"/>
+          </p:cNvPicPr>
+          <p:nvPr/>
+        </p:nvPicPr>
+        <p:blipFill>
+          <a:blip r:embed="rId8"/>
+          <a:stretch>
+            <a:fillRect/>
+          </a:stretch>
+        </p:blipFill>
+        <p:spPr>
+          <a:xfrm>
+            <a:off x="2851689" y="5328746"/>
+            <a:ext cx="2882900" cy="1625600"/>
+          </a:xfrm>
+          <a:prstGeom prst="rect">
+            <a:avLst/>
+          </a:prstGeom>
+        </p:spPr>
+      </p:pic>
+      <p:pic>
+        <p:nvPicPr>
+          <p:cNvPr id="30" name="Picture 29">
+            <a:extLst>
+              <a:ext uri="{FF2B5EF4-FFF2-40B4-BE49-F238E27FC236}">
+                <a16:creationId xmlns:a16="http://schemas.microsoft.com/office/drawing/2014/main" id="{9D2E6F53-45CA-4244-957A-EB8BB64D59A9}"/>
+              </a:ext>
+            </a:extLst>
+          </p:cNvPr>
+          <p:cNvPicPr>
+            <a:picLocks noChangeAspect="1"/>
+          </p:cNvPicPr>
+          <p:nvPr/>
+        </p:nvPicPr>
+        <p:blipFill>
+          <a:blip r:embed="rId9"/>
+          <a:stretch>
+            <a:fillRect/>
+          </a:stretch>
+        </p:blipFill>
+        <p:spPr>
+          <a:xfrm>
+            <a:off x="3192309" y="5672773"/>
+            <a:ext cx="2882900" cy="1625600"/>
+          </a:xfrm>
+          <a:prstGeom prst="rect">
+            <a:avLst/>
+          </a:prstGeom>
+        </p:spPr>
+      </p:pic>
+      <p:sp>
+        <p:nvSpPr>
+          <p:cNvPr id="40" name="Right Brace 39">
+            <a:extLst>
+              <a:ext uri="{FF2B5EF4-FFF2-40B4-BE49-F238E27FC236}">
+                <a16:creationId xmlns:a16="http://schemas.microsoft.com/office/drawing/2014/main" id="{8742FADD-58A5-064B-B926-1FE411127255}"/>
+              </a:ext>
+            </a:extLst>
+          </p:cNvPr>
+          <p:cNvSpPr/>
+          <p:nvPr/>
+        </p:nvSpPr>
+        <p:spPr>
+          <a:xfrm>
+            <a:off x="7132320" y="3264572"/>
+            <a:ext cx="1113905" cy="4033801"/>
+          </a:xfrm>
+          <a:prstGeom prst="rightBrace">
+            <a:avLst/>
+          </a:prstGeom>
+        </p:spPr>
+        <p:style>
+          <a:lnRef idx="1">
+            <a:schemeClr val="accent1"/>
+          </a:lnRef>
+          <a:fillRef idx="0">
+            <a:schemeClr val="accent1"/>
+          </a:fillRef>
+          <a:effectRef idx="0">
+            <a:schemeClr val="accent1"/>
+          </a:effectRef>
+          <a:fontRef idx="minor">
+            <a:schemeClr val="tx1"/>
+          </a:fontRef>
+        </p:style>
+        <p:txBody>
+          <a:bodyPr rtlCol="0" anchor="ctr"/>
+          <a:lstStyle/>
+          <a:p>
+            <a:pPr algn="ctr"/>
+            <a:endParaRPr lang="en-US"/>
+          </a:p>
+        </p:txBody>
+      </p:sp>
+      <p:graphicFrame>
+        <p:nvGraphicFramePr>
+          <p:cNvPr id="42" name="Table 41">
+            <a:extLst>
+              <a:ext uri="{FF2B5EF4-FFF2-40B4-BE49-F238E27FC236}">
+                <a16:creationId xmlns:a16="http://schemas.microsoft.com/office/drawing/2014/main" id="{7E351F5C-33AA-AF46-8F84-01F5B8973E54}"/>
+              </a:ext>
+            </a:extLst>
+          </p:cNvPr>
+          <p:cNvGraphicFramePr>
+            <a:graphicFrameLocks noGrp="1"/>
+          </p:cNvGraphicFramePr>
+          <p:nvPr>
+            <p:extLst>
+              <p:ext uri="{D42A27DB-BD31-4B8C-83A1-F6EECF244321}">
+                <p14:modId xmlns:p14="http://schemas.microsoft.com/office/powerpoint/2010/main" val="2836301824"/>
+              </p:ext>
+            </p:extLst>
+          </p:nvPr>
+        </p:nvGraphicFramePr>
+        <p:xfrm>
+          <a:off x="8835431" y="4360665"/>
+          <a:ext cx="8750532" cy="2073148"/>
+        </p:xfrm>
+        <a:graphic>
+          <a:graphicData uri="http://schemas.openxmlformats.org/drawingml/2006/table">
+            <a:tbl>
+              <a:tblPr firstRow="1" bandRow="1">
+                <a:tableStyleId>{ACB5B818-5B4B-48B1-9B93-774CE235BC5F}</a:tableStyleId>
+              </a:tblPr>
+              <a:tblGrid>
+                <a:gridCol w="4375266">
+                  <a:extLst>
+                    <a:ext uri="{9D8B030D-6E8A-4147-A177-3AD203B41FA5}">
+                      <a16:colId xmlns:a16="http://schemas.microsoft.com/office/drawing/2014/main" val="1159529564"/>
+                    </a:ext>
+                  </a:extLst>
+                </a:gridCol>
+                <a:gridCol w="4375266">
+                  <a:extLst>
+                    <a:ext uri="{9D8B030D-6E8A-4147-A177-3AD203B41FA5}">
+                      <a16:colId xmlns:a16="http://schemas.microsoft.com/office/drawing/2014/main" val="3337251573"/>
+                    </a:ext>
+                  </a:extLst>
+                </a:gridCol>
+              </a:tblGrid>
+              <a:tr h="370840">
+                <a:tc>
+                  <a:txBody>
+                    <a:bodyPr/>
+                    <a:lstStyle/>
+                    <a:p>
+                      <a:r>
+                        <a:rPr lang="en-US" dirty="0"/>
+                        <a:t>Data set</a:t>
+                      </a:r>
+                    </a:p>
+                  </a:txBody>
+                  <a:tcPr>
+                    <a:solidFill>
+                      <a:schemeClr val="tx2">
+                        <a:lumMod val="20000"/>
+                        <a:lumOff val="80000"/>
+                      </a:schemeClr>
+                    </a:solidFill>
+                  </a:tcPr>
+                </a:tc>
+                <a:tc>
+                  <a:txBody>
+                    <a:bodyPr/>
+                    <a:lstStyle/>
+                    <a:p>
+                      <a:r>
+                        <a:rPr lang="en-US" dirty="0"/>
+                        <a:t>Frames</a:t>
+                      </a:r>
+                    </a:p>
+                  </a:txBody>
+                  <a:tcPr>
+                    <a:solidFill>
+                      <a:schemeClr val="tx2">
+                        <a:lumMod val="20000"/>
+                        <a:lumOff val="80000"/>
+                      </a:schemeClr>
+                    </a:solidFill>
+                  </a:tcPr>
+                </a:tc>
+                <a:extLst>
+                  <a:ext uri="{0D108BD9-81ED-4DB2-BD59-A6C34878D82A}">
+                    <a16:rowId xmlns:a16="http://schemas.microsoft.com/office/drawing/2014/main" val="1453353438"/>
+                  </a:ext>
+                </a:extLst>
+              </a:tr>
+              <a:tr h="370840">
+                <a:tc>
+                  <a:txBody>
+                    <a:bodyPr/>
+                    <a:lstStyle/>
+                    <a:p>
+                      <a:r>
+                        <a:rPr lang="en-US" dirty="0"/>
+                        <a:t>Training </a:t>
+                      </a:r>
+                    </a:p>
+                  </a:txBody>
+                  <a:tcPr/>
+                </a:tc>
+                <a:tc>
+                  <a:txBody>
+                    <a:bodyPr/>
+                    <a:lstStyle/>
+                    <a:p>
+                      <a:r>
+                        <a:rPr lang="en-US" dirty="0"/>
+                        <a:t>0, 2, 4, 6, 8, 10, 12, …</a:t>
+                      </a:r>
+                    </a:p>
+                  </a:txBody>
+                  <a:tcPr/>
+                </a:tc>
+                <a:extLst>
+                  <a:ext uri="{0D108BD9-81ED-4DB2-BD59-A6C34878D82A}">
+                    <a16:rowId xmlns:a16="http://schemas.microsoft.com/office/drawing/2014/main" val="632805181"/>
+                  </a:ext>
+                </a:extLst>
+              </a:tr>
+              <a:tr h="370840">
+                <a:tc>
+                  <a:txBody>
+                    <a:bodyPr/>
+                    <a:lstStyle/>
+                    <a:p>
+                      <a:r>
+                        <a:rPr lang="en-US" dirty="0"/>
+                        <a:t>Validation</a:t>
+                      </a:r>
+                    </a:p>
+                  </a:txBody>
+                  <a:tcPr/>
+                </a:tc>
+                <a:tc>
+                  <a:txBody>
+                    <a:bodyPr/>
+                    <a:lstStyle/>
+                    <a:p>
+                      <a:r>
+                        <a:rPr lang="en-US" dirty="0"/>
+                        <a:t>1, 5, 9, …</a:t>
+                      </a:r>
+                    </a:p>
+                  </a:txBody>
+                  <a:tcPr/>
+                </a:tc>
+                <a:extLst>
+                  <a:ext uri="{0D108BD9-81ED-4DB2-BD59-A6C34878D82A}">
+                    <a16:rowId xmlns:a16="http://schemas.microsoft.com/office/drawing/2014/main" val="1094018077"/>
+                  </a:ext>
+                </a:extLst>
+              </a:tr>
+              <a:tr h="370840">
+                <a:tc>
+                  <a:txBody>
+                    <a:bodyPr/>
+                    <a:lstStyle/>
+                    <a:p>
+                      <a:r>
+                        <a:rPr lang="en-US" dirty="0"/>
+                        <a:t>Test</a:t>
+                      </a:r>
+                    </a:p>
+                  </a:txBody>
+                  <a:tcPr/>
+                </a:tc>
+                <a:tc>
+                  <a:txBody>
+                    <a:bodyPr/>
+                    <a:lstStyle/>
+                    <a:p>
+                      <a:r>
+                        <a:rPr lang="en-US" dirty="0"/>
+                        <a:t>3, 7, 11, …</a:t>
+                      </a:r>
+                    </a:p>
+                  </a:txBody>
+                  <a:tcPr/>
+                </a:tc>
+                <a:extLst>
+                  <a:ext uri="{0D108BD9-81ED-4DB2-BD59-A6C34878D82A}">
+                    <a16:rowId xmlns:a16="http://schemas.microsoft.com/office/drawing/2014/main" val="3144125474"/>
+                  </a:ext>
+                </a:extLst>
+              </a:tr>
+            </a:tbl>
+          </a:graphicData>
+        </a:graphic>
+      </p:graphicFrame>
+    </p:spTree>
+    <p:extLst>
+      <p:ext uri="{BB962C8B-B14F-4D97-AF65-F5344CB8AC3E}">
+        <p14:creationId xmlns:p14="http://schemas.microsoft.com/office/powerpoint/2010/main" val="1732188623"/>
+      </p:ext>
+    </p:extLst>
+  </p:cSld>
+  <p:clrMapOvr>
+    <a:masterClrMapping/>
+  </p:clrMapOvr>
+</p:sld>
+</file>
+
+<file path=ppt/slides/slide13.xml><?xml version="1.0" encoding="utf-8"?>
 <p:sld xmlns:a="http://schemas.openxmlformats.org/drawingml/2006/main" xmlns:r="http://schemas.openxmlformats.org/officeDocument/2006/relationships" xmlns:p="http://schemas.openxmlformats.org/presentationml/2006/main">
   <p:cSld>
     <p:bg>
@@ -4939,7 +5491,7 @@
 </p:sld>
 </file>
 
-<file path=ppt/slides/slide13.xml><?xml version="1.0" encoding="utf-8"?>
+<file path=ppt/slides/slide14.xml><?xml version="1.0" encoding="utf-8"?>
 <p:sld xmlns:a="http://schemas.openxmlformats.org/drawingml/2006/main" xmlns:r="http://schemas.openxmlformats.org/officeDocument/2006/relationships" xmlns:p="http://schemas.openxmlformats.org/presentationml/2006/main">
   <p:cSld>
     <p:spTree>
@@ -5091,23 +5643,7 @@
                   <a:srgbClr val="434343"/>
                 </a:solidFill>
               </a:rPr>
-              <a:t>Creating </a:t>
-            </a:r>
-            <a:r>
-              <a:rPr lang="en-US" sz="4002">
-                <a:solidFill>
-                  <a:srgbClr val="434343"/>
-                </a:solidFill>
-              </a:rPr>
-              <a:t>a YouTube </a:t>
-            </a:r>
-            <a:r>
-              <a:rPr lang="en-US" sz="4002" dirty="0">
-                <a:solidFill>
-                  <a:srgbClr val="434343"/>
-                </a:solidFill>
-              </a:rPr>
-              <a:t>video of this in action</a:t>
+              <a:t>Creating a YouTube video of this in action</a:t>
             </a:r>
           </a:p>
           <a:p>
@@ -5174,7 +5710,7 @@
 </p:sld>
 </file>
 
-<file path=ppt/slides/slide14.xml><?xml version="1.0" encoding="utf-8"?>
+<file path=ppt/slides/slide15.xml><?xml version="1.0" encoding="utf-8"?>
 <p:sld xmlns:a="http://schemas.openxmlformats.org/drawingml/2006/main" xmlns:r="http://schemas.openxmlformats.org/officeDocument/2006/relationships" xmlns:p="http://schemas.openxmlformats.org/presentationml/2006/main">
   <p:cSld>
     <p:bg>

--- a/4. Predicting the steering angle of a car/Slides/4.1.pptx
+++ b/4. Predicting the steering angle of a car/Slides/4.1.pptx
@@ -5,7 +5,7 @@
     <p:sldMasterId id="2147483669" r:id="rId1"/>
   </p:sldMasterIdLst>
   <p:notesMasterIdLst>
-    <p:notesMasterId r:id="rId17"/>
+    <p:notesMasterId r:id="rId25"/>
   </p:notesMasterIdLst>
   <p:sldIdLst>
     <p:sldId id="291" r:id="rId2"/>
@@ -17,36 +17,44 @@
     <p:sldId id="277" r:id="rId8"/>
     <p:sldId id="306" r:id="rId9"/>
     <p:sldId id="285" r:id="rId10"/>
-    <p:sldId id="305" r:id="rId11"/>
-    <p:sldId id="299" r:id="rId12"/>
-    <p:sldId id="308" r:id="rId13"/>
-    <p:sldId id="307" r:id="rId14"/>
-    <p:sldId id="303" r:id="rId15"/>
-    <p:sldId id="301" r:id="rId16"/>
+    <p:sldId id="314" r:id="rId11"/>
+    <p:sldId id="315" r:id="rId12"/>
+    <p:sldId id="316" r:id="rId13"/>
+    <p:sldId id="305" r:id="rId14"/>
+    <p:sldId id="299" r:id="rId15"/>
+    <p:sldId id="308" r:id="rId16"/>
+    <p:sldId id="309" r:id="rId17"/>
+    <p:sldId id="311" r:id="rId18"/>
+    <p:sldId id="310" r:id="rId19"/>
+    <p:sldId id="312" r:id="rId20"/>
+    <p:sldId id="313" r:id="rId21"/>
+    <p:sldId id="307" r:id="rId22"/>
+    <p:sldId id="303" r:id="rId23"/>
+    <p:sldId id="301" r:id="rId24"/>
   </p:sldIdLst>
   <p:sldSz cx="18288000" cy="10282238"/>
   <p:notesSz cx="6858000" cy="9144000"/>
   <p:embeddedFontLst>
     <p:embeddedFont>
       <p:font typeface="Calibri" panose="020F0502020204030204" pitchFamily="34" charset="0"/>
-      <p:regular r:id="rId18"/>
-      <p:bold r:id="rId19"/>
-      <p:italic r:id="rId20"/>
-      <p:boldItalic r:id="rId21"/>
-    </p:embeddedFont>
-    <p:embeddedFont>
-      <p:font typeface="Consolas" panose="020B0609020204030204" pitchFamily="49" charset="0"/>
-      <p:regular r:id="rId22"/>
-      <p:bold r:id="rId23"/>
-      <p:italic r:id="rId24"/>
-      <p:boldItalic r:id="rId25"/>
-    </p:embeddedFont>
-    <p:embeddedFont>
-      <p:font typeface="Roboto"/>
       <p:regular r:id="rId26"/>
       <p:bold r:id="rId27"/>
       <p:italic r:id="rId28"/>
       <p:boldItalic r:id="rId29"/>
+    </p:embeddedFont>
+    <p:embeddedFont>
+      <p:font typeface="Consolas" panose="020B0609020204030204" pitchFamily="49" charset="0"/>
+      <p:regular r:id="rId30"/>
+      <p:bold r:id="rId31"/>
+      <p:italic r:id="rId32"/>
+      <p:boldItalic r:id="rId33"/>
+    </p:embeddedFont>
+    <p:embeddedFont>
+      <p:font typeface="Roboto" panose="02000000000000000000" pitchFamily="2" charset="0"/>
+      <p:regular r:id="rId34"/>
+      <p:bold r:id="rId35"/>
+      <p:italic r:id="rId36"/>
+      <p:boldItalic r:id="rId37"/>
     </p:embeddedFont>
   </p:embeddedFontLst>
   <p:defaultTextStyle>
@@ -647,7 +655,7 @@
   <p:cSld>
     <p:spTree>
       <p:nvGrpSpPr>
-        <p:cNvPr id="1" name="Shape 151"/>
+        <p:cNvPr id="1" name="Shape 144"/>
         <p:cNvGrpSpPr/>
         <p:nvPr/>
       </p:nvGrpSpPr>
@@ -661,7 +669,7 @@
       </p:grpSpPr>
       <p:sp>
         <p:nvSpPr>
-          <p:cNvPr id="152" name="Shape 152"/>
+          <p:cNvPr id="145" name="Shape 145"/>
           <p:cNvSpPr>
             <a:spLocks noGrp="1" noRot="1" noChangeAspect="1"/>
           </p:cNvSpPr>
@@ -702,7 +710,7 @@
       </p:sp>
       <p:sp>
         <p:nvSpPr>
-          <p:cNvPr id="153" name="Shape 153"/>
+          <p:cNvPr id="146" name="Shape 146"/>
           <p:cNvSpPr txBox="1">
             <a:spLocks noGrp="1"/>
           </p:cNvSpPr>
@@ -733,8 +741,25 @@
             </a:pPr>
             <a:r>
               <a:rPr lang="en-US" dirty="0"/>
-              <a:t>In this section we are going to look at some of the computer vision and AI technology used in self driving cars, specifically an approach to predict the steering angle based on a feed of images of the road ahead.</a:t>
-            </a:r>
+              <a:t>As you can see, a large percentage of the dataset has a steering angle of between -5 and +5 degrees.  This can potentially cause training issues where the algorithm may get 70% accuracy by just returning 0 as the answer! Obviously this won’t be a good thing in a real car!! </a:t>
+            </a:r>
+          </a:p>
+          <a:p>
+            <a:pPr lvl="0" rtl="0">
+              <a:spcBef>
+                <a:spcPts val="0"/>
+              </a:spcBef>
+              <a:buNone/>
+            </a:pPr>
+            <a:endParaRPr lang="en-US" dirty="0"/>
+          </a:p>
+          <a:p>
+            <a:pPr lvl="0">
+              <a:spcBef>
+                <a:spcPts val="0"/>
+              </a:spcBef>
+              <a:buNone/>
+            </a:pPr>
             <a:endParaRPr dirty="0"/>
           </a:p>
         </p:txBody>
@@ -742,7 +767,7 @@
     </p:spTree>
     <p:extLst>
       <p:ext uri="{BB962C8B-B14F-4D97-AF65-F5344CB8AC3E}">
-        <p14:creationId xmlns:p14="http://schemas.microsoft.com/office/powerpoint/2010/main" val="1326585039"/>
+        <p14:creationId xmlns:p14="http://schemas.microsoft.com/office/powerpoint/2010/main" val="1522627987"/>
       </p:ext>
     </p:extLst>
   </p:cSld>
@@ -843,13 +868,8 @@
             </a:pPr>
             <a:r>
               <a:rPr lang="en-US" dirty="0"/>
-              <a:t>This slide, like mentioned above is for multiple pointers. The information above covers the types</a:t>
-            </a:r>
-            <a:r>
-              <a:rPr lang="en-US" baseline="0" dirty="0"/>
-              <a:t> of information that can be used in this slide</a:t>
-            </a:r>
-            <a:endParaRPr lang="en-US" dirty="0"/>
+              <a:t>As you can see, a large percentage of the dataset has a steering angle of between -5 and +5 degrees.  This can potentially cause training issues where the algorithm may get 70% accuracy by just returning 0 as the answer! Obviously this won’t be a good thing in a real car!! </a:t>
+            </a:r>
           </a:p>
           <a:p>
             <a:pPr lvl="0" rtl="0">
@@ -874,7 +894,7 @@
     </p:spTree>
     <p:extLst>
       <p:ext uri="{BB962C8B-B14F-4D97-AF65-F5344CB8AC3E}">
-        <p14:creationId xmlns:p14="http://schemas.microsoft.com/office/powerpoint/2010/main" val="3843222897"/>
+        <p14:creationId xmlns:p14="http://schemas.microsoft.com/office/powerpoint/2010/main" val="3857273632"/>
       </p:ext>
     </p:extLst>
   </p:cSld>
@@ -885,6 +905,153 @@
 </file>
 
 <file path=ppt/notesSlides/notesSlide12.xml><?xml version="1.0" encoding="utf-8"?>
+<p:notes xmlns:a="http://schemas.openxmlformats.org/drawingml/2006/main" xmlns:r="http://schemas.openxmlformats.org/officeDocument/2006/relationships" xmlns:p="http://schemas.openxmlformats.org/presentationml/2006/main" showMasterSp="0" showMasterPhAnim="0">
+  <p:cSld>
+    <p:spTree>
+      <p:nvGrpSpPr>
+        <p:cNvPr id="1" name="Shape 169"/>
+        <p:cNvGrpSpPr/>
+        <p:nvPr/>
+      </p:nvGrpSpPr>
+      <p:grpSpPr>
+        <a:xfrm>
+          <a:off x="0" y="0"/>
+          <a:ext cx="0" cy="0"/>
+          <a:chOff x="0" y="0"/>
+          <a:chExt cx="0" cy="0"/>
+        </a:xfrm>
+      </p:grpSpPr>
+      <p:sp>
+        <p:nvSpPr>
+          <p:cNvPr id="170" name="Shape 170"/>
+          <p:cNvSpPr>
+            <a:spLocks noGrp="1" noRot="1" noChangeAspect="1"/>
+          </p:cNvSpPr>
+          <p:nvPr>
+            <p:ph type="sldImg" idx="2"/>
+          </p:nvPr>
+        </p:nvSpPr>
+        <p:spPr>
+          <a:xfrm>
+            <a:off x="381000" y="685800"/>
+            <a:ext cx="6096000" cy="3429000"/>
+          </a:xfrm>
+          <a:custGeom>
+            <a:avLst/>
+            <a:gdLst/>
+            <a:ahLst/>
+            <a:cxnLst/>
+            <a:rect l="0" t="0" r="0" b="0"/>
+            <a:pathLst>
+              <a:path w="120000" h="120000" extrusionOk="0">
+                <a:moveTo>
+                  <a:pt x="0" y="0"/>
+                </a:moveTo>
+                <a:lnTo>
+                  <a:pt x="120000" y="0"/>
+                </a:lnTo>
+                <a:lnTo>
+                  <a:pt x="120000" y="120000"/>
+                </a:lnTo>
+                <a:lnTo>
+                  <a:pt x="0" y="120000"/>
+                </a:lnTo>
+                <a:close/>
+              </a:path>
+            </a:pathLst>
+          </a:custGeom>
+        </p:spPr>
+      </p:sp>
+      <p:sp>
+        <p:nvSpPr>
+          <p:cNvPr id="171" name="Shape 171"/>
+          <p:cNvSpPr txBox="1">
+            <a:spLocks noGrp="1"/>
+          </p:cNvSpPr>
+          <p:nvPr>
+            <p:ph type="body" idx="1"/>
+          </p:nvPr>
+        </p:nvSpPr>
+        <p:spPr>
+          <a:xfrm>
+            <a:off x="685800" y="4343400"/>
+            <a:ext cx="5486400" cy="4114800"/>
+          </a:xfrm>
+          <a:prstGeom prst="rect">
+            <a:avLst/>
+          </a:prstGeom>
+        </p:spPr>
+        <p:txBody>
+          <a:bodyPr lIns="91425" tIns="91425" rIns="91425" bIns="91425" anchor="t" anchorCtr="0">
+            <a:noAutofit/>
+          </a:bodyPr>
+          <a:lstStyle/>
+          <a:p>
+            <a:pPr lvl="0" rtl="0">
+              <a:spcBef>
+                <a:spcPts val="0"/>
+              </a:spcBef>
+              <a:buNone/>
+            </a:pPr>
+            <a:r>
+              <a:rPr lang="en-US" dirty="0"/>
+              <a:t>As you can see, a large percentage of the dataset has a steering angle of between -5 and +5 degrees.  This can potentially cause training issues where the algorithm may get 70% accuracy by just returning 0 as the answer! Obviously this won’t be a good thing in a real car!! </a:t>
+            </a:r>
+          </a:p>
+          <a:p>
+            <a:pPr lvl="0" rtl="0">
+              <a:spcBef>
+                <a:spcPts val="0"/>
+              </a:spcBef>
+              <a:buNone/>
+            </a:pPr>
+            <a:endParaRPr lang="en-US"/>
+          </a:p>
+          <a:p>
+            <a:pPr marL="0" marR="0" lvl="0" indent="0" algn="l" defTabSz="1828145" rtl="0" eaLnBrk="1" fontAlgn="auto" latinLnBrk="0" hangingPunct="1">
+              <a:lnSpc>
+                <a:spcPct val="100000"/>
+              </a:lnSpc>
+              <a:spcBef>
+                <a:spcPts val="0"/>
+              </a:spcBef>
+              <a:spcAft>
+                <a:spcPts val="0"/>
+              </a:spcAft>
+              <a:buClrTx/>
+              <a:buSzTx/>
+              <a:buFontTx/>
+              <a:buNone/>
+              <a:tabLst/>
+              <a:defRPr/>
+            </a:pPr>
+            <a:endParaRPr lang="en-US" dirty="0"/>
+          </a:p>
+          <a:p>
+            <a:pPr lvl="0">
+              <a:spcBef>
+                <a:spcPts val="0"/>
+              </a:spcBef>
+              <a:buNone/>
+            </a:pPr>
+            <a:endParaRPr dirty="0"/>
+          </a:p>
+        </p:txBody>
+      </p:sp>
+    </p:spTree>
+    <p:extLst>
+      <p:ext uri="{BB962C8B-B14F-4D97-AF65-F5344CB8AC3E}">
+        <p14:creationId xmlns:p14="http://schemas.microsoft.com/office/powerpoint/2010/main" val="2790484997"/>
+      </p:ext>
+    </p:extLst>
+  </p:cSld>
+  <p:clrMapOvr>
+    <a:masterClrMapping/>
+  </p:clrMapOvr>
+</p:notes>
+</file>
+
+<file path=ppt/notesSlides/notesSlide13.xml><?xml version="1.0" encoding="utf-8"?>
 <p:notes xmlns:a="http://schemas.openxmlformats.org/drawingml/2006/main" xmlns:r="http://schemas.openxmlformats.org/officeDocument/2006/relationships" xmlns:p="http://schemas.openxmlformats.org/presentationml/2006/main" showMasterSp="0" showMasterPhAnim="0">
   <p:cSld>
     <p:spTree>
@@ -984,7 +1151,7 @@
     </p:spTree>
     <p:extLst>
       <p:ext uri="{BB962C8B-B14F-4D97-AF65-F5344CB8AC3E}">
-        <p14:creationId xmlns:p14="http://schemas.microsoft.com/office/powerpoint/2010/main" val="4059420221"/>
+        <p14:creationId xmlns:p14="http://schemas.microsoft.com/office/powerpoint/2010/main" val="1326585039"/>
       </p:ext>
     </p:extLst>
   </p:cSld>
@@ -994,7 +1161,7 @@
 </p:notes>
 </file>
 
-<file path=ppt/notesSlides/notesSlide13.xml><?xml version="1.0" encoding="utf-8"?>
+<file path=ppt/notesSlides/notesSlide14.xml><?xml version="1.0" encoding="utf-8"?>
 <p:notes xmlns:a="http://schemas.openxmlformats.org/drawingml/2006/main" xmlns:r="http://schemas.openxmlformats.org/officeDocument/2006/relationships" xmlns:p="http://schemas.openxmlformats.org/presentationml/2006/main" showMasterSp="0" showMasterPhAnim="0">
   <p:cSld>
     <p:spTree>
@@ -1116,7 +1283,7 @@
     </p:spTree>
     <p:extLst>
       <p:ext uri="{BB962C8B-B14F-4D97-AF65-F5344CB8AC3E}">
-        <p14:creationId xmlns:p14="http://schemas.microsoft.com/office/powerpoint/2010/main" val="4107019688"/>
+        <p14:creationId xmlns:p14="http://schemas.microsoft.com/office/powerpoint/2010/main" val="3843222897"/>
       </p:ext>
     </p:extLst>
   </p:cSld>
@@ -1126,7 +1293,535 @@
 </p:notes>
 </file>
 
-<file path=ppt/notesSlides/notesSlide14.xml><?xml version="1.0" encoding="utf-8"?>
+<file path=ppt/notesSlides/notesSlide15.xml><?xml version="1.0" encoding="utf-8"?>
+<p:notes xmlns:a="http://schemas.openxmlformats.org/drawingml/2006/main" xmlns:r="http://schemas.openxmlformats.org/officeDocument/2006/relationships" xmlns:p="http://schemas.openxmlformats.org/presentationml/2006/main" showMasterSp="0" showMasterPhAnim="0">
+  <p:cSld>
+    <p:spTree>
+      <p:nvGrpSpPr>
+        <p:cNvPr id="1" name="Shape 144"/>
+        <p:cNvGrpSpPr/>
+        <p:nvPr/>
+      </p:nvGrpSpPr>
+      <p:grpSpPr>
+        <a:xfrm>
+          <a:off x="0" y="0"/>
+          <a:ext cx="0" cy="0"/>
+          <a:chOff x="0" y="0"/>
+          <a:chExt cx="0" cy="0"/>
+        </a:xfrm>
+      </p:grpSpPr>
+      <p:sp>
+        <p:nvSpPr>
+          <p:cNvPr id="145" name="Shape 145"/>
+          <p:cNvSpPr>
+            <a:spLocks noGrp="1" noRot="1" noChangeAspect="1"/>
+          </p:cNvSpPr>
+          <p:nvPr>
+            <p:ph type="sldImg" idx="2"/>
+          </p:nvPr>
+        </p:nvSpPr>
+        <p:spPr>
+          <a:xfrm>
+            <a:off x="381000" y="685800"/>
+            <a:ext cx="6096000" cy="3429000"/>
+          </a:xfrm>
+          <a:custGeom>
+            <a:avLst/>
+            <a:gdLst/>
+            <a:ahLst/>
+            <a:cxnLst/>
+            <a:rect l="0" t="0" r="0" b="0"/>
+            <a:pathLst>
+              <a:path w="120000" h="120000" extrusionOk="0">
+                <a:moveTo>
+                  <a:pt x="0" y="0"/>
+                </a:moveTo>
+                <a:lnTo>
+                  <a:pt x="120000" y="0"/>
+                </a:lnTo>
+                <a:lnTo>
+                  <a:pt x="120000" y="120000"/>
+                </a:lnTo>
+                <a:lnTo>
+                  <a:pt x="0" y="120000"/>
+                </a:lnTo>
+                <a:close/>
+              </a:path>
+            </a:pathLst>
+          </a:custGeom>
+        </p:spPr>
+      </p:sp>
+      <p:sp>
+        <p:nvSpPr>
+          <p:cNvPr id="146" name="Shape 146"/>
+          <p:cNvSpPr txBox="1">
+            <a:spLocks noGrp="1"/>
+          </p:cNvSpPr>
+          <p:nvPr>
+            <p:ph type="body" idx="1"/>
+          </p:nvPr>
+        </p:nvSpPr>
+        <p:spPr>
+          <a:xfrm>
+            <a:off x="685800" y="4343400"/>
+            <a:ext cx="5486400" cy="4114800"/>
+          </a:xfrm>
+          <a:prstGeom prst="rect">
+            <a:avLst/>
+          </a:prstGeom>
+        </p:spPr>
+        <p:txBody>
+          <a:bodyPr lIns="91425" tIns="91425" rIns="91425" bIns="91425" anchor="t" anchorCtr="0">
+            <a:noAutofit/>
+          </a:bodyPr>
+          <a:lstStyle/>
+          <a:p>
+            <a:pPr lvl="0" rtl="0">
+              <a:spcBef>
+                <a:spcPts val="0"/>
+              </a:spcBef>
+              <a:buNone/>
+            </a:pPr>
+            <a:r>
+              <a:rPr lang="en-US" dirty="0"/>
+              <a:t>This slide, like mentioned above is for multiple pointers. The information above covers the types</a:t>
+            </a:r>
+            <a:r>
+              <a:rPr lang="en-US" baseline="0" dirty="0"/>
+              <a:t> of information that can be used in this slide</a:t>
+            </a:r>
+            <a:endParaRPr lang="en-US" dirty="0"/>
+          </a:p>
+          <a:p>
+            <a:pPr lvl="0" rtl="0">
+              <a:spcBef>
+                <a:spcPts val="0"/>
+              </a:spcBef>
+              <a:buNone/>
+            </a:pPr>
+            <a:endParaRPr lang="en-US" dirty="0"/>
+          </a:p>
+          <a:p>
+            <a:pPr lvl="0">
+              <a:spcBef>
+                <a:spcPts val="0"/>
+              </a:spcBef>
+              <a:buNone/>
+            </a:pPr>
+            <a:endParaRPr dirty="0"/>
+          </a:p>
+        </p:txBody>
+      </p:sp>
+    </p:spTree>
+    <p:extLst>
+      <p:ext uri="{BB962C8B-B14F-4D97-AF65-F5344CB8AC3E}">
+        <p14:creationId xmlns:p14="http://schemas.microsoft.com/office/powerpoint/2010/main" val="650117490"/>
+      </p:ext>
+    </p:extLst>
+  </p:cSld>
+  <p:clrMapOvr>
+    <a:masterClrMapping/>
+  </p:clrMapOvr>
+</p:notes>
+</file>
+
+<file path=ppt/notesSlides/notesSlide16.xml><?xml version="1.0" encoding="utf-8"?>
+<p:notes xmlns:a="http://schemas.openxmlformats.org/drawingml/2006/main" xmlns:r="http://schemas.openxmlformats.org/officeDocument/2006/relationships" xmlns:p="http://schemas.openxmlformats.org/presentationml/2006/main" showMasterSp="0" showMasterPhAnim="0">
+  <p:cSld>
+    <p:spTree>
+      <p:nvGrpSpPr>
+        <p:cNvPr id="1" name="Shape 144"/>
+        <p:cNvGrpSpPr/>
+        <p:nvPr/>
+      </p:nvGrpSpPr>
+      <p:grpSpPr>
+        <a:xfrm>
+          <a:off x="0" y="0"/>
+          <a:ext cx="0" cy="0"/>
+          <a:chOff x="0" y="0"/>
+          <a:chExt cx="0" cy="0"/>
+        </a:xfrm>
+      </p:grpSpPr>
+      <p:sp>
+        <p:nvSpPr>
+          <p:cNvPr id="145" name="Shape 145"/>
+          <p:cNvSpPr>
+            <a:spLocks noGrp="1" noRot="1" noChangeAspect="1"/>
+          </p:cNvSpPr>
+          <p:nvPr>
+            <p:ph type="sldImg" idx="2"/>
+          </p:nvPr>
+        </p:nvSpPr>
+        <p:spPr>
+          <a:xfrm>
+            <a:off x="381000" y="685800"/>
+            <a:ext cx="6096000" cy="3429000"/>
+          </a:xfrm>
+          <a:custGeom>
+            <a:avLst/>
+            <a:gdLst/>
+            <a:ahLst/>
+            <a:cxnLst/>
+            <a:rect l="0" t="0" r="0" b="0"/>
+            <a:pathLst>
+              <a:path w="120000" h="120000" extrusionOk="0">
+                <a:moveTo>
+                  <a:pt x="0" y="0"/>
+                </a:moveTo>
+                <a:lnTo>
+                  <a:pt x="120000" y="0"/>
+                </a:lnTo>
+                <a:lnTo>
+                  <a:pt x="120000" y="120000"/>
+                </a:lnTo>
+                <a:lnTo>
+                  <a:pt x="0" y="120000"/>
+                </a:lnTo>
+                <a:close/>
+              </a:path>
+            </a:pathLst>
+          </a:custGeom>
+        </p:spPr>
+      </p:sp>
+      <p:sp>
+        <p:nvSpPr>
+          <p:cNvPr id="146" name="Shape 146"/>
+          <p:cNvSpPr txBox="1">
+            <a:spLocks noGrp="1"/>
+          </p:cNvSpPr>
+          <p:nvPr>
+            <p:ph type="body" idx="1"/>
+          </p:nvPr>
+        </p:nvSpPr>
+        <p:spPr>
+          <a:xfrm>
+            <a:off x="685800" y="4343400"/>
+            <a:ext cx="5486400" cy="4114800"/>
+          </a:xfrm>
+          <a:prstGeom prst="rect">
+            <a:avLst/>
+          </a:prstGeom>
+        </p:spPr>
+        <p:txBody>
+          <a:bodyPr lIns="91425" tIns="91425" rIns="91425" bIns="91425" anchor="t" anchorCtr="0">
+            <a:noAutofit/>
+          </a:bodyPr>
+          <a:lstStyle/>
+          <a:p>
+            <a:pPr lvl="0" rtl="0">
+              <a:spcBef>
+                <a:spcPts val="0"/>
+              </a:spcBef>
+              <a:buNone/>
+            </a:pPr>
+            <a:r>
+              <a:rPr lang="en-US" dirty="0"/>
+              <a:t>This slide, like mentioned above is for multiple pointers. The information above covers the types</a:t>
+            </a:r>
+            <a:r>
+              <a:rPr lang="en-US" baseline="0" dirty="0"/>
+              <a:t> of information that can be used in this slide</a:t>
+            </a:r>
+            <a:endParaRPr lang="en-US" dirty="0"/>
+          </a:p>
+          <a:p>
+            <a:pPr lvl="0" rtl="0">
+              <a:spcBef>
+                <a:spcPts val="0"/>
+              </a:spcBef>
+              <a:buNone/>
+            </a:pPr>
+            <a:endParaRPr lang="en-US" dirty="0"/>
+          </a:p>
+          <a:p>
+            <a:pPr lvl="0">
+              <a:spcBef>
+                <a:spcPts val="0"/>
+              </a:spcBef>
+              <a:buNone/>
+            </a:pPr>
+            <a:endParaRPr dirty="0"/>
+          </a:p>
+        </p:txBody>
+      </p:sp>
+    </p:spTree>
+    <p:extLst>
+      <p:ext uri="{BB962C8B-B14F-4D97-AF65-F5344CB8AC3E}">
+        <p14:creationId xmlns:p14="http://schemas.microsoft.com/office/powerpoint/2010/main" val="2083510538"/>
+      </p:ext>
+    </p:extLst>
+  </p:cSld>
+  <p:clrMapOvr>
+    <a:masterClrMapping/>
+  </p:clrMapOvr>
+</p:notes>
+</file>
+
+<file path=ppt/notesSlides/notesSlide17.xml><?xml version="1.0" encoding="utf-8"?>
+<p:notes xmlns:a="http://schemas.openxmlformats.org/drawingml/2006/main" xmlns:r="http://schemas.openxmlformats.org/officeDocument/2006/relationships" xmlns:p="http://schemas.openxmlformats.org/presentationml/2006/main" showMasterSp="0" showMasterPhAnim="0">
+  <p:cSld>
+    <p:spTree>
+      <p:nvGrpSpPr>
+        <p:cNvPr id="1" name="Shape 144"/>
+        <p:cNvGrpSpPr/>
+        <p:nvPr/>
+      </p:nvGrpSpPr>
+      <p:grpSpPr>
+        <a:xfrm>
+          <a:off x="0" y="0"/>
+          <a:ext cx="0" cy="0"/>
+          <a:chOff x="0" y="0"/>
+          <a:chExt cx="0" cy="0"/>
+        </a:xfrm>
+      </p:grpSpPr>
+      <p:sp>
+        <p:nvSpPr>
+          <p:cNvPr id="145" name="Shape 145"/>
+          <p:cNvSpPr>
+            <a:spLocks noGrp="1" noRot="1" noChangeAspect="1"/>
+          </p:cNvSpPr>
+          <p:nvPr>
+            <p:ph type="sldImg" idx="2"/>
+          </p:nvPr>
+        </p:nvSpPr>
+        <p:spPr>
+          <a:xfrm>
+            <a:off x="381000" y="685800"/>
+            <a:ext cx="6096000" cy="3429000"/>
+          </a:xfrm>
+          <a:custGeom>
+            <a:avLst/>
+            <a:gdLst/>
+            <a:ahLst/>
+            <a:cxnLst/>
+            <a:rect l="0" t="0" r="0" b="0"/>
+            <a:pathLst>
+              <a:path w="120000" h="120000" extrusionOk="0">
+                <a:moveTo>
+                  <a:pt x="0" y="0"/>
+                </a:moveTo>
+                <a:lnTo>
+                  <a:pt x="120000" y="0"/>
+                </a:lnTo>
+                <a:lnTo>
+                  <a:pt x="120000" y="120000"/>
+                </a:lnTo>
+                <a:lnTo>
+                  <a:pt x="0" y="120000"/>
+                </a:lnTo>
+                <a:close/>
+              </a:path>
+            </a:pathLst>
+          </a:custGeom>
+        </p:spPr>
+      </p:sp>
+      <p:sp>
+        <p:nvSpPr>
+          <p:cNvPr id="146" name="Shape 146"/>
+          <p:cNvSpPr txBox="1">
+            <a:spLocks noGrp="1"/>
+          </p:cNvSpPr>
+          <p:nvPr>
+            <p:ph type="body" idx="1"/>
+          </p:nvPr>
+        </p:nvSpPr>
+        <p:spPr>
+          <a:xfrm>
+            <a:off x="685800" y="4343400"/>
+            <a:ext cx="5486400" cy="4114800"/>
+          </a:xfrm>
+          <a:prstGeom prst="rect">
+            <a:avLst/>
+          </a:prstGeom>
+        </p:spPr>
+        <p:txBody>
+          <a:bodyPr lIns="91425" tIns="91425" rIns="91425" bIns="91425" anchor="t" anchorCtr="0">
+            <a:noAutofit/>
+          </a:bodyPr>
+          <a:lstStyle/>
+          <a:p>
+            <a:pPr lvl="0" rtl="0">
+              <a:spcBef>
+                <a:spcPts val="0"/>
+              </a:spcBef>
+              <a:buNone/>
+            </a:pPr>
+            <a:r>
+              <a:rPr lang="en-US" dirty="0"/>
+              <a:t>This slide, like mentioned above is for multiple pointers. The information above covers the types</a:t>
+            </a:r>
+            <a:r>
+              <a:rPr lang="en-US" baseline="0" dirty="0"/>
+              <a:t> of information that can be used in this slide</a:t>
+            </a:r>
+            <a:endParaRPr lang="en-US" dirty="0"/>
+          </a:p>
+          <a:p>
+            <a:pPr lvl="0" rtl="0">
+              <a:spcBef>
+                <a:spcPts val="0"/>
+              </a:spcBef>
+              <a:buNone/>
+            </a:pPr>
+            <a:endParaRPr lang="en-US" dirty="0"/>
+          </a:p>
+          <a:p>
+            <a:pPr lvl="0">
+              <a:spcBef>
+                <a:spcPts val="0"/>
+              </a:spcBef>
+              <a:buNone/>
+            </a:pPr>
+            <a:endParaRPr dirty="0"/>
+          </a:p>
+        </p:txBody>
+      </p:sp>
+    </p:spTree>
+    <p:extLst>
+      <p:ext uri="{BB962C8B-B14F-4D97-AF65-F5344CB8AC3E}">
+        <p14:creationId xmlns:p14="http://schemas.microsoft.com/office/powerpoint/2010/main" val="3163693538"/>
+      </p:ext>
+    </p:extLst>
+  </p:cSld>
+  <p:clrMapOvr>
+    <a:masterClrMapping/>
+  </p:clrMapOvr>
+</p:notes>
+</file>
+
+<file path=ppt/notesSlides/notesSlide18.xml><?xml version="1.0" encoding="utf-8"?>
+<p:notes xmlns:a="http://schemas.openxmlformats.org/drawingml/2006/main" xmlns:r="http://schemas.openxmlformats.org/officeDocument/2006/relationships" xmlns:p="http://schemas.openxmlformats.org/presentationml/2006/main" showMasterSp="0" showMasterPhAnim="0">
+  <p:cSld>
+    <p:spTree>
+      <p:nvGrpSpPr>
+        <p:cNvPr id="1" name="Shape 144"/>
+        <p:cNvGrpSpPr/>
+        <p:nvPr/>
+      </p:nvGrpSpPr>
+      <p:grpSpPr>
+        <a:xfrm>
+          <a:off x="0" y="0"/>
+          <a:ext cx="0" cy="0"/>
+          <a:chOff x="0" y="0"/>
+          <a:chExt cx="0" cy="0"/>
+        </a:xfrm>
+      </p:grpSpPr>
+      <p:sp>
+        <p:nvSpPr>
+          <p:cNvPr id="145" name="Shape 145"/>
+          <p:cNvSpPr>
+            <a:spLocks noGrp="1" noRot="1" noChangeAspect="1"/>
+          </p:cNvSpPr>
+          <p:nvPr>
+            <p:ph type="sldImg" idx="2"/>
+          </p:nvPr>
+        </p:nvSpPr>
+        <p:spPr>
+          <a:xfrm>
+            <a:off x="381000" y="685800"/>
+            <a:ext cx="6096000" cy="3429000"/>
+          </a:xfrm>
+          <a:custGeom>
+            <a:avLst/>
+            <a:gdLst/>
+            <a:ahLst/>
+            <a:cxnLst/>
+            <a:rect l="0" t="0" r="0" b="0"/>
+            <a:pathLst>
+              <a:path w="120000" h="120000" extrusionOk="0">
+                <a:moveTo>
+                  <a:pt x="0" y="0"/>
+                </a:moveTo>
+                <a:lnTo>
+                  <a:pt x="120000" y="0"/>
+                </a:lnTo>
+                <a:lnTo>
+                  <a:pt x="120000" y="120000"/>
+                </a:lnTo>
+                <a:lnTo>
+                  <a:pt x="0" y="120000"/>
+                </a:lnTo>
+                <a:close/>
+              </a:path>
+            </a:pathLst>
+          </a:custGeom>
+        </p:spPr>
+      </p:sp>
+      <p:sp>
+        <p:nvSpPr>
+          <p:cNvPr id="146" name="Shape 146"/>
+          <p:cNvSpPr txBox="1">
+            <a:spLocks noGrp="1"/>
+          </p:cNvSpPr>
+          <p:nvPr>
+            <p:ph type="body" idx="1"/>
+          </p:nvPr>
+        </p:nvSpPr>
+        <p:spPr>
+          <a:xfrm>
+            <a:off x="685800" y="4343400"/>
+            <a:ext cx="5486400" cy="4114800"/>
+          </a:xfrm>
+          <a:prstGeom prst="rect">
+            <a:avLst/>
+          </a:prstGeom>
+        </p:spPr>
+        <p:txBody>
+          <a:bodyPr lIns="91425" tIns="91425" rIns="91425" bIns="91425" anchor="t" anchorCtr="0">
+            <a:noAutofit/>
+          </a:bodyPr>
+          <a:lstStyle/>
+          <a:p>
+            <a:pPr lvl="0" rtl="0">
+              <a:spcBef>
+                <a:spcPts val="0"/>
+              </a:spcBef>
+              <a:buNone/>
+            </a:pPr>
+            <a:r>
+              <a:rPr lang="en-US" dirty="0"/>
+              <a:t>This slide, like mentioned above is for multiple pointers. The information above covers the types</a:t>
+            </a:r>
+            <a:r>
+              <a:rPr lang="en-US" baseline="0" dirty="0"/>
+              <a:t> of information that can be used in this slide</a:t>
+            </a:r>
+            <a:endParaRPr lang="en-US" dirty="0"/>
+          </a:p>
+          <a:p>
+            <a:pPr lvl="0" rtl="0">
+              <a:spcBef>
+                <a:spcPts val="0"/>
+              </a:spcBef>
+              <a:buNone/>
+            </a:pPr>
+            <a:endParaRPr lang="en-US" dirty="0"/>
+          </a:p>
+          <a:p>
+            <a:pPr lvl="0">
+              <a:spcBef>
+                <a:spcPts val="0"/>
+              </a:spcBef>
+              <a:buNone/>
+            </a:pPr>
+            <a:endParaRPr dirty="0"/>
+          </a:p>
+        </p:txBody>
+      </p:sp>
+    </p:spTree>
+    <p:extLst>
+      <p:ext uri="{BB962C8B-B14F-4D97-AF65-F5344CB8AC3E}">
+        <p14:creationId xmlns:p14="http://schemas.microsoft.com/office/powerpoint/2010/main" val="1882602306"/>
+      </p:ext>
+    </p:extLst>
+  </p:cSld>
+  <p:clrMapOvr>
+    <a:masterClrMapping/>
+  </p:clrMapOvr>
+</p:notes>
+</file>
+
+<file path=ppt/notesSlides/notesSlide19.xml><?xml version="1.0" encoding="utf-8"?>
 <p:notes xmlns:a="http://schemas.openxmlformats.org/drawingml/2006/main" xmlns:r="http://schemas.openxmlformats.org/officeDocument/2006/relationships" xmlns:p="http://schemas.openxmlformats.org/presentationml/2006/main" showMasterSp="0" showMasterPhAnim="0">
   <p:cSld>
     <p:spTree>
@@ -1217,7 +1912,7 @@
             </a:pPr>
             <a:r>
               <a:rPr lang="en-US" dirty="0"/>
-              <a:t>In this section we’ll return to our OpenCV example and build on it to recognize code in video streaming from a webcam.  This will give you a good understanding of how you could recognize yourself, family members, friends, or perhaps even your favourite celebrity A-lister. </a:t>
+              <a:t>In this section we are going to look at some of the computer vision and AI technology used in self driving cars, specifically an approach to predict the steering angle based on a feed of images of the road ahead.</a:t>
             </a:r>
             <a:endParaRPr dirty="0"/>
           </a:p>
@@ -1226,7 +1921,7 @@
     </p:spTree>
     <p:extLst>
       <p:ext uri="{BB962C8B-B14F-4D97-AF65-F5344CB8AC3E}">
-        <p14:creationId xmlns:p14="http://schemas.microsoft.com/office/powerpoint/2010/main" val="1167048763"/>
+        <p14:creationId xmlns:p14="http://schemas.microsoft.com/office/powerpoint/2010/main" val="4059420221"/>
       </p:ext>
     </p:extLst>
   </p:cSld>
@@ -1376,6 +2071,248 @@
     <p:extLst>
       <p:ext uri="{BB962C8B-B14F-4D97-AF65-F5344CB8AC3E}">
         <p14:creationId xmlns:p14="http://schemas.microsoft.com/office/powerpoint/2010/main" val="2476967103"/>
+      </p:ext>
+    </p:extLst>
+  </p:cSld>
+  <p:clrMapOvr>
+    <a:masterClrMapping/>
+  </p:clrMapOvr>
+</p:notes>
+</file>
+
+<file path=ppt/notesSlides/notesSlide20.xml><?xml version="1.0" encoding="utf-8"?>
+<p:notes xmlns:a="http://schemas.openxmlformats.org/drawingml/2006/main" xmlns:r="http://schemas.openxmlformats.org/officeDocument/2006/relationships" xmlns:p="http://schemas.openxmlformats.org/presentationml/2006/main" showMasterSp="0" showMasterPhAnim="0">
+  <p:cSld>
+    <p:spTree>
+      <p:nvGrpSpPr>
+        <p:cNvPr id="1" name="Shape 144"/>
+        <p:cNvGrpSpPr/>
+        <p:nvPr/>
+      </p:nvGrpSpPr>
+      <p:grpSpPr>
+        <a:xfrm>
+          <a:off x="0" y="0"/>
+          <a:ext cx="0" cy="0"/>
+          <a:chOff x="0" y="0"/>
+          <a:chExt cx="0" cy="0"/>
+        </a:xfrm>
+      </p:grpSpPr>
+      <p:sp>
+        <p:nvSpPr>
+          <p:cNvPr id="145" name="Shape 145"/>
+          <p:cNvSpPr>
+            <a:spLocks noGrp="1" noRot="1" noChangeAspect="1"/>
+          </p:cNvSpPr>
+          <p:nvPr>
+            <p:ph type="sldImg" idx="2"/>
+          </p:nvPr>
+        </p:nvSpPr>
+        <p:spPr>
+          <a:xfrm>
+            <a:off x="381000" y="685800"/>
+            <a:ext cx="6096000" cy="3429000"/>
+          </a:xfrm>
+          <a:custGeom>
+            <a:avLst/>
+            <a:gdLst/>
+            <a:ahLst/>
+            <a:cxnLst/>
+            <a:rect l="0" t="0" r="0" b="0"/>
+            <a:pathLst>
+              <a:path w="120000" h="120000" extrusionOk="0">
+                <a:moveTo>
+                  <a:pt x="0" y="0"/>
+                </a:moveTo>
+                <a:lnTo>
+                  <a:pt x="120000" y="0"/>
+                </a:lnTo>
+                <a:lnTo>
+                  <a:pt x="120000" y="120000"/>
+                </a:lnTo>
+                <a:lnTo>
+                  <a:pt x="0" y="120000"/>
+                </a:lnTo>
+                <a:close/>
+              </a:path>
+            </a:pathLst>
+          </a:custGeom>
+        </p:spPr>
+      </p:sp>
+      <p:sp>
+        <p:nvSpPr>
+          <p:cNvPr id="146" name="Shape 146"/>
+          <p:cNvSpPr txBox="1">
+            <a:spLocks noGrp="1"/>
+          </p:cNvSpPr>
+          <p:nvPr>
+            <p:ph type="body" idx="1"/>
+          </p:nvPr>
+        </p:nvSpPr>
+        <p:spPr>
+          <a:xfrm>
+            <a:off x="685800" y="4343400"/>
+            <a:ext cx="5486400" cy="4114800"/>
+          </a:xfrm>
+          <a:prstGeom prst="rect">
+            <a:avLst/>
+          </a:prstGeom>
+        </p:spPr>
+        <p:txBody>
+          <a:bodyPr lIns="91425" tIns="91425" rIns="91425" bIns="91425" anchor="t" anchorCtr="0">
+            <a:noAutofit/>
+          </a:bodyPr>
+          <a:lstStyle/>
+          <a:p>
+            <a:pPr lvl="0" rtl="0">
+              <a:spcBef>
+                <a:spcPts val="0"/>
+              </a:spcBef>
+              <a:buNone/>
+            </a:pPr>
+            <a:r>
+              <a:rPr lang="en-US" dirty="0"/>
+              <a:t>This slide, like mentioned above is for multiple pointers. The information above covers the types</a:t>
+            </a:r>
+            <a:r>
+              <a:rPr lang="en-US" baseline="0" dirty="0"/>
+              <a:t> of information that can be used in this slide</a:t>
+            </a:r>
+            <a:endParaRPr lang="en-US" dirty="0"/>
+          </a:p>
+          <a:p>
+            <a:pPr lvl="0" rtl="0">
+              <a:spcBef>
+                <a:spcPts val="0"/>
+              </a:spcBef>
+              <a:buNone/>
+            </a:pPr>
+            <a:endParaRPr lang="en-US" dirty="0"/>
+          </a:p>
+          <a:p>
+            <a:pPr lvl="0">
+              <a:spcBef>
+                <a:spcPts val="0"/>
+              </a:spcBef>
+              <a:buNone/>
+            </a:pPr>
+            <a:endParaRPr dirty="0"/>
+          </a:p>
+        </p:txBody>
+      </p:sp>
+    </p:spTree>
+    <p:extLst>
+      <p:ext uri="{BB962C8B-B14F-4D97-AF65-F5344CB8AC3E}">
+        <p14:creationId xmlns:p14="http://schemas.microsoft.com/office/powerpoint/2010/main" val="4107019688"/>
+      </p:ext>
+    </p:extLst>
+  </p:cSld>
+  <p:clrMapOvr>
+    <a:masterClrMapping/>
+  </p:clrMapOvr>
+</p:notes>
+</file>
+
+<file path=ppt/notesSlides/notesSlide21.xml><?xml version="1.0" encoding="utf-8"?>
+<p:notes xmlns:a="http://schemas.openxmlformats.org/drawingml/2006/main" xmlns:r="http://schemas.openxmlformats.org/officeDocument/2006/relationships" xmlns:p="http://schemas.openxmlformats.org/presentationml/2006/main" showMasterSp="0" showMasterPhAnim="0">
+  <p:cSld>
+    <p:spTree>
+      <p:nvGrpSpPr>
+        <p:cNvPr id="1" name="Shape 151"/>
+        <p:cNvGrpSpPr/>
+        <p:nvPr/>
+      </p:nvGrpSpPr>
+      <p:grpSpPr>
+        <a:xfrm>
+          <a:off x="0" y="0"/>
+          <a:ext cx="0" cy="0"/>
+          <a:chOff x="0" y="0"/>
+          <a:chExt cx="0" cy="0"/>
+        </a:xfrm>
+      </p:grpSpPr>
+      <p:sp>
+        <p:nvSpPr>
+          <p:cNvPr id="152" name="Shape 152"/>
+          <p:cNvSpPr>
+            <a:spLocks noGrp="1" noRot="1" noChangeAspect="1"/>
+          </p:cNvSpPr>
+          <p:nvPr>
+            <p:ph type="sldImg" idx="2"/>
+          </p:nvPr>
+        </p:nvSpPr>
+        <p:spPr>
+          <a:xfrm>
+            <a:off x="381000" y="685800"/>
+            <a:ext cx="6096000" cy="3429000"/>
+          </a:xfrm>
+          <a:custGeom>
+            <a:avLst/>
+            <a:gdLst/>
+            <a:ahLst/>
+            <a:cxnLst/>
+            <a:rect l="0" t="0" r="0" b="0"/>
+            <a:pathLst>
+              <a:path w="120000" h="120000" extrusionOk="0">
+                <a:moveTo>
+                  <a:pt x="0" y="0"/>
+                </a:moveTo>
+                <a:lnTo>
+                  <a:pt x="120000" y="0"/>
+                </a:lnTo>
+                <a:lnTo>
+                  <a:pt x="120000" y="120000"/>
+                </a:lnTo>
+                <a:lnTo>
+                  <a:pt x="0" y="120000"/>
+                </a:lnTo>
+                <a:close/>
+              </a:path>
+            </a:pathLst>
+          </a:custGeom>
+        </p:spPr>
+      </p:sp>
+      <p:sp>
+        <p:nvSpPr>
+          <p:cNvPr id="153" name="Shape 153"/>
+          <p:cNvSpPr txBox="1">
+            <a:spLocks noGrp="1"/>
+          </p:cNvSpPr>
+          <p:nvPr>
+            <p:ph type="body" idx="1"/>
+          </p:nvPr>
+        </p:nvSpPr>
+        <p:spPr>
+          <a:xfrm>
+            <a:off x="685800" y="4343400"/>
+            <a:ext cx="5486400" cy="4114800"/>
+          </a:xfrm>
+          <a:prstGeom prst="rect">
+            <a:avLst/>
+          </a:prstGeom>
+        </p:spPr>
+        <p:txBody>
+          <a:bodyPr lIns="91425" tIns="91425" rIns="91425" bIns="91425" anchor="t" anchorCtr="0">
+            <a:noAutofit/>
+          </a:bodyPr>
+          <a:lstStyle/>
+          <a:p>
+            <a:pPr lvl="0" rtl="0">
+              <a:spcBef>
+                <a:spcPts val="0"/>
+              </a:spcBef>
+              <a:buNone/>
+            </a:pPr>
+            <a:r>
+              <a:rPr lang="en-US" dirty="0"/>
+              <a:t>In this section we’ll return to our OpenCV example and build on it to recognize code in video streaming from a webcam.  This will give you a good understanding of how you could recognize yourself, family members, friends, or perhaps even your favourite celebrity A-lister. </a:t>
+            </a:r>
+            <a:endParaRPr dirty="0"/>
+          </a:p>
+        </p:txBody>
+      </p:sp>
+    </p:spTree>
+    <p:extLst>
+      <p:ext uri="{BB962C8B-B14F-4D97-AF65-F5344CB8AC3E}">
+        <p14:creationId xmlns:p14="http://schemas.microsoft.com/office/powerpoint/2010/main" val="1167048763"/>
       </p:ext>
     </p:extLst>
   </p:cSld>
@@ -2350,27 +3287,6 @@
             <a:noAutofit/>
           </a:bodyPr>
           <a:lstStyle/>
-          <a:p>
-            <a:pPr lvl="0" rtl="0">
-              <a:spcBef>
-                <a:spcPts val="0"/>
-              </a:spcBef>
-              <a:buNone/>
-            </a:pPr>
-            <a:r>
-              <a:rPr lang="en-US" dirty="0"/>
-              <a:t>As you can see, a large percentage of the dataset has a steering angle of between -5 and +5 degrees.  This can potentially cause training issues where the algorithm may get 70% accuracy by just returning 0 as the answer! Obviously this won’t be a good thing in a real car!! </a:t>
-            </a:r>
-          </a:p>
-          <a:p>
-            <a:pPr lvl="0" rtl="0">
-              <a:spcBef>
-                <a:spcPts val="0"/>
-              </a:spcBef>
-              <a:buNone/>
-            </a:pPr>
-            <a:endParaRPr lang="en-US" dirty="0"/>
-          </a:p>
           <a:p>
             <a:pPr lvl="0">
               <a:spcBef>
@@ -4573,17 +5489,9 @@
 <file path=ppt/slides/slide10.xml><?xml version="1.0" encoding="utf-8"?>
 <p:sld xmlns:a="http://schemas.openxmlformats.org/drawingml/2006/main" xmlns:r="http://schemas.openxmlformats.org/officeDocument/2006/relationships" xmlns:p="http://schemas.openxmlformats.org/presentationml/2006/main">
   <p:cSld>
-    <p:bg>
-      <p:bgPr>
-        <a:solidFill>
-          <a:srgbClr val="F37021"/>
-        </a:solidFill>
-        <a:effectLst/>
-      </p:bgPr>
-    </p:bg>
     <p:spTree>
       <p:nvGrpSpPr>
-        <p:cNvPr id="1" name="Shape 154"/>
+        <p:cNvPr id="1" name="Shape 147"/>
         <p:cNvGrpSpPr/>
         <p:nvPr/>
       </p:nvGrpSpPr>
@@ -4597,41 +5505,164 @@
       </p:grpSpPr>
       <p:sp>
         <p:nvSpPr>
-          <p:cNvPr id="155" name="Shape 155"/>
+          <p:cNvPr id="148" name="Shape 148"/>
           <p:cNvSpPr txBox="1">
             <a:spLocks noGrp="1"/>
           </p:cNvSpPr>
           <p:nvPr>
-            <p:ph type="ctrTitle"/>
+            <p:ph type="title"/>
           </p:nvPr>
         </p:nvSpPr>
         <p:spPr>
           <a:xfrm>
-            <a:off x="777178" y="4207953"/>
-            <a:ext cx="16451820" cy="1866335"/>
+            <a:off x="192358" y="32689"/>
+            <a:ext cx="17661379" cy="1204842"/>
           </a:xfrm>
           <a:prstGeom prst="rect">
             <a:avLst/>
           </a:prstGeom>
         </p:spPr>
         <p:txBody>
-          <a:bodyPr lIns="182874" tIns="182874" rIns="182874" bIns="182874" anchor="b" anchorCtr="0">
+          <a:bodyPr lIns="182874" tIns="182874" rIns="182874" bIns="182874" anchor="ctr" anchorCtr="0">
             <a:noAutofit/>
           </a:bodyPr>
           <a:lstStyle/>
           <a:p>
             <a:pPr algn="ctr"/>
             <a:r>
-              <a:rPr lang="en" dirty="0"/>
-              <a:t>4.3 Training Our Model</a:t>
-            </a:r>
+              <a:rPr lang="en" sz="4402" dirty="0"/>
+              <a:t>Environment</a:t>
+            </a:r>
+          </a:p>
+        </p:txBody>
+      </p:sp>
+      <p:sp>
+        <p:nvSpPr>
+          <p:cNvPr id="149" name="Shape 149"/>
+          <p:cNvSpPr txBox="1">
+            <a:spLocks noGrp="1"/>
+          </p:cNvSpPr>
+          <p:nvPr>
+            <p:ph type="body" idx="4294967295"/>
+          </p:nvPr>
+        </p:nvSpPr>
+        <p:spPr>
+          <a:xfrm>
+            <a:off x="413459" y="1776131"/>
+            <a:ext cx="17440478" cy="8042873"/>
+          </a:xfrm>
+          <a:prstGeom prst="rect">
+            <a:avLst/>
+          </a:prstGeom>
+        </p:spPr>
+        <p:txBody>
+          <a:bodyPr lIns="182874" tIns="182874" rIns="182874" bIns="182874" anchor="t" anchorCtr="0">
+            <a:noAutofit/>
+          </a:bodyPr>
+          <a:lstStyle/>
+          <a:p>
+            <a:pPr marL="914507" indent="-711281">
+              <a:buClr>
+                <a:srgbClr val="434343"/>
+              </a:buClr>
+              <a:buChar char="●"/>
+            </a:pPr>
+            <a:r>
+              <a:rPr lang="en-US" sz="4002" dirty="0">
+                <a:solidFill>
+                  <a:srgbClr val="434343"/>
+                </a:solidFill>
+              </a:rPr>
+              <a:t>This model can be trained on a laptop or PC without a GPU</a:t>
+            </a:r>
+          </a:p>
+          <a:p>
+            <a:pPr marL="914507" indent="-711281">
+              <a:buClr>
+                <a:srgbClr val="434343"/>
+              </a:buClr>
+              <a:buChar char="●"/>
+            </a:pPr>
+            <a:r>
+              <a:rPr lang="en-US" sz="4002" dirty="0">
+                <a:solidFill>
+                  <a:srgbClr val="434343"/>
+                </a:solidFill>
+              </a:rPr>
+              <a:t>It took several hours to train to a level where the predicted angles were accurate enough for demo purposes</a:t>
+            </a:r>
+          </a:p>
+          <a:p>
+            <a:pPr marL="914507" indent="-711281">
+              <a:buClr>
+                <a:srgbClr val="434343"/>
+              </a:buClr>
+              <a:buChar char="●"/>
+            </a:pPr>
+            <a:r>
+              <a:rPr lang="en-US" sz="4002" dirty="0">
+                <a:solidFill>
+                  <a:srgbClr val="434343"/>
+                </a:solidFill>
+              </a:rPr>
+              <a:t>Use of a more powerful laptop, or a server with a GPU will decrease training times (often significantly!!)</a:t>
+            </a:r>
+          </a:p>
+          <a:p>
+            <a:pPr marL="914507" indent="-711281">
+              <a:buClr>
+                <a:srgbClr val="434343"/>
+              </a:buClr>
+              <a:buChar char="●"/>
+            </a:pPr>
+            <a:endParaRPr lang="en-US" sz="4002" dirty="0">
+              <a:solidFill>
+                <a:srgbClr val="434343"/>
+              </a:solidFill>
+            </a:endParaRPr>
+          </a:p>
+          <a:p>
+            <a:pPr marL="203226" lvl="1">
+              <a:buClr>
+                <a:srgbClr val="434343"/>
+              </a:buClr>
+            </a:pPr>
+            <a:r>
+              <a:rPr lang="en-GB" sz="3200" dirty="0">
+                <a:solidFill>
+                  <a:srgbClr val="434343"/>
+                </a:solidFill>
+                <a:latin typeface="Consolas" panose="020B0609020204030204" pitchFamily="49" charset="0"/>
+                <a:cs typeface="Consolas" panose="020B0609020204030204" pitchFamily="49" charset="0"/>
+              </a:rPr>
+              <a:t>		</a:t>
+            </a:r>
+            <a:endParaRPr lang="en-US" sz="4002" dirty="0">
+              <a:solidFill>
+                <a:srgbClr val="434343"/>
+              </a:solidFill>
+            </a:endParaRPr>
+          </a:p>
+          <a:p>
+            <a:pPr marL="774726" indent="-571500">
+              <a:buClr>
+                <a:srgbClr val="434343"/>
+              </a:buClr>
+              <a:buFont typeface="Arial" panose="020B0604020202020204" pitchFamily="34" charset="0"/>
+              <a:buChar char="•"/>
+            </a:pPr>
+            <a:endParaRPr lang="en" sz="4002" dirty="0">
+              <a:solidFill>
+                <a:srgbClr val="434343"/>
+              </a:solidFill>
+            </a:endParaRPr>
           </a:p>
         </p:txBody>
       </p:sp>
     </p:spTree>
     <p:extLst>
       <p:ext uri="{BB962C8B-B14F-4D97-AF65-F5344CB8AC3E}">
-        <p14:creationId xmlns:p14="http://schemas.microsoft.com/office/powerpoint/2010/main" val="1246701380"/>
+        <p14:creationId xmlns:p14="http://schemas.microsoft.com/office/powerpoint/2010/main" val="3540321845"/>
       </p:ext>
     </p:extLst>
   </p:cSld>
@@ -4686,7 +5717,7 @@
             <a:pPr algn="ctr"/>
             <a:r>
               <a:rPr lang="en" sz="4402" dirty="0"/>
-              <a:t>Training our model</a:t>
+              <a:t>Dataset</a:t>
             </a:r>
           </a:p>
         </p:txBody>
@@ -4720,6 +5751,364 @@
               <a:buClr>
                 <a:srgbClr val="434343"/>
               </a:buClr>
+              <a:buChar char="●"/>
+            </a:pPr>
+            <a:r>
+              <a:rPr lang="en-US" sz="4002" dirty="0">
+                <a:solidFill>
+                  <a:srgbClr val="434343"/>
+                </a:solidFill>
+              </a:rPr>
+              <a:t>The dataset is available here:</a:t>
+            </a:r>
+          </a:p>
+          <a:p>
+            <a:pPr marL="914507" indent="-711281">
+              <a:buClr>
+                <a:srgbClr val="434343"/>
+              </a:buClr>
+              <a:buChar char="●"/>
+            </a:pPr>
+            <a:endParaRPr lang="en-US" sz="4002" dirty="0">
+              <a:solidFill>
+                <a:srgbClr val="434343"/>
+              </a:solidFill>
+            </a:endParaRPr>
+          </a:p>
+          <a:p>
+            <a:pPr marL="914507" indent="-711281">
+              <a:buClr>
+                <a:srgbClr val="434343"/>
+              </a:buClr>
+              <a:buChar char="●"/>
+            </a:pPr>
+            <a:endParaRPr lang="en-US" sz="4002" dirty="0">
+              <a:solidFill>
+                <a:srgbClr val="434343"/>
+              </a:solidFill>
+            </a:endParaRPr>
+          </a:p>
+          <a:p>
+            <a:pPr marL="914507" indent="-711281">
+              <a:buClr>
+                <a:srgbClr val="434343"/>
+              </a:buClr>
+              <a:buChar char="●"/>
+            </a:pPr>
+            <a:r>
+              <a:rPr lang="en-US" sz="4002" dirty="0">
+                <a:solidFill>
+                  <a:srgbClr val="434343"/>
+                </a:solidFill>
+              </a:rPr>
+              <a:t>You can download it with the following script:</a:t>
+            </a:r>
+          </a:p>
+          <a:p>
+            <a:pPr marL="914507" indent="-711281">
+              <a:buClr>
+                <a:srgbClr val="434343"/>
+              </a:buClr>
+              <a:buChar char="●"/>
+            </a:pPr>
+            <a:endParaRPr lang="en-US" sz="4002" dirty="0">
+              <a:solidFill>
+                <a:srgbClr val="434343"/>
+              </a:solidFill>
+            </a:endParaRPr>
+          </a:p>
+          <a:p>
+            <a:pPr marL="914507" indent="-711281">
+              <a:buClr>
+                <a:srgbClr val="434343"/>
+              </a:buClr>
+              <a:buChar char="●"/>
+            </a:pPr>
+            <a:endParaRPr lang="en-US" sz="4002" dirty="0">
+              <a:solidFill>
+                <a:srgbClr val="434343"/>
+              </a:solidFill>
+            </a:endParaRPr>
+          </a:p>
+          <a:p>
+            <a:pPr marL="914507" indent="-711281">
+              <a:buClr>
+                <a:srgbClr val="434343"/>
+              </a:buClr>
+              <a:buChar char="●"/>
+            </a:pPr>
+            <a:endParaRPr lang="en-US" sz="4002" dirty="0">
+              <a:solidFill>
+                <a:srgbClr val="434343"/>
+              </a:solidFill>
+            </a:endParaRPr>
+          </a:p>
+          <a:p>
+            <a:pPr marL="203226" lvl="1">
+              <a:buClr>
+                <a:srgbClr val="434343"/>
+              </a:buClr>
+            </a:pPr>
+            <a:r>
+              <a:rPr lang="en-GB" sz="3200" dirty="0">
+                <a:solidFill>
+                  <a:srgbClr val="434343"/>
+                </a:solidFill>
+                <a:latin typeface="Consolas" panose="020B0609020204030204" pitchFamily="49" charset="0"/>
+                <a:cs typeface="Consolas" panose="020B0609020204030204" pitchFamily="49" charset="0"/>
+              </a:rPr>
+              <a:t>		</a:t>
+            </a:r>
+            <a:endParaRPr lang="en-US" sz="4002" dirty="0">
+              <a:solidFill>
+                <a:srgbClr val="434343"/>
+              </a:solidFill>
+            </a:endParaRPr>
+          </a:p>
+          <a:p>
+            <a:pPr marL="774726" indent="-571500">
+              <a:buClr>
+                <a:srgbClr val="434343"/>
+              </a:buClr>
+              <a:buFont typeface="Arial" panose="020B0604020202020204" pitchFamily="34" charset="0"/>
+              <a:buChar char="•"/>
+            </a:pPr>
+            <a:endParaRPr lang="en" sz="4002" dirty="0">
+              <a:solidFill>
+                <a:srgbClr val="434343"/>
+              </a:solidFill>
+            </a:endParaRPr>
+          </a:p>
+        </p:txBody>
+      </p:sp>
+    </p:spTree>
+    <p:extLst>
+      <p:ext uri="{BB962C8B-B14F-4D97-AF65-F5344CB8AC3E}">
+        <p14:creationId xmlns:p14="http://schemas.microsoft.com/office/powerpoint/2010/main" val="2278846531"/>
+      </p:ext>
+    </p:extLst>
+  </p:cSld>
+  <p:clrMapOvr>
+    <a:masterClrMapping/>
+  </p:clrMapOvr>
+</p:sld>
+</file>
+
+<file path=ppt/slides/slide12.xml><?xml version="1.0" encoding="utf-8"?>
+<p:sld xmlns:a="http://schemas.openxmlformats.org/drawingml/2006/main" xmlns:r="http://schemas.openxmlformats.org/officeDocument/2006/relationships" xmlns:p="http://schemas.openxmlformats.org/presentationml/2006/main">
+  <p:cSld>
+    <p:spTree>
+      <p:nvGrpSpPr>
+        <p:cNvPr id="1" name="Shape 172"/>
+        <p:cNvGrpSpPr/>
+        <p:nvPr/>
+      </p:nvGrpSpPr>
+      <p:grpSpPr>
+        <a:xfrm>
+          <a:off x="0" y="0"/>
+          <a:ext cx="0" cy="0"/>
+          <a:chOff x="0" y="0"/>
+          <a:chExt cx="0" cy="0"/>
+        </a:xfrm>
+      </p:grpSpPr>
+      <p:sp>
+        <p:nvSpPr>
+          <p:cNvPr id="173" name="Shape 173"/>
+          <p:cNvSpPr txBox="1">
+            <a:spLocks noGrp="1"/>
+          </p:cNvSpPr>
+          <p:nvPr>
+            <p:ph type="title"/>
+          </p:nvPr>
+        </p:nvSpPr>
+        <p:spPr>
+          <a:xfrm>
+            <a:off x="976721" y="976049"/>
+            <a:ext cx="16075446" cy="8177813"/>
+          </a:xfrm>
+          <a:prstGeom prst="rect">
+            <a:avLst/>
+          </a:prstGeom>
+        </p:spPr>
+        <p:txBody>
+          <a:bodyPr lIns="182874" tIns="182874" rIns="182874" bIns="182874" anchor="ctr" anchorCtr="0">
+            <a:noAutofit/>
+          </a:bodyPr>
+          <a:lstStyle/>
+          <a:p>
+            <a:r>
+              <a:rPr lang="en" dirty="0">
+                <a:latin typeface="Consolas" panose="020B0609020204030204" pitchFamily="49" charset="0"/>
+                <a:cs typeface="Consolas" panose="020B0609020204030204" pitchFamily="49" charset="0"/>
+              </a:rPr>
+              <a:t>Let’s explore the dataset…</a:t>
+            </a:r>
+          </a:p>
+        </p:txBody>
+      </p:sp>
+    </p:spTree>
+    <p:extLst>
+      <p:ext uri="{BB962C8B-B14F-4D97-AF65-F5344CB8AC3E}">
+        <p14:creationId xmlns:p14="http://schemas.microsoft.com/office/powerpoint/2010/main" val="2087634935"/>
+      </p:ext>
+    </p:extLst>
+  </p:cSld>
+  <p:clrMapOvr>
+    <a:masterClrMapping/>
+  </p:clrMapOvr>
+</p:sld>
+</file>
+
+<file path=ppt/slides/slide13.xml><?xml version="1.0" encoding="utf-8"?>
+<p:sld xmlns:a="http://schemas.openxmlformats.org/drawingml/2006/main" xmlns:r="http://schemas.openxmlformats.org/officeDocument/2006/relationships" xmlns:p="http://schemas.openxmlformats.org/presentationml/2006/main">
+  <p:cSld>
+    <p:bg>
+      <p:bgPr>
+        <a:solidFill>
+          <a:srgbClr val="F37021"/>
+        </a:solidFill>
+        <a:effectLst/>
+      </p:bgPr>
+    </p:bg>
+    <p:spTree>
+      <p:nvGrpSpPr>
+        <p:cNvPr id="1" name="Shape 154"/>
+        <p:cNvGrpSpPr/>
+        <p:nvPr/>
+      </p:nvGrpSpPr>
+      <p:grpSpPr>
+        <a:xfrm>
+          <a:off x="0" y="0"/>
+          <a:ext cx="0" cy="0"/>
+          <a:chOff x="0" y="0"/>
+          <a:chExt cx="0" cy="0"/>
+        </a:xfrm>
+      </p:grpSpPr>
+      <p:sp>
+        <p:nvSpPr>
+          <p:cNvPr id="155" name="Shape 155"/>
+          <p:cNvSpPr txBox="1">
+            <a:spLocks noGrp="1"/>
+          </p:cNvSpPr>
+          <p:nvPr>
+            <p:ph type="ctrTitle"/>
+          </p:nvPr>
+        </p:nvSpPr>
+        <p:spPr>
+          <a:xfrm>
+            <a:off x="777178" y="4207953"/>
+            <a:ext cx="16451820" cy="1866335"/>
+          </a:xfrm>
+          <a:prstGeom prst="rect">
+            <a:avLst/>
+          </a:prstGeom>
+        </p:spPr>
+        <p:txBody>
+          <a:bodyPr lIns="182874" tIns="182874" rIns="182874" bIns="182874" anchor="b" anchorCtr="0">
+            <a:noAutofit/>
+          </a:bodyPr>
+          <a:lstStyle/>
+          <a:p>
+            <a:pPr algn="ctr"/>
+            <a:r>
+              <a:rPr lang="en" dirty="0"/>
+              <a:t>4.3 Training Our Model</a:t>
+            </a:r>
+          </a:p>
+        </p:txBody>
+      </p:sp>
+    </p:spTree>
+    <p:extLst>
+      <p:ext uri="{BB962C8B-B14F-4D97-AF65-F5344CB8AC3E}">
+        <p14:creationId xmlns:p14="http://schemas.microsoft.com/office/powerpoint/2010/main" val="1246701380"/>
+      </p:ext>
+    </p:extLst>
+  </p:cSld>
+  <p:clrMapOvr>
+    <a:masterClrMapping/>
+  </p:clrMapOvr>
+</p:sld>
+</file>
+
+<file path=ppt/slides/slide14.xml><?xml version="1.0" encoding="utf-8"?>
+<p:sld xmlns:a="http://schemas.openxmlformats.org/drawingml/2006/main" xmlns:r="http://schemas.openxmlformats.org/officeDocument/2006/relationships" xmlns:p="http://schemas.openxmlformats.org/presentationml/2006/main">
+  <p:cSld>
+    <p:spTree>
+      <p:nvGrpSpPr>
+        <p:cNvPr id="1" name="Shape 147"/>
+        <p:cNvGrpSpPr/>
+        <p:nvPr/>
+      </p:nvGrpSpPr>
+      <p:grpSpPr>
+        <a:xfrm>
+          <a:off x="0" y="0"/>
+          <a:ext cx="0" cy="0"/>
+          <a:chOff x="0" y="0"/>
+          <a:chExt cx="0" cy="0"/>
+        </a:xfrm>
+      </p:grpSpPr>
+      <p:sp>
+        <p:nvSpPr>
+          <p:cNvPr id="148" name="Shape 148"/>
+          <p:cNvSpPr txBox="1">
+            <a:spLocks noGrp="1"/>
+          </p:cNvSpPr>
+          <p:nvPr>
+            <p:ph type="title"/>
+          </p:nvPr>
+        </p:nvSpPr>
+        <p:spPr>
+          <a:xfrm>
+            <a:off x="192358" y="32689"/>
+            <a:ext cx="17661379" cy="1204842"/>
+          </a:xfrm>
+          <a:prstGeom prst="rect">
+            <a:avLst/>
+          </a:prstGeom>
+        </p:spPr>
+        <p:txBody>
+          <a:bodyPr lIns="182874" tIns="182874" rIns="182874" bIns="182874" anchor="ctr" anchorCtr="0">
+            <a:noAutofit/>
+          </a:bodyPr>
+          <a:lstStyle/>
+          <a:p>
+            <a:pPr algn="ctr"/>
+            <a:r>
+              <a:rPr lang="en" sz="4402" dirty="0"/>
+              <a:t>Training our model</a:t>
+            </a:r>
+          </a:p>
+        </p:txBody>
+      </p:sp>
+      <p:sp>
+        <p:nvSpPr>
+          <p:cNvPr id="149" name="Shape 149"/>
+          <p:cNvSpPr txBox="1">
+            <a:spLocks noGrp="1"/>
+          </p:cNvSpPr>
+          <p:nvPr>
+            <p:ph type="body" idx="4294967295"/>
+          </p:nvPr>
+        </p:nvSpPr>
+        <p:spPr>
+          <a:xfrm>
+            <a:off x="413459" y="1776131"/>
+            <a:ext cx="17440478" cy="8042873"/>
+          </a:xfrm>
+          <a:prstGeom prst="rect">
+            <a:avLst/>
+          </a:prstGeom>
+        </p:spPr>
+        <p:txBody>
+          <a:bodyPr lIns="182874" tIns="182874" rIns="182874" bIns="182874" anchor="t" anchorCtr="0">
+            <a:noAutofit/>
+          </a:bodyPr>
+          <a:lstStyle/>
+          <a:p>
+            <a:pPr marL="914507" indent="-711281">
+              <a:buClr>
+                <a:srgbClr val="434343"/>
+              </a:buClr>
               <a:buFont typeface="Calibri"/>
               <a:buChar char="●"/>
             </a:pPr>
@@ -4802,7 +6191,31 @@
                   <a:srgbClr val="434343"/>
                 </a:solidFill>
               </a:rPr>
-              <a:t>Graphing performance</a:t>
+              <a:t>Debugging hints and tips</a:t>
+            </a:r>
+          </a:p>
+          <a:p>
+            <a:pPr marL="914507" indent="-711281">
+              <a:buClr>
+                <a:srgbClr val="434343"/>
+              </a:buClr>
+              <a:buChar char="●"/>
+            </a:pPr>
+            <a:r>
+              <a:rPr lang="en-US" sz="4002" dirty="0" err="1">
+                <a:solidFill>
+                  <a:srgbClr val="434343"/>
+                </a:solidFill>
+              </a:rPr>
+              <a:t>Analysing</a:t>
+            </a:r>
+            <a:r>
+              <a:rPr lang="en-US" sz="4002" dirty="0">
+                <a:solidFill>
+                  <a:srgbClr val="434343"/>
+                </a:solidFill>
+              </a:rPr>
+              <a:t> training performance</a:t>
             </a:r>
           </a:p>
           <a:p>
@@ -4882,7 +6295,7 @@
 </p:sld>
 </file>
 
-<file path=ppt/slides/slide12.xml><?xml version="1.0" encoding="utf-8"?>
+<file path=ppt/slides/slide15.xml><?xml version="1.0" encoding="utf-8"?>
 <p:sld xmlns:a="http://schemas.openxmlformats.org/drawingml/2006/main" xmlns:r="http://schemas.openxmlformats.org/officeDocument/2006/relationships" xmlns:p="http://schemas.openxmlformats.org/presentationml/2006/main">
   <p:cSld>
     <p:spTree>
@@ -5420,20 +6833,12 @@
 </p:sld>
 </file>
 
-<file path=ppt/slides/slide13.xml><?xml version="1.0" encoding="utf-8"?>
+<file path=ppt/slides/slide16.xml><?xml version="1.0" encoding="utf-8"?>
 <p:sld xmlns:a="http://schemas.openxmlformats.org/drawingml/2006/main" xmlns:r="http://schemas.openxmlformats.org/officeDocument/2006/relationships" xmlns:p="http://schemas.openxmlformats.org/presentationml/2006/main">
   <p:cSld>
-    <p:bg>
-      <p:bgPr>
-        <a:solidFill>
-          <a:srgbClr val="F37021"/>
-        </a:solidFill>
-        <a:effectLst/>
-      </p:bgPr>
-    </p:bg>
     <p:spTree>
       <p:nvGrpSpPr>
-        <p:cNvPr id="1" name="Shape 154"/>
+        <p:cNvPr id="1" name=""/>
         <p:cNvGrpSpPr/>
         <p:nvPr/>
       </p:nvGrpSpPr>
@@ -5447,41 +6852,484 @@
       </p:grpSpPr>
       <p:sp>
         <p:nvSpPr>
-          <p:cNvPr id="155" name="Shape 155"/>
-          <p:cNvSpPr txBox="1">
+          <p:cNvPr id="2" name="Title 1">
+            <a:extLst>
+              <a:ext uri="{FF2B5EF4-FFF2-40B4-BE49-F238E27FC236}">
+                <a16:creationId xmlns:a16="http://schemas.microsoft.com/office/drawing/2014/main" id="{53CA41F2-396A-D24E-AB66-1C0509B1988F}"/>
+              </a:ext>
+            </a:extLst>
+          </p:cNvPr>
+          <p:cNvSpPr>
             <a:spLocks noGrp="1"/>
           </p:cNvSpPr>
           <p:nvPr>
-            <p:ph type="ctrTitle"/>
+            <p:ph type="title"/>
           </p:nvPr>
         </p:nvSpPr>
+        <p:spPr/>
+        <p:txBody>
+          <a:bodyPr/>
+          <a:lstStyle/>
+          <a:p>
+            <a:r>
+              <a:rPr lang="en-US" dirty="0"/>
+              <a:t>Pre-processing the image</a:t>
+            </a:r>
+          </a:p>
+        </p:txBody>
+      </p:sp>
+      <p:pic>
+        <p:nvPicPr>
+          <p:cNvPr id="4" name="Picture 3">
+            <a:extLst>
+              <a:ext uri="{FF2B5EF4-FFF2-40B4-BE49-F238E27FC236}">
+                <a16:creationId xmlns:a16="http://schemas.microsoft.com/office/drawing/2014/main" id="{FB31FC68-B9AB-554A-8434-92BA54A927D2}"/>
+              </a:ext>
+            </a:extLst>
+          </p:cNvPr>
+          <p:cNvPicPr>
+            <a:picLocks noChangeAspect="1"/>
+          </p:cNvPicPr>
+          <p:nvPr/>
+        </p:nvPicPr>
+        <p:blipFill>
+          <a:blip r:embed="rId2"/>
+          <a:stretch>
+            <a:fillRect/>
+          </a:stretch>
+        </p:blipFill>
         <p:spPr>
           <a:xfrm>
-            <a:off x="777178" y="4207953"/>
-            <a:ext cx="16451820" cy="1866335"/>
+            <a:off x="2187386" y="5006660"/>
+            <a:ext cx="6154421" cy="3470334"/>
           </a:xfrm>
           <a:prstGeom prst="rect">
             <a:avLst/>
           </a:prstGeom>
         </p:spPr>
+      </p:pic>
+      <p:pic>
+        <p:nvPicPr>
+          <p:cNvPr id="5" name="Picture 4" descr="A sign on the side of a road&#13;&#10;&#13;&#10;Description automatically generated">
+            <a:extLst>
+              <a:ext uri="{FF2B5EF4-FFF2-40B4-BE49-F238E27FC236}">
+                <a16:creationId xmlns:a16="http://schemas.microsoft.com/office/drawing/2014/main" id="{FB8F78D3-6469-354C-8CF8-790AF468DA4A}"/>
+              </a:ext>
+            </a:extLst>
+          </p:cNvPr>
+          <p:cNvPicPr>
+            <a:picLocks noChangeAspect="1"/>
+          </p:cNvPicPr>
+          <p:nvPr/>
+        </p:nvPicPr>
+        <p:blipFill>
+          <a:blip r:embed="rId3"/>
+          <a:stretch>
+            <a:fillRect/>
+          </a:stretch>
+        </p:blipFill>
+        <p:spPr>
+          <a:xfrm>
+            <a:off x="11578892" y="6073084"/>
+            <a:ext cx="3894190" cy="1344012"/>
+          </a:xfrm>
+          <a:prstGeom prst="rect">
+            <a:avLst/>
+          </a:prstGeom>
+        </p:spPr>
+      </p:pic>
+      <p:sp>
+        <p:nvSpPr>
+          <p:cNvPr id="16" name="Shape 149">
+            <a:extLst>
+              <a:ext uri="{FF2B5EF4-FFF2-40B4-BE49-F238E27FC236}">
+                <a16:creationId xmlns:a16="http://schemas.microsoft.com/office/drawing/2014/main" id="{81983761-C905-3A4C-946F-8D17A76BF177}"/>
+              </a:ext>
+            </a:extLst>
+          </p:cNvPr>
+          <p:cNvSpPr txBox="1">
+            <a:spLocks/>
+          </p:cNvSpPr>
+          <p:nvPr/>
+        </p:nvSpPr>
+        <p:spPr>
+          <a:xfrm>
+            <a:off x="413459" y="1776132"/>
+            <a:ext cx="17440478" cy="2508998"/>
+          </a:xfrm>
+          <a:prstGeom prst="rect">
+            <a:avLst/>
+          </a:prstGeom>
+          <a:noFill/>
+          <a:ln>
+            <a:noFill/>
+          </a:ln>
+        </p:spPr>
         <p:txBody>
-          <a:bodyPr lIns="182874" tIns="182874" rIns="182874" bIns="182874" anchor="b" anchorCtr="0">
+          <a:bodyPr lIns="182874" tIns="182874" rIns="182874" bIns="182874" anchor="t" anchorCtr="0">
             <a:noAutofit/>
           </a:bodyPr>
+          <a:lstStyle>
+            <a:defPPr marR="0" lvl="0" algn="l" rtl="0">
+              <a:lnSpc>
+                <a:spcPct val="100000"/>
+              </a:lnSpc>
+              <a:spcBef>
+                <a:spcPts val="0"/>
+              </a:spcBef>
+              <a:spcAft>
+                <a:spcPts val="0"/>
+              </a:spcAft>
+            </a:defPPr>
+            <a:lvl1pPr marR="0" lvl="0" algn="l" rtl="0">
+              <a:lnSpc>
+                <a:spcPct val="115000"/>
+              </a:lnSpc>
+              <a:spcBef>
+                <a:spcPts val="0"/>
+              </a:spcBef>
+              <a:spcAft>
+                <a:spcPts val="1600"/>
+              </a:spcAft>
+              <a:buClr>
+                <a:schemeClr val="lt2"/>
+              </a:buClr>
+              <a:buSzPct val="100000"/>
+              <a:buFont typeface="Calibri"/>
+              <a:buNone/>
+              <a:defRPr sz="1800" b="0" i="0" u="none" strike="noStrike" cap="none">
+                <a:solidFill>
+                  <a:schemeClr val="lt2"/>
+                </a:solidFill>
+                <a:latin typeface="Calibri"/>
+                <a:ea typeface="Calibri"/>
+                <a:cs typeface="Calibri"/>
+                <a:sym typeface="Calibri"/>
+              </a:defRPr>
+            </a:lvl1pPr>
+            <a:lvl2pPr marR="0" lvl="1" algn="l" rtl="0">
+              <a:lnSpc>
+                <a:spcPct val="115000"/>
+              </a:lnSpc>
+              <a:spcBef>
+                <a:spcPts val="0"/>
+              </a:spcBef>
+              <a:spcAft>
+                <a:spcPts val="1600"/>
+              </a:spcAft>
+              <a:buClr>
+                <a:schemeClr val="lt2"/>
+              </a:buClr>
+              <a:buFont typeface="Calibri"/>
+              <a:buNone/>
+              <a:defRPr sz="2801" b="0" i="0" u="none" strike="noStrike" cap="none">
+                <a:solidFill>
+                  <a:schemeClr val="lt2"/>
+                </a:solidFill>
+                <a:latin typeface="Calibri"/>
+                <a:ea typeface="Calibri"/>
+                <a:cs typeface="Calibri"/>
+                <a:sym typeface="Calibri"/>
+              </a:defRPr>
+            </a:lvl2pPr>
+            <a:lvl3pPr marR="0" lvl="2" algn="l" rtl="0">
+              <a:lnSpc>
+                <a:spcPct val="115000"/>
+              </a:lnSpc>
+              <a:spcBef>
+                <a:spcPts val="0"/>
+              </a:spcBef>
+              <a:spcAft>
+                <a:spcPts val="1600"/>
+              </a:spcAft>
+              <a:buClr>
+                <a:schemeClr val="lt2"/>
+              </a:buClr>
+              <a:buFont typeface="Calibri"/>
+              <a:buNone/>
+              <a:defRPr sz="2801" b="0" i="0" u="none" strike="noStrike" cap="none">
+                <a:solidFill>
+                  <a:schemeClr val="lt2"/>
+                </a:solidFill>
+                <a:latin typeface="Calibri"/>
+                <a:ea typeface="Calibri"/>
+                <a:cs typeface="Calibri"/>
+                <a:sym typeface="Calibri"/>
+              </a:defRPr>
+            </a:lvl3pPr>
+            <a:lvl4pPr marR="0" lvl="3" algn="l" rtl="0">
+              <a:lnSpc>
+                <a:spcPct val="115000"/>
+              </a:lnSpc>
+              <a:spcBef>
+                <a:spcPts val="0"/>
+              </a:spcBef>
+              <a:spcAft>
+                <a:spcPts val="1600"/>
+              </a:spcAft>
+              <a:buClr>
+                <a:schemeClr val="lt2"/>
+              </a:buClr>
+              <a:buFont typeface="Calibri"/>
+              <a:buNone/>
+              <a:defRPr sz="2801" b="0" i="0" u="none" strike="noStrike" cap="none">
+                <a:solidFill>
+                  <a:schemeClr val="lt2"/>
+                </a:solidFill>
+                <a:latin typeface="Calibri"/>
+                <a:ea typeface="Calibri"/>
+                <a:cs typeface="Calibri"/>
+                <a:sym typeface="Calibri"/>
+              </a:defRPr>
+            </a:lvl4pPr>
+            <a:lvl5pPr marR="0" lvl="4" algn="l" rtl="0">
+              <a:lnSpc>
+                <a:spcPct val="115000"/>
+              </a:lnSpc>
+              <a:spcBef>
+                <a:spcPts val="0"/>
+              </a:spcBef>
+              <a:spcAft>
+                <a:spcPts val="1600"/>
+              </a:spcAft>
+              <a:buClr>
+                <a:schemeClr val="lt2"/>
+              </a:buClr>
+              <a:buFont typeface="Calibri"/>
+              <a:buNone/>
+              <a:defRPr sz="2801" b="0" i="0" u="none" strike="noStrike" cap="none">
+                <a:solidFill>
+                  <a:schemeClr val="lt2"/>
+                </a:solidFill>
+                <a:latin typeface="Calibri"/>
+                <a:ea typeface="Calibri"/>
+                <a:cs typeface="Calibri"/>
+                <a:sym typeface="Calibri"/>
+              </a:defRPr>
+            </a:lvl5pPr>
+            <a:lvl6pPr marR="0" lvl="5" algn="l" rtl="0">
+              <a:lnSpc>
+                <a:spcPct val="115000"/>
+              </a:lnSpc>
+              <a:spcBef>
+                <a:spcPts val="0"/>
+              </a:spcBef>
+              <a:spcAft>
+                <a:spcPts val="1600"/>
+              </a:spcAft>
+              <a:buClr>
+                <a:schemeClr val="lt2"/>
+              </a:buClr>
+              <a:buFont typeface="Calibri"/>
+              <a:buNone/>
+              <a:defRPr sz="2801" b="0" i="0" u="none" strike="noStrike" cap="none">
+                <a:solidFill>
+                  <a:schemeClr val="lt2"/>
+                </a:solidFill>
+                <a:latin typeface="Calibri"/>
+                <a:ea typeface="Calibri"/>
+                <a:cs typeface="Calibri"/>
+                <a:sym typeface="Calibri"/>
+              </a:defRPr>
+            </a:lvl6pPr>
+            <a:lvl7pPr marR="0" lvl="6" algn="l" rtl="0">
+              <a:lnSpc>
+                <a:spcPct val="115000"/>
+              </a:lnSpc>
+              <a:spcBef>
+                <a:spcPts val="0"/>
+              </a:spcBef>
+              <a:spcAft>
+                <a:spcPts val="1600"/>
+              </a:spcAft>
+              <a:buClr>
+                <a:schemeClr val="lt2"/>
+              </a:buClr>
+              <a:buFont typeface="Calibri"/>
+              <a:buNone/>
+              <a:defRPr sz="2801" b="0" i="0" u="none" strike="noStrike" cap="none">
+                <a:solidFill>
+                  <a:schemeClr val="lt2"/>
+                </a:solidFill>
+                <a:latin typeface="Calibri"/>
+                <a:ea typeface="Calibri"/>
+                <a:cs typeface="Calibri"/>
+                <a:sym typeface="Calibri"/>
+              </a:defRPr>
+            </a:lvl7pPr>
+            <a:lvl8pPr marR="0" lvl="7" algn="l" rtl="0">
+              <a:lnSpc>
+                <a:spcPct val="115000"/>
+              </a:lnSpc>
+              <a:spcBef>
+                <a:spcPts val="0"/>
+              </a:spcBef>
+              <a:spcAft>
+                <a:spcPts val="1600"/>
+              </a:spcAft>
+              <a:buClr>
+                <a:schemeClr val="lt2"/>
+              </a:buClr>
+              <a:buFont typeface="Calibri"/>
+              <a:buNone/>
+              <a:defRPr sz="2801" b="0" i="0" u="none" strike="noStrike" cap="none">
+                <a:solidFill>
+                  <a:schemeClr val="lt2"/>
+                </a:solidFill>
+                <a:latin typeface="Calibri"/>
+                <a:ea typeface="Calibri"/>
+                <a:cs typeface="Calibri"/>
+                <a:sym typeface="Calibri"/>
+              </a:defRPr>
+            </a:lvl8pPr>
+            <a:lvl9pPr marR="0" lvl="8" algn="l" rtl="0">
+              <a:lnSpc>
+                <a:spcPct val="115000"/>
+              </a:lnSpc>
+              <a:spcBef>
+                <a:spcPts val="0"/>
+              </a:spcBef>
+              <a:spcAft>
+                <a:spcPts val="1600"/>
+              </a:spcAft>
+              <a:buClr>
+                <a:schemeClr val="lt2"/>
+              </a:buClr>
+              <a:buFont typeface="Calibri"/>
+              <a:buNone/>
+              <a:defRPr sz="2801" b="0" i="0" u="none" strike="noStrike" cap="none">
+                <a:solidFill>
+                  <a:schemeClr val="lt2"/>
+                </a:solidFill>
+                <a:latin typeface="Calibri"/>
+                <a:ea typeface="Calibri"/>
+                <a:cs typeface="Calibri"/>
+                <a:sym typeface="Calibri"/>
+              </a:defRPr>
+            </a:lvl9pPr>
+          </a:lstStyle>
+          <a:p>
+            <a:pPr marL="914507" indent="-711281">
+              <a:buClr>
+                <a:srgbClr val="434343"/>
+              </a:buClr>
+              <a:buFont typeface="Calibri"/>
+              <a:buChar char="●"/>
+            </a:pPr>
+            <a:r>
+              <a:rPr lang="en-US" sz="4002" dirty="0">
+                <a:solidFill>
+                  <a:srgbClr val="434343"/>
+                </a:solidFill>
+              </a:rPr>
+              <a:t>We resize and crop the image, focusing on the road as this is the region of interest for predicting steering angles.</a:t>
+            </a:r>
+          </a:p>
+          <a:p>
+            <a:pPr marL="914507" indent="-711281">
+              <a:buClr>
+                <a:srgbClr val="434343"/>
+              </a:buClr>
+              <a:buFont typeface="Calibri"/>
+              <a:buChar char="●"/>
+            </a:pPr>
+            <a:r>
+              <a:rPr lang="en-US" sz="4002" dirty="0">
+                <a:solidFill>
+                  <a:srgbClr val="434343"/>
+                </a:solidFill>
+              </a:rPr>
+              <a:t>Resizing reduces the amount of processing for each image</a:t>
+            </a:r>
+          </a:p>
+          <a:p>
+            <a:pPr marL="914507" indent="-711281">
+              <a:buClr>
+                <a:srgbClr val="434343"/>
+              </a:buClr>
+              <a:buFont typeface="Calibri"/>
+              <a:buChar char="●"/>
+            </a:pPr>
+            <a:endParaRPr lang="en-US" sz="4002" dirty="0">
+              <a:solidFill>
+                <a:srgbClr val="434343"/>
+              </a:solidFill>
+            </a:endParaRPr>
+          </a:p>
+          <a:p>
+            <a:pPr marL="203226" lvl="1">
+              <a:buClr>
+                <a:srgbClr val="434343"/>
+              </a:buClr>
+            </a:pPr>
+            <a:r>
+              <a:rPr lang="en-GB" sz="3200" dirty="0">
+                <a:solidFill>
+                  <a:srgbClr val="434343"/>
+                </a:solidFill>
+                <a:latin typeface="Consolas" panose="020B0609020204030204" pitchFamily="49" charset="0"/>
+                <a:cs typeface="Consolas" panose="020B0609020204030204" pitchFamily="49" charset="0"/>
+              </a:rPr>
+              <a:t>		</a:t>
+            </a:r>
+            <a:endParaRPr lang="en-US" sz="4002" dirty="0">
+              <a:solidFill>
+                <a:srgbClr val="434343"/>
+              </a:solidFill>
+            </a:endParaRPr>
+          </a:p>
+        </p:txBody>
+      </p:sp>
+      <p:sp>
+        <p:nvSpPr>
+          <p:cNvPr id="9" name="Right Arrow 8">
+            <a:extLst>
+              <a:ext uri="{FF2B5EF4-FFF2-40B4-BE49-F238E27FC236}">
+                <a16:creationId xmlns:a16="http://schemas.microsoft.com/office/drawing/2014/main" id="{9B3D739C-B0F4-C943-881E-2704EB70424D}"/>
+              </a:ext>
+            </a:extLst>
+          </p:cNvPr>
+          <p:cNvSpPr/>
+          <p:nvPr/>
+        </p:nvSpPr>
+        <p:spPr>
+          <a:xfrm>
+            <a:off x="8866655" y="6314784"/>
+            <a:ext cx="1954306" cy="860612"/>
+          </a:xfrm>
+          <a:prstGeom prst="rightArrow">
+            <a:avLst/>
+          </a:prstGeom>
+        </p:spPr>
+        <p:style>
+          <a:lnRef idx="2">
+            <a:schemeClr val="accent1">
+              <a:shade val="50000"/>
+            </a:schemeClr>
+          </a:lnRef>
+          <a:fillRef idx="1">
+            <a:schemeClr val="accent1"/>
+          </a:fillRef>
+          <a:effectRef idx="0">
+            <a:schemeClr val="accent1"/>
+          </a:effectRef>
+          <a:fontRef idx="minor">
+            <a:schemeClr val="lt1"/>
+          </a:fontRef>
+        </p:style>
+        <p:txBody>
+          <a:bodyPr rtlCol="0" anchor="ctr"/>
           <a:lstStyle/>
           <a:p>
             <a:pPr algn="ctr"/>
-            <a:r>
-              <a:rPr lang="en" dirty="0"/>
-              <a:t>4.4 Inferring Steering Angles</a:t>
-            </a:r>
+            <a:endParaRPr lang="en-US"/>
           </a:p>
         </p:txBody>
       </p:sp>
     </p:spTree>
     <p:extLst>
       <p:ext uri="{BB962C8B-B14F-4D97-AF65-F5344CB8AC3E}">
-        <p14:creationId xmlns:p14="http://schemas.microsoft.com/office/powerpoint/2010/main" val="592704715"/>
+        <p14:creationId xmlns:p14="http://schemas.microsoft.com/office/powerpoint/2010/main" val="2761259632"/>
       </p:ext>
     </p:extLst>
   </p:cSld>
@@ -5491,7 +7339,7 @@
 </p:sld>
 </file>
 
-<file path=ppt/slides/slide14.xml><?xml version="1.0" encoding="utf-8"?>
+<file path=ppt/slides/slide17.xml><?xml version="1.0" encoding="utf-8"?>
 <p:sld xmlns:a="http://schemas.openxmlformats.org/drawingml/2006/main" xmlns:r="http://schemas.openxmlformats.org/officeDocument/2006/relationships" xmlns:p="http://schemas.openxmlformats.org/presentationml/2006/main">
   <p:cSld>
     <p:spTree>
@@ -5536,7 +7384,7 @@
             <a:pPr algn="ctr"/>
             <a:r>
               <a:rPr lang="en" sz="4402" dirty="0"/>
-              <a:t>Testing Our Model</a:t>
+              <a:t>Generators</a:t>
             </a:r>
           </a:p>
         </p:txBody>
@@ -5570,6 +7418,7 @@
               <a:buClr>
                 <a:srgbClr val="434343"/>
               </a:buClr>
+              <a:buFont typeface="Calibri"/>
               <a:buChar char="●"/>
             </a:pPr>
             <a:r>
@@ -5578,7 +7427,7 @@
                   <a:srgbClr val="434343"/>
                 </a:solidFill>
               </a:rPr>
-              <a:t>Testing model accuracy</a:t>
+              <a:t>As our dataset is large, we don’t want to load it all into memory</a:t>
             </a:r>
           </a:p>
           <a:p>
@@ -5586,6 +7435,7 @@
               <a:buClr>
                 <a:srgbClr val="434343"/>
               </a:buClr>
+              <a:buFont typeface="Calibri"/>
               <a:buChar char="●"/>
             </a:pPr>
             <a:r>
@@ -5594,23 +7444,7 @@
                   <a:srgbClr val="434343"/>
                 </a:solidFill>
               </a:rPr>
-              <a:t>Displaying the steering wheel</a:t>
-            </a:r>
-          </a:p>
-          <a:p>
-            <a:pPr marL="914507" indent="-711281">
-              <a:buClr>
-                <a:srgbClr val="434343"/>
-              </a:buClr>
-              <a:buChar char="●"/>
-            </a:pPr>
-            <a:r>
-              <a:rPr lang="en-US" sz="4002" dirty="0">
-                <a:solidFill>
-                  <a:srgbClr val="434343"/>
-                </a:solidFill>
-              </a:rPr>
-              <a:t>Smoothing out the movement</a:t>
+              <a:t>Generators give us the ability to iterate through our dataset and train on batches</a:t>
             </a:r>
           </a:p>
           <a:p>
@@ -5621,14 +7455,11 @@
               <a:buFont typeface="Calibri"/>
               <a:buChar char="●"/>
             </a:pPr>
-            <a:r>
-              <a:rPr lang="en-US" sz="4002" dirty="0">
-                <a:solidFill>
-                  <a:srgbClr val="434343"/>
-                </a:solidFill>
-              </a:rPr>
-              <a:t>Display what the CNN “sees”??</a:t>
-            </a:r>
+            <a:endParaRPr lang="en-US" sz="4002" dirty="0">
+              <a:solidFill>
+                <a:srgbClr val="434343"/>
+              </a:solidFill>
+            </a:endParaRPr>
           </a:p>
           <a:p>
             <a:pPr marL="914507" indent="-711281">
@@ -5637,14 +7468,11 @@
               </a:buClr>
               <a:buChar char="●"/>
             </a:pPr>
-            <a:r>
-              <a:rPr lang="en-US" sz="4002" dirty="0">
-                <a:solidFill>
-                  <a:srgbClr val="434343"/>
-                </a:solidFill>
-              </a:rPr>
-              <a:t>Creating a YouTube video of this in action</a:t>
-            </a:r>
+            <a:endParaRPr lang="en-US" sz="4002" dirty="0">
+              <a:solidFill>
+                <a:srgbClr val="434343"/>
+              </a:solidFill>
+            </a:endParaRPr>
           </a:p>
           <a:p>
             <a:pPr marL="914507" indent="-711281">
@@ -5700,7 +7528,7 @@
     </p:spTree>
     <p:extLst>
       <p:ext uri="{BB962C8B-B14F-4D97-AF65-F5344CB8AC3E}">
-        <p14:creationId xmlns:p14="http://schemas.microsoft.com/office/powerpoint/2010/main" val="3783544927"/>
+        <p14:creationId xmlns:p14="http://schemas.microsoft.com/office/powerpoint/2010/main" val="2370473635"/>
       </p:ext>
     </p:extLst>
   </p:cSld>
@@ -5710,20 +7538,12 @@
 </p:sld>
 </file>
 
-<file path=ppt/slides/slide15.xml><?xml version="1.0" encoding="utf-8"?>
+<file path=ppt/slides/slide18.xml><?xml version="1.0" encoding="utf-8"?>
 <p:sld xmlns:a="http://schemas.openxmlformats.org/drawingml/2006/main" xmlns:r="http://schemas.openxmlformats.org/officeDocument/2006/relationships" xmlns:p="http://schemas.openxmlformats.org/presentationml/2006/main">
   <p:cSld>
-    <p:bg>
-      <p:bgPr>
-        <a:solidFill>
-          <a:srgbClr val="F37021"/>
-        </a:solidFill>
-        <a:effectLst/>
-      </p:bgPr>
-    </p:bg>
     <p:spTree>
       <p:nvGrpSpPr>
-        <p:cNvPr id="1" name="Shape 154"/>
+        <p:cNvPr id="1" name="Shape 147"/>
         <p:cNvGrpSpPr/>
         <p:nvPr/>
       </p:nvGrpSpPr>
@@ -5737,32 +7557,33 @@
       </p:grpSpPr>
       <p:sp>
         <p:nvSpPr>
-          <p:cNvPr id="155" name="Shape 155"/>
+          <p:cNvPr id="148" name="Shape 148"/>
           <p:cNvSpPr txBox="1">
             <a:spLocks noGrp="1"/>
           </p:cNvSpPr>
           <p:nvPr>
-            <p:ph type="ctrTitle"/>
+            <p:ph type="title"/>
           </p:nvPr>
         </p:nvSpPr>
         <p:spPr>
           <a:xfrm>
-            <a:off x="777178" y="4207953"/>
-            <a:ext cx="16451820" cy="1866335"/>
+            <a:off x="192358" y="32689"/>
+            <a:ext cx="17661379" cy="1204842"/>
           </a:xfrm>
           <a:prstGeom prst="rect">
             <a:avLst/>
           </a:prstGeom>
         </p:spPr>
         <p:txBody>
-          <a:bodyPr lIns="182874" tIns="182874" rIns="182874" bIns="182874" anchor="b" anchorCtr="0">
+          <a:bodyPr lIns="182874" tIns="182874" rIns="182874" bIns="182874" anchor="ctr" anchorCtr="0">
             <a:noAutofit/>
           </a:bodyPr>
           <a:lstStyle/>
           <a:p>
-            <a:r>
-              <a:rPr lang="en" dirty="0"/>
-              <a:t>That’s the end of this course…!</a:t>
+            <a:pPr algn="ctr"/>
+            <a:r>
+              <a:rPr lang="en" sz="4402" dirty="0"/>
+              <a:t>Our CNN</a:t>
             </a:r>
           </a:p>
         </p:txBody>
@@ -5770,7 +7591,274 @@
     </p:spTree>
     <p:extLst>
       <p:ext uri="{BB962C8B-B14F-4D97-AF65-F5344CB8AC3E}">
-        <p14:creationId xmlns:p14="http://schemas.microsoft.com/office/powerpoint/2010/main" val="3693721200"/>
+        <p14:creationId xmlns:p14="http://schemas.microsoft.com/office/powerpoint/2010/main" val="251888988"/>
+      </p:ext>
+    </p:extLst>
+  </p:cSld>
+  <p:clrMapOvr>
+    <a:masterClrMapping/>
+  </p:clrMapOvr>
+</p:sld>
+</file>
+
+<file path=ppt/slides/slide19.xml><?xml version="1.0" encoding="utf-8"?>
+<p:sld xmlns:a="http://schemas.openxmlformats.org/drawingml/2006/main" xmlns:r="http://schemas.openxmlformats.org/officeDocument/2006/relationships" xmlns:p="http://schemas.openxmlformats.org/presentationml/2006/main">
+  <p:cSld>
+    <p:spTree>
+      <p:nvGrpSpPr>
+        <p:cNvPr id="1" name="Shape 147"/>
+        <p:cNvGrpSpPr/>
+        <p:nvPr/>
+      </p:nvGrpSpPr>
+      <p:grpSpPr>
+        <a:xfrm>
+          <a:off x="0" y="0"/>
+          <a:ext cx="0" cy="0"/>
+          <a:chOff x="0" y="0"/>
+          <a:chExt cx="0" cy="0"/>
+        </a:xfrm>
+      </p:grpSpPr>
+      <p:sp>
+        <p:nvSpPr>
+          <p:cNvPr id="148" name="Shape 148"/>
+          <p:cNvSpPr txBox="1">
+            <a:spLocks noGrp="1"/>
+          </p:cNvSpPr>
+          <p:nvPr>
+            <p:ph type="title"/>
+          </p:nvPr>
+        </p:nvSpPr>
+        <p:spPr>
+          <a:xfrm>
+            <a:off x="192358" y="32689"/>
+            <a:ext cx="17661379" cy="1204842"/>
+          </a:xfrm>
+          <a:prstGeom prst="rect">
+            <a:avLst/>
+          </a:prstGeom>
+        </p:spPr>
+        <p:txBody>
+          <a:bodyPr lIns="182874" tIns="182874" rIns="182874" bIns="182874" anchor="ctr" anchorCtr="0">
+            <a:noAutofit/>
+          </a:bodyPr>
+          <a:lstStyle/>
+          <a:p>
+            <a:pPr algn="ctr"/>
+            <a:r>
+              <a:rPr lang="en" sz="4402" dirty="0"/>
+              <a:t>Debugging Neural Networks</a:t>
+            </a:r>
+          </a:p>
+        </p:txBody>
+      </p:sp>
+      <p:sp>
+        <p:nvSpPr>
+          <p:cNvPr id="149" name="Shape 149"/>
+          <p:cNvSpPr txBox="1">
+            <a:spLocks noGrp="1"/>
+          </p:cNvSpPr>
+          <p:nvPr>
+            <p:ph type="body" idx="4294967295"/>
+          </p:nvPr>
+        </p:nvSpPr>
+        <p:spPr>
+          <a:xfrm>
+            <a:off x="413459" y="1776131"/>
+            <a:ext cx="17440478" cy="8042873"/>
+          </a:xfrm>
+          <a:prstGeom prst="rect">
+            <a:avLst/>
+          </a:prstGeom>
+        </p:spPr>
+        <p:txBody>
+          <a:bodyPr lIns="182874" tIns="182874" rIns="182874" bIns="182874" anchor="t" anchorCtr="0">
+            <a:noAutofit/>
+          </a:bodyPr>
+          <a:lstStyle/>
+          <a:p>
+            <a:pPr marL="914507" indent="-711281">
+              <a:buClr>
+                <a:srgbClr val="434343"/>
+              </a:buClr>
+              <a:buFont typeface="Calibri"/>
+              <a:buChar char="●"/>
+            </a:pPr>
+            <a:r>
+              <a:rPr lang="en-US" sz="4002" dirty="0">
+                <a:solidFill>
+                  <a:srgbClr val="434343"/>
+                </a:solidFill>
+              </a:rPr>
+              <a:t>Training neural networks can be more trial-and-error than science</a:t>
+            </a:r>
+          </a:p>
+          <a:p>
+            <a:pPr marL="914507" indent="-711281">
+              <a:buClr>
+                <a:srgbClr val="434343"/>
+              </a:buClr>
+              <a:buFont typeface="Calibri"/>
+              <a:buChar char="●"/>
+            </a:pPr>
+            <a:r>
+              <a:rPr lang="en-US" sz="4002" dirty="0">
+                <a:solidFill>
+                  <a:srgbClr val="434343"/>
+                </a:solidFill>
+              </a:rPr>
+              <a:t>Prove the code works by running a small number of samples and a single batch</a:t>
+            </a:r>
+          </a:p>
+          <a:p>
+            <a:pPr marL="914507" indent="-711281">
+              <a:buClr>
+                <a:srgbClr val="434343"/>
+              </a:buClr>
+              <a:buFont typeface="Calibri"/>
+              <a:buChar char="●"/>
+            </a:pPr>
+            <a:r>
+              <a:rPr lang="en-US" sz="4002" dirty="0">
+                <a:solidFill>
+                  <a:srgbClr val="434343"/>
+                </a:solidFill>
+              </a:rPr>
+              <a:t>Train using a small number of samples to check that the model converges and you see overfitting</a:t>
+            </a:r>
+          </a:p>
+          <a:p>
+            <a:pPr marL="914507" indent="-711281">
+              <a:buClr>
+                <a:srgbClr val="434343"/>
+              </a:buClr>
+              <a:buFont typeface="Calibri"/>
+              <a:buChar char="●"/>
+            </a:pPr>
+            <a:r>
+              <a:rPr lang="en-US" sz="4002" dirty="0">
+                <a:solidFill>
+                  <a:srgbClr val="434343"/>
+                </a:solidFill>
+              </a:rPr>
+              <a:t>Increase the number of samples over time</a:t>
+            </a:r>
+          </a:p>
+          <a:p>
+            <a:pPr marL="914507" indent="-711281">
+              <a:buClr>
+                <a:srgbClr val="434343"/>
+              </a:buClr>
+              <a:buFont typeface="Calibri"/>
+              <a:buChar char="●"/>
+            </a:pPr>
+            <a:r>
+              <a:rPr lang="en-US" sz="4002" dirty="0">
+                <a:solidFill>
+                  <a:srgbClr val="434343"/>
+                </a:solidFill>
+              </a:rPr>
+              <a:t>Make changes to the network architecture, hyper-parameters, etc. to find an optimal solution</a:t>
+            </a:r>
+          </a:p>
+          <a:p>
+            <a:pPr marL="914507" indent="-711281">
+              <a:buClr>
+                <a:srgbClr val="434343"/>
+              </a:buClr>
+              <a:buFont typeface="Calibri"/>
+              <a:buChar char="●"/>
+            </a:pPr>
+            <a:r>
+              <a:rPr lang="en-US" sz="4002" dirty="0">
+                <a:solidFill>
+                  <a:srgbClr val="434343"/>
+                </a:solidFill>
+              </a:rPr>
+              <a:t>Then scale to the full dataset</a:t>
+            </a:r>
+          </a:p>
+          <a:p>
+            <a:pPr marL="914507" indent="-711281">
+              <a:buClr>
+                <a:srgbClr val="434343"/>
+              </a:buClr>
+              <a:buFont typeface="Calibri"/>
+              <a:buChar char="●"/>
+            </a:pPr>
+            <a:endParaRPr lang="en-US" sz="4002" dirty="0">
+              <a:solidFill>
+                <a:srgbClr val="434343"/>
+              </a:solidFill>
+            </a:endParaRPr>
+          </a:p>
+          <a:p>
+            <a:pPr marL="914507" indent="-711281">
+              <a:buClr>
+                <a:srgbClr val="434343"/>
+              </a:buClr>
+              <a:buChar char="●"/>
+            </a:pPr>
+            <a:endParaRPr lang="en-US" sz="4002" dirty="0">
+              <a:solidFill>
+                <a:srgbClr val="434343"/>
+              </a:solidFill>
+            </a:endParaRPr>
+          </a:p>
+          <a:p>
+            <a:pPr marL="914507" indent="-711281">
+              <a:buClr>
+                <a:srgbClr val="434343"/>
+              </a:buClr>
+              <a:buChar char="●"/>
+            </a:pPr>
+            <a:endParaRPr lang="en-US" sz="4002" dirty="0">
+              <a:solidFill>
+                <a:srgbClr val="434343"/>
+              </a:solidFill>
+            </a:endParaRPr>
+          </a:p>
+          <a:p>
+            <a:pPr marL="203226" lvl="1">
+              <a:buClr>
+                <a:srgbClr val="434343"/>
+              </a:buClr>
+            </a:pPr>
+            <a:r>
+              <a:rPr lang="en-GB" sz="3200" dirty="0">
+                <a:solidFill>
+                  <a:srgbClr val="434343"/>
+                </a:solidFill>
+                <a:latin typeface="Consolas" panose="020B0609020204030204" pitchFamily="49" charset="0"/>
+                <a:cs typeface="Consolas" panose="020B0609020204030204" pitchFamily="49" charset="0"/>
+              </a:rPr>
+              <a:t>		</a:t>
+            </a:r>
+            <a:endParaRPr lang="en-US" sz="4002" dirty="0">
+              <a:solidFill>
+                <a:srgbClr val="434343"/>
+              </a:solidFill>
+            </a:endParaRPr>
+          </a:p>
+          <a:p>
+            <a:pPr marL="774726" indent="-571500">
+              <a:buClr>
+                <a:srgbClr val="434343"/>
+              </a:buClr>
+              <a:buFont typeface="Arial" panose="020B0604020202020204" pitchFamily="34" charset="0"/>
+              <a:buChar char="•"/>
+            </a:pPr>
+            <a:endParaRPr lang="en" sz="4002" dirty="0">
+              <a:solidFill>
+                <a:srgbClr val="434343"/>
+              </a:solidFill>
+            </a:endParaRPr>
+          </a:p>
+        </p:txBody>
+      </p:sp>
+    </p:spTree>
+    <p:extLst>
+      <p:ext uri="{BB962C8B-B14F-4D97-AF65-F5344CB8AC3E}">
+        <p14:creationId xmlns:p14="http://schemas.microsoft.com/office/powerpoint/2010/main" val="3367407288"/>
       </p:ext>
     </p:extLst>
   </p:cSld>
@@ -5836,6 +7924,566 @@
     <p:extLst>
       <p:ext uri="{BB962C8B-B14F-4D97-AF65-F5344CB8AC3E}">
         <p14:creationId xmlns:p14="http://schemas.microsoft.com/office/powerpoint/2010/main" val="999200402"/>
+      </p:ext>
+    </p:extLst>
+  </p:cSld>
+  <p:clrMapOvr>
+    <a:masterClrMapping/>
+  </p:clrMapOvr>
+</p:sld>
+</file>
+
+<file path=ppt/slides/slide20.xml><?xml version="1.0" encoding="utf-8"?>
+<p:sld xmlns:a="http://schemas.openxmlformats.org/drawingml/2006/main" xmlns:r="http://schemas.openxmlformats.org/officeDocument/2006/relationships" xmlns:p="http://schemas.openxmlformats.org/presentationml/2006/main">
+  <p:cSld>
+    <p:spTree>
+      <p:nvGrpSpPr>
+        <p:cNvPr id="1" name="Shape 147"/>
+        <p:cNvGrpSpPr/>
+        <p:nvPr/>
+      </p:nvGrpSpPr>
+      <p:grpSpPr>
+        <a:xfrm>
+          <a:off x="0" y="0"/>
+          <a:ext cx="0" cy="0"/>
+          <a:chOff x="0" y="0"/>
+          <a:chExt cx="0" cy="0"/>
+        </a:xfrm>
+      </p:grpSpPr>
+      <p:sp>
+        <p:nvSpPr>
+          <p:cNvPr id="148" name="Shape 148"/>
+          <p:cNvSpPr txBox="1">
+            <a:spLocks noGrp="1"/>
+          </p:cNvSpPr>
+          <p:nvPr>
+            <p:ph type="title"/>
+          </p:nvPr>
+        </p:nvSpPr>
+        <p:spPr>
+          <a:xfrm>
+            <a:off x="192358" y="32689"/>
+            <a:ext cx="17661379" cy="1204842"/>
+          </a:xfrm>
+          <a:prstGeom prst="rect">
+            <a:avLst/>
+          </a:prstGeom>
+        </p:spPr>
+        <p:txBody>
+          <a:bodyPr lIns="182874" tIns="182874" rIns="182874" bIns="182874" anchor="ctr" anchorCtr="0">
+            <a:noAutofit/>
+          </a:bodyPr>
+          <a:lstStyle/>
+          <a:p>
+            <a:pPr algn="ctr"/>
+            <a:r>
+              <a:rPr lang="en" sz="4402" dirty="0" err="1"/>
+              <a:t>Analysing</a:t>
+            </a:r>
+            <a:r>
+              <a:rPr lang="en" sz="4402" dirty="0"/>
+              <a:t> Training Performance</a:t>
+            </a:r>
+          </a:p>
+        </p:txBody>
+      </p:sp>
+      <p:sp>
+        <p:nvSpPr>
+          <p:cNvPr id="149" name="Shape 149"/>
+          <p:cNvSpPr txBox="1">
+            <a:spLocks noGrp="1"/>
+          </p:cNvSpPr>
+          <p:nvPr>
+            <p:ph type="body" idx="4294967295"/>
+          </p:nvPr>
+        </p:nvSpPr>
+        <p:spPr>
+          <a:xfrm>
+            <a:off x="413459" y="1776131"/>
+            <a:ext cx="17440478" cy="8042873"/>
+          </a:xfrm>
+          <a:prstGeom prst="rect">
+            <a:avLst/>
+          </a:prstGeom>
+        </p:spPr>
+        <p:txBody>
+          <a:bodyPr lIns="182874" tIns="182874" rIns="182874" bIns="182874" anchor="t" anchorCtr="0">
+            <a:noAutofit/>
+          </a:bodyPr>
+          <a:lstStyle/>
+          <a:p>
+            <a:pPr marL="914507" indent="-711281">
+              <a:buClr>
+                <a:srgbClr val="434343"/>
+              </a:buClr>
+              <a:buFont typeface="Calibri"/>
+              <a:buChar char="●"/>
+            </a:pPr>
+            <a:r>
+              <a:rPr lang="en-US" sz="4002" dirty="0">
+                <a:solidFill>
+                  <a:srgbClr val="434343"/>
+                </a:solidFill>
+              </a:rPr>
+              <a:t>We are looking for the [training] loss and validation loss to decrease over time</a:t>
+            </a:r>
+          </a:p>
+          <a:p>
+            <a:pPr marL="914507" indent="-711281">
+              <a:buClr>
+                <a:srgbClr val="434343"/>
+              </a:buClr>
+              <a:buFont typeface="Calibri"/>
+              <a:buChar char="●"/>
+            </a:pPr>
+            <a:endParaRPr lang="en-US" sz="4002" dirty="0">
+              <a:solidFill>
+                <a:srgbClr val="434343"/>
+              </a:solidFill>
+            </a:endParaRPr>
+          </a:p>
+          <a:p>
+            <a:pPr marL="914507" indent="-711281">
+              <a:buClr>
+                <a:srgbClr val="434343"/>
+              </a:buClr>
+              <a:buFont typeface="Calibri"/>
+              <a:buChar char="●"/>
+            </a:pPr>
+            <a:endParaRPr lang="en-US" sz="4002" dirty="0">
+              <a:solidFill>
+                <a:srgbClr val="434343"/>
+              </a:solidFill>
+            </a:endParaRPr>
+          </a:p>
+          <a:p>
+            <a:pPr marL="914507" indent="-711281">
+              <a:buClr>
+                <a:srgbClr val="434343"/>
+              </a:buClr>
+              <a:buChar char="●"/>
+            </a:pPr>
+            <a:endParaRPr lang="en-US" sz="4002" dirty="0">
+              <a:solidFill>
+                <a:srgbClr val="434343"/>
+              </a:solidFill>
+            </a:endParaRPr>
+          </a:p>
+          <a:p>
+            <a:pPr marL="914507" indent="-711281">
+              <a:buClr>
+                <a:srgbClr val="434343"/>
+              </a:buClr>
+              <a:buChar char="●"/>
+            </a:pPr>
+            <a:endParaRPr lang="en-US" sz="4002" dirty="0">
+              <a:solidFill>
+                <a:srgbClr val="434343"/>
+              </a:solidFill>
+            </a:endParaRPr>
+          </a:p>
+          <a:p>
+            <a:pPr marL="203226" lvl="1">
+              <a:buClr>
+                <a:srgbClr val="434343"/>
+              </a:buClr>
+            </a:pPr>
+            <a:r>
+              <a:rPr lang="en-GB" sz="3200" dirty="0">
+                <a:solidFill>
+                  <a:srgbClr val="434343"/>
+                </a:solidFill>
+                <a:latin typeface="Consolas" panose="020B0609020204030204" pitchFamily="49" charset="0"/>
+                <a:cs typeface="Consolas" panose="020B0609020204030204" pitchFamily="49" charset="0"/>
+              </a:rPr>
+              <a:t>		</a:t>
+            </a:r>
+            <a:endParaRPr lang="en-US" sz="4002" dirty="0">
+              <a:solidFill>
+                <a:srgbClr val="434343"/>
+              </a:solidFill>
+            </a:endParaRPr>
+          </a:p>
+          <a:p>
+            <a:pPr marL="774726" indent="-571500">
+              <a:buClr>
+                <a:srgbClr val="434343"/>
+              </a:buClr>
+              <a:buFont typeface="Arial" panose="020B0604020202020204" pitchFamily="34" charset="0"/>
+              <a:buChar char="•"/>
+            </a:pPr>
+            <a:endParaRPr lang="en" sz="4002" dirty="0">
+              <a:solidFill>
+                <a:srgbClr val="434343"/>
+              </a:solidFill>
+            </a:endParaRPr>
+          </a:p>
+        </p:txBody>
+      </p:sp>
+    </p:spTree>
+    <p:extLst>
+      <p:ext uri="{BB962C8B-B14F-4D97-AF65-F5344CB8AC3E}">
+        <p14:creationId xmlns:p14="http://schemas.microsoft.com/office/powerpoint/2010/main" val="283994799"/>
+      </p:ext>
+    </p:extLst>
+  </p:cSld>
+  <p:clrMapOvr>
+    <a:masterClrMapping/>
+  </p:clrMapOvr>
+</p:sld>
+</file>
+
+<file path=ppt/slides/slide21.xml><?xml version="1.0" encoding="utf-8"?>
+<p:sld xmlns:a="http://schemas.openxmlformats.org/drawingml/2006/main" xmlns:r="http://schemas.openxmlformats.org/officeDocument/2006/relationships" xmlns:p="http://schemas.openxmlformats.org/presentationml/2006/main">
+  <p:cSld>
+    <p:bg>
+      <p:bgPr>
+        <a:solidFill>
+          <a:srgbClr val="F37021"/>
+        </a:solidFill>
+        <a:effectLst/>
+      </p:bgPr>
+    </p:bg>
+    <p:spTree>
+      <p:nvGrpSpPr>
+        <p:cNvPr id="1" name="Shape 154"/>
+        <p:cNvGrpSpPr/>
+        <p:nvPr/>
+      </p:nvGrpSpPr>
+      <p:grpSpPr>
+        <a:xfrm>
+          <a:off x="0" y="0"/>
+          <a:ext cx="0" cy="0"/>
+          <a:chOff x="0" y="0"/>
+          <a:chExt cx="0" cy="0"/>
+        </a:xfrm>
+      </p:grpSpPr>
+      <p:sp>
+        <p:nvSpPr>
+          <p:cNvPr id="155" name="Shape 155"/>
+          <p:cNvSpPr txBox="1">
+            <a:spLocks noGrp="1"/>
+          </p:cNvSpPr>
+          <p:nvPr>
+            <p:ph type="ctrTitle"/>
+          </p:nvPr>
+        </p:nvSpPr>
+        <p:spPr>
+          <a:xfrm>
+            <a:off x="777178" y="4207953"/>
+            <a:ext cx="16451820" cy="1866335"/>
+          </a:xfrm>
+          <a:prstGeom prst="rect">
+            <a:avLst/>
+          </a:prstGeom>
+        </p:spPr>
+        <p:txBody>
+          <a:bodyPr lIns="182874" tIns="182874" rIns="182874" bIns="182874" anchor="b" anchorCtr="0">
+            <a:noAutofit/>
+          </a:bodyPr>
+          <a:lstStyle/>
+          <a:p>
+            <a:pPr algn="ctr"/>
+            <a:r>
+              <a:rPr lang="en" dirty="0"/>
+              <a:t>4.4 Inferring Steering Angles</a:t>
+            </a:r>
+          </a:p>
+        </p:txBody>
+      </p:sp>
+    </p:spTree>
+    <p:extLst>
+      <p:ext uri="{BB962C8B-B14F-4D97-AF65-F5344CB8AC3E}">
+        <p14:creationId xmlns:p14="http://schemas.microsoft.com/office/powerpoint/2010/main" val="592704715"/>
+      </p:ext>
+    </p:extLst>
+  </p:cSld>
+  <p:clrMapOvr>
+    <a:masterClrMapping/>
+  </p:clrMapOvr>
+</p:sld>
+</file>
+
+<file path=ppt/slides/slide22.xml><?xml version="1.0" encoding="utf-8"?>
+<p:sld xmlns:a="http://schemas.openxmlformats.org/drawingml/2006/main" xmlns:r="http://schemas.openxmlformats.org/officeDocument/2006/relationships" xmlns:p="http://schemas.openxmlformats.org/presentationml/2006/main">
+  <p:cSld>
+    <p:spTree>
+      <p:nvGrpSpPr>
+        <p:cNvPr id="1" name="Shape 147"/>
+        <p:cNvGrpSpPr/>
+        <p:nvPr/>
+      </p:nvGrpSpPr>
+      <p:grpSpPr>
+        <a:xfrm>
+          <a:off x="0" y="0"/>
+          <a:ext cx="0" cy="0"/>
+          <a:chOff x="0" y="0"/>
+          <a:chExt cx="0" cy="0"/>
+        </a:xfrm>
+      </p:grpSpPr>
+      <p:sp>
+        <p:nvSpPr>
+          <p:cNvPr id="148" name="Shape 148"/>
+          <p:cNvSpPr txBox="1">
+            <a:spLocks noGrp="1"/>
+          </p:cNvSpPr>
+          <p:nvPr>
+            <p:ph type="title"/>
+          </p:nvPr>
+        </p:nvSpPr>
+        <p:spPr>
+          <a:xfrm>
+            <a:off x="192358" y="32689"/>
+            <a:ext cx="17661379" cy="1204842"/>
+          </a:xfrm>
+          <a:prstGeom prst="rect">
+            <a:avLst/>
+          </a:prstGeom>
+        </p:spPr>
+        <p:txBody>
+          <a:bodyPr lIns="182874" tIns="182874" rIns="182874" bIns="182874" anchor="ctr" anchorCtr="0">
+            <a:noAutofit/>
+          </a:bodyPr>
+          <a:lstStyle/>
+          <a:p>
+            <a:pPr algn="ctr"/>
+            <a:r>
+              <a:rPr lang="en" sz="4402" dirty="0"/>
+              <a:t>Testing Our Model</a:t>
+            </a:r>
+          </a:p>
+        </p:txBody>
+      </p:sp>
+      <p:sp>
+        <p:nvSpPr>
+          <p:cNvPr id="149" name="Shape 149"/>
+          <p:cNvSpPr txBox="1">
+            <a:spLocks noGrp="1"/>
+          </p:cNvSpPr>
+          <p:nvPr>
+            <p:ph type="body" idx="4294967295"/>
+          </p:nvPr>
+        </p:nvSpPr>
+        <p:spPr>
+          <a:xfrm>
+            <a:off x="413459" y="1776131"/>
+            <a:ext cx="17440478" cy="8042873"/>
+          </a:xfrm>
+          <a:prstGeom prst="rect">
+            <a:avLst/>
+          </a:prstGeom>
+        </p:spPr>
+        <p:txBody>
+          <a:bodyPr lIns="182874" tIns="182874" rIns="182874" bIns="182874" anchor="t" anchorCtr="0">
+            <a:noAutofit/>
+          </a:bodyPr>
+          <a:lstStyle/>
+          <a:p>
+            <a:pPr marL="914507" indent="-711281">
+              <a:buClr>
+                <a:srgbClr val="434343"/>
+              </a:buClr>
+              <a:buChar char="●"/>
+            </a:pPr>
+            <a:r>
+              <a:rPr lang="en-US" sz="4002" dirty="0">
+                <a:solidFill>
+                  <a:srgbClr val="434343"/>
+                </a:solidFill>
+              </a:rPr>
+              <a:t>Testing model accuracy</a:t>
+            </a:r>
+          </a:p>
+          <a:p>
+            <a:pPr marL="914507" indent="-711281">
+              <a:buClr>
+                <a:srgbClr val="434343"/>
+              </a:buClr>
+              <a:buChar char="●"/>
+            </a:pPr>
+            <a:r>
+              <a:rPr lang="en-US" sz="4002" dirty="0">
+                <a:solidFill>
+                  <a:srgbClr val="434343"/>
+                </a:solidFill>
+              </a:rPr>
+              <a:t>Displaying the steering wheel</a:t>
+            </a:r>
+          </a:p>
+          <a:p>
+            <a:pPr marL="914507" indent="-711281">
+              <a:buClr>
+                <a:srgbClr val="434343"/>
+              </a:buClr>
+              <a:buChar char="●"/>
+            </a:pPr>
+            <a:r>
+              <a:rPr lang="en-US" sz="4002" dirty="0">
+                <a:solidFill>
+                  <a:srgbClr val="434343"/>
+                </a:solidFill>
+              </a:rPr>
+              <a:t>Smoothing out the movement</a:t>
+            </a:r>
+          </a:p>
+          <a:p>
+            <a:pPr marL="914507" indent="-711281">
+              <a:buClr>
+                <a:srgbClr val="434343"/>
+              </a:buClr>
+              <a:buFont typeface="Calibri"/>
+              <a:buChar char="●"/>
+            </a:pPr>
+            <a:r>
+              <a:rPr lang="en-US" sz="4002" dirty="0">
+                <a:solidFill>
+                  <a:srgbClr val="434343"/>
+                </a:solidFill>
+              </a:rPr>
+              <a:t>Display what the CNN “sees”??</a:t>
+            </a:r>
+          </a:p>
+          <a:p>
+            <a:pPr marL="914507" indent="-711281">
+              <a:buClr>
+                <a:srgbClr val="434343"/>
+              </a:buClr>
+              <a:buChar char="●"/>
+            </a:pPr>
+            <a:r>
+              <a:rPr lang="en-US" sz="4002" dirty="0">
+                <a:solidFill>
+                  <a:srgbClr val="434343"/>
+                </a:solidFill>
+              </a:rPr>
+              <a:t>Creating a YouTube video of this in action</a:t>
+            </a:r>
+          </a:p>
+          <a:p>
+            <a:pPr marL="914507" indent="-711281">
+              <a:buClr>
+                <a:srgbClr val="434343"/>
+              </a:buClr>
+              <a:buChar char="●"/>
+            </a:pPr>
+            <a:endParaRPr lang="en-US" sz="4002" dirty="0">
+              <a:solidFill>
+                <a:srgbClr val="434343"/>
+              </a:solidFill>
+            </a:endParaRPr>
+          </a:p>
+          <a:p>
+            <a:pPr marL="203226" lvl="1">
+              <a:buClr>
+                <a:srgbClr val="434343"/>
+              </a:buClr>
+            </a:pPr>
+            <a:r>
+              <a:rPr lang="en-GB" sz="3200" dirty="0">
+                <a:solidFill>
+                  <a:srgbClr val="434343"/>
+                </a:solidFill>
+                <a:latin typeface="Consolas" panose="020B0609020204030204" pitchFamily="49" charset="0"/>
+                <a:cs typeface="Consolas" panose="020B0609020204030204" pitchFamily="49" charset="0"/>
+              </a:rPr>
+              <a:t>		</a:t>
+            </a:r>
+            <a:endParaRPr lang="en-US" sz="4002" dirty="0">
+              <a:solidFill>
+                <a:srgbClr val="434343"/>
+              </a:solidFill>
+            </a:endParaRPr>
+          </a:p>
+          <a:p>
+            <a:pPr marL="774726" indent="-571500">
+              <a:buClr>
+                <a:srgbClr val="434343"/>
+              </a:buClr>
+              <a:buFont typeface="Arial" panose="020B0604020202020204" pitchFamily="34" charset="0"/>
+              <a:buChar char="•"/>
+            </a:pPr>
+            <a:endParaRPr lang="en" sz="4002" dirty="0">
+              <a:solidFill>
+                <a:srgbClr val="434343"/>
+              </a:solidFill>
+            </a:endParaRPr>
+          </a:p>
+        </p:txBody>
+      </p:sp>
+    </p:spTree>
+    <p:extLst>
+      <p:ext uri="{BB962C8B-B14F-4D97-AF65-F5344CB8AC3E}">
+        <p14:creationId xmlns:p14="http://schemas.microsoft.com/office/powerpoint/2010/main" val="3783544927"/>
+      </p:ext>
+    </p:extLst>
+  </p:cSld>
+  <p:clrMapOvr>
+    <a:masterClrMapping/>
+  </p:clrMapOvr>
+</p:sld>
+</file>
+
+<file path=ppt/slides/slide23.xml><?xml version="1.0" encoding="utf-8"?>
+<p:sld xmlns:a="http://schemas.openxmlformats.org/drawingml/2006/main" xmlns:r="http://schemas.openxmlformats.org/officeDocument/2006/relationships" xmlns:p="http://schemas.openxmlformats.org/presentationml/2006/main">
+  <p:cSld>
+    <p:bg>
+      <p:bgPr>
+        <a:solidFill>
+          <a:srgbClr val="F37021"/>
+        </a:solidFill>
+        <a:effectLst/>
+      </p:bgPr>
+    </p:bg>
+    <p:spTree>
+      <p:nvGrpSpPr>
+        <p:cNvPr id="1" name="Shape 154"/>
+        <p:cNvGrpSpPr/>
+        <p:nvPr/>
+      </p:nvGrpSpPr>
+      <p:grpSpPr>
+        <a:xfrm>
+          <a:off x="0" y="0"/>
+          <a:ext cx="0" cy="0"/>
+          <a:chOff x="0" y="0"/>
+          <a:chExt cx="0" cy="0"/>
+        </a:xfrm>
+      </p:grpSpPr>
+      <p:sp>
+        <p:nvSpPr>
+          <p:cNvPr id="155" name="Shape 155"/>
+          <p:cNvSpPr txBox="1">
+            <a:spLocks noGrp="1"/>
+          </p:cNvSpPr>
+          <p:nvPr>
+            <p:ph type="ctrTitle"/>
+          </p:nvPr>
+        </p:nvSpPr>
+        <p:spPr>
+          <a:xfrm>
+            <a:off x="777178" y="4207953"/>
+            <a:ext cx="16451820" cy="1866335"/>
+          </a:xfrm>
+          <a:prstGeom prst="rect">
+            <a:avLst/>
+          </a:prstGeom>
+        </p:spPr>
+        <p:txBody>
+          <a:bodyPr lIns="182874" tIns="182874" rIns="182874" bIns="182874" anchor="b" anchorCtr="0">
+            <a:noAutofit/>
+          </a:bodyPr>
+          <a:lstStyle/>
+          <a:p>
+            <a:r>
+              <a:rPr lang="en" dirty="0"/>
+              <a:t>That’s the end of this course…!</a:t>
+            </a:r>
+          </a:p>
+        </p:txBody>
+      </p:sp>
+    </p:spTree>
+    <p:extLst>
+      <p:ext uri="{BB962C8B-B14F-4D97-AF65-F5344CB8AC3E}">
+        <p14:creationId xmlns:p14="http://schemas.microsoft.com/office/powerpoint/2010/main" val="3693721200"/>
       </p:ext>
     </p:extLst>
   </p:cSld>
@@ -6473,7 +9121,7 @@
             <a:pPr algn="ctr"/>
             <a:r>
               <a:rPr lang="en" dirty="0"/>
-              <a:t>4.2 Exploring our Data</a:t>
+              <a:t>4.2 Environment and Data</a:t>
             </a:r>
           </a:p>
         </p:txBody>
@@ -6536,7 +9184,7 @@
             <a:pPr algn="ctr"/>
             <a:r>
               <a:rPr lang="en" sz="4402" dirty="0"/>
-              <a:t>Exploring our data</a:t>
+              <a:t>What we will cover</a:t>
             </a:r>
           </a:p>
         </p:txBody>
@@ -6578,7 +9226,7 @@
                   <a:srgbClr val="434343"/>
                 </a:solidFill>
               </a:rPr>
-              <a:t>Size of the dataset</a:t>
+              <a:t>Environment</a:t>
             </a:r>
           </a:p>
           <a:p>
@@ -6594,7 +9242,7 @@
                   <a:srgbClr val="434343"/>
                 </a:solidFill>
               </a:rPr>
-              <a:t>Steering angles</a:t>
+              <a:t>Where to get the dataset</a:t>
             </a:r>
           </a:p>
           <a:p>
@@ -6610,7 +9258,39 @@
                   <a:srgbClr val="434343"/>
                 </a:solidFill>
               </a:rPr>
-              <a:t>Anything else?</a:t>
+              <a:t>Size of the dataset</a:t>
+            </a:r>
+          </a:p>
+          <a:p>
+            <a:pPr marL="914507" indent="-711281">
+              <a:buClr>
+                <a:srgbClr val="434343"/>
+              </a:buClr>
+              <a:buChar char="●"/>
+            </a:pPr>
+            <a:r>
+              <a:rPr lang="en-US" sz="4002" dirty="0">
+                <a:solidFill>
+                  <a:srgbClr val="434343"/>
+                </a:solidFill>
+              </a:rPr>
+              <a:t>Viewing the datasets steering angles</a:t>
+            </a:r>
+          </a:p>
+          <a:p>
+            <a:pPr marL="914507" indent="-711281">
+              <a:buClr>
+                <a:srgbClr val="434343"/>
+              </a:buClr>
+              <a:buChar char="●"/>
+            </a:pPr>
+            <a:r>
+              <a:rPr lang="en-US" sz="4002" dirty="0">
+                <a:solidFill>
+                  <a:srgbClr val="434343"/>
+                </a:solidFill>
+              </a:rPr>
+              <a:t>What observations can be made?</a:t>
             </a:r>
           </a:p>
           <a:p>

--- a/4. Predicting the steering angle of a car/Slides/4.1.pptx
+++ b/4. Predicting the steering angle of a car/Slides/4.1.pptx
@@ -5,7 +5,7 @@
     <p:sldMasterId id="2147483669" r:id="rId1"/>
   </p:sldMasterIdLst>
   <p:notesMasterIdLst>
-    <p:notesMasterId r:id="rId25"/>
+    <p:notesMasterId r:id="rId26"/>
   </p:notesMasterIdLst>
   <p:sldIdLst>
     <p:sldId id="291" r:id="rId2"/>
@@ -30,31 +30,32 @@
     <p:sldId id="313" r:id="rId21"/>
     <p:sldId id="307" r:id="rId22"/>
     <p:sldId id="303" r:id="rId23"/>
-    <p:sldId id="301" r:id="rId24"/>
+    <p:sldId id="317" r:id="rId24"/>
+    <p:sldId id="301" r:id="rId25"/>
   </p:sldIdLst>
   <p:sldSz cx="18288000" cy="10282238"/>
   <p:notesSz cx="6858000" cy="9144000"/>
   <p:embeddedFontLst>
     <p:embeddedFont>
       <p:font typeface="Calibri" panose="020F0502020204030204" pitchFamily="34" charset="0"/>
-      <p:regular r:id="rId26"/>
-      <p:bold r:id="rId27"/>
-      <p:italic r:id="rId28"/>
-      <p:boldItalic r:id="rId29"/>
+      <p:regular r:id="rId27"/>
+      <p:bold r:id="rId28"/>
+      <p:italic r:id="rId29"/>
+      <p:boldItalic r:id="rId30"/>
     </p:embeddedFont>
     <p:embeddedFont>
       <p:font typeface="Consolas" panose="020B0609020204030204" pitchFamily="49" charset="0"/>
-      <p:regular r:id="rId30"/>
-      <p:bold r:id="rId31"/>
-      <p:italic r:id="rId32"/>
-      <p:boldItalic r:id="rId33"/>
+      <p:regular r:id="rId31"/>
+      <p:bold r:id="rId32"/>
+      <p:italic r:id="rId33"/>
+      <p:boldItalic r:id="rId34"/>
     </p:embeddedFont>
     <p:embeddedFont>
       <p:font typeface="Roboto" panose="02000000000000000000" pitchFamily="2" charset="0"/>
-      <p:regular r:id="rId34"/>
-      <p:bold r:id="rId35"/>
-      <p:italic r:id="rId36"/>
-      <p:boldItalic r:id="rId37"/>
+      <p:regular r:id="rId35"/>
+      <p:bold r:id="rId36"/>
+      <p:italic r:id="rId37"/>
+      <p:boldItalic r:id="rId38"/>
     </p:embeddedFont>
   </p:embeddedFontLst>
   <p:defaultTextStyle>
@@ -2213,6 +2214,138 @@
 </file>
 
 <file path=ppt/notesSlides/notesSlide21.xml><?xml version="1.0" encoding="utf-8"?>
+<p:notes xmlns:a="http://schemas.openxmlformats.org/drawingml/2006/main" xmlns:r="http://schemas.openxmlformats.org/officeDocument/2006/relationships" xmlns:p="http://schemas.openxmlformats.org/presentationml/2006/main" showMasterSp="0" showMasterPhAnim="0">
+  <p:cSld>
+    <p:spTree>
+      <p:nvGrpSpPr>
+        <p:cNvPr id="1" name="Shape 144"/>
+        <p:cNvGrpSpPr/>
+        <p:nvPr/>
+      </p:nvGrpSpPr>
+      <p:grpSpPr>
+        <a:xfrm>
+          <a:off x="0" y="0"/>
+          <a:ext cx="0" cy="0"/>
+          <a:chOff x="0" y="0"/>
+          <a:chExt cx="0" cy="0"/>
+        </a:xfrm>
+      </p:grpSpPr>
+      <p:sp>
+        <p:nvSpPr>
+          <p:cNvPr id="145" name="Shape 145"/>
+          <p:cNvSpPr>
+            <a:spLocks noGrp="1" noRot="1" noChangeAspect="1"/>
+          </p:cNvSpPr>
+          <p:nvPr>
+            <p:ph type="sldImg" idx="2"/>
+          </p:nvPr>
+        </p:nvSpPr>
+        <p:spPr>
+          <a:xfrm>
+            <a:off x="381000" y="685800"/>
+            <a:ext cx="6096000" cy="3429000"/>
+          </a:xfrm>
+          <a:custGeom>
+            <a:avLst/>
+            <a:gdLst/>
+            <a:ahLst/>
+            <a:cxnLst/>
+            <a:rect l="0" t="0" r="0" b="0"/>
+            <a:pathLst>
+              <a:path w="120000" h="120000" extrusionOk="0">
+                <a:moveTo>
+                  <a:pt x="0" y="0"/>
+                </a:moveTo>
+                <a:lnTo>
+                  <a:pt x="120000" y="0"/>
+                </a:lnTo>
+                <a:lnTo>
+                  <a:pt x="120000" y="120000"/>
+                </a:lnTo>
+                <a:lnTo>
+                  <a:pt x="0" y="120000"/>
+                </a:lnTo>
+                <a:close/>
+              </a:path>
+            </a:pathLst>
+          </a:custGeom>
+        </p:spPr>
+      </p:sp>
+      <p:sp>
+        <p:nvSpPr>
+          <p:cNvPr id="146" name="Shape 146"/>
+          <p:cNvSpPr txBox="1">
+            <a:spLocks noGrp="1"/>
+          </p:cNvSpPr>
+          <p:nvPr>
+            <p:ph type="body" idx="1"/>
+          </p:nvPr>
+        </p:nvSpPr>
+        <p:spPr>
+          <a:xfrm>
+            <a:off x="685800" y="4343400"/>
+            <a:ext cx="5486400" cy="4114800"/>
+          </a:xfrm>
+          <a:prstGeom prst="rect">
+            <a:avLst/>
+          </a:prstGeom>
+        </p:spPr>
+        <p:txBody>
+          <a:bodyPr lIns="91425" tIns="91425" rIns="91425" bIns="91425" anchor="t" anchorCtr="0">
+            <a:noAutofit/>
+          </a:bodyPr>
+          <a:lstStyle/>
+          <a:p>
+            <a:pPr lvl="0" rtl="0">
+              <a:spcBef>
+                <a:spcPts val="0"/>
+              </a:spcBef>
+              <a:buNone/>
+            </a:pPr>
+            <a:r>
+              <a:rPr lang="en-US" dirty="0"/>
+              <a:t>This slide, like mentioned above is for multiple pointers. The information above covers the types</a:t>
+            </a:r>
+            <a:r>
+              <a:rPr lang="en-US" baseline="0" dirty="0"/>
+              <a:t> of information that can be used in this slide</a:t>
+            </a:r>
+            <a:endParaRPr lang="en-US" dirty="0"/>
+          </a:p>
+          <a:p>
+            <a:pPr lvl="0" rtl="0">
+              <a:spcBef>
+                <a:spcPts val="0"/>
+              </a:spcBef>
+              <a:buNone/>
+            </a:pPr>
+            <a:endParaRPr lang="en-US" dirty="0"/>
+          </a:p>
+          <a:p>
+            <a:pPr lvl="0">
+              <a:spcBef>
+                <a:spcPts val="0"/>
+              </a:spcBef>
+              <a:buNone/>
+            </a:pPr>
+            <a:endParaRPr dirty="0"/>
+          </a:p>
+        </p:txBody>
+      </p:sp>
+    </p:spTree>
+    <p:extLst>
+      <p:ext uri="{BB962C8B-B14F-4D97-AF65-F5344CB8AC3E}">
+        <p14:creationId xmlns:p14="http://schemas.microsoft.com/office/powerpoint/2010/main" val="3974685710"/>
+      </p:ext>
+    </p:extLst>
+  </p:cSld>
+  <p:clrMapOvr>
+    <a:masterClrMapping/>
+  </p:clrMapOvr>
+</p:notes>
+</file>
+
+<file path=ppt/notesSlides/notesSlide22.xml><?xml version="1.0" encoding="utf-8"?>
 <p:notes xmlns:a="http://schemas.openxmlformats.org/drawingml/2006/main" xmlns:r="http://schemas.openxmlformats.org/officeDocument/2006/relationships" xmlns:p="http://schemas.openxmlformats.org/presentationml/2006/main" showMasterSp="0" showMasterPhAnim="0">
   <p:cSld>
     <p:spTree>
@@ -7785,6 +7918,40 @@
               <a:buFont typeface="Calibri"/>
               <a:buChar char="●"/>
             </a:pPr>
+            <a:r>
+              <a:rPr lang="en-US" sz="2400" dirty="0">
+                <a:solidFill>
+                  <a:srgbClr val="434343"/>
+                </a:solidFill>
+              </a:rPr>
+              <a:t>See </a:t>
+            </a:r>
+            <a:r>
+              <a:rPr lang="en-US" sz="2400" dirty="0">
+                <a:solidFill>
+                  <a:srgbClr val="434343"/>
+                </a:solidFill>
+                <a:hlinkClick r:id="rId3"/>
+              </a:rPr>
+              <a:t>https://keras.io/getting-started/faq/#why-is-the-training-loss-much-higher-than-the-testing-loss</a:t>
+            </a:r>
+            <a:r>
+              <a:rPr lang="en-US" sz="2400" dirty="0">
+                <a:solidFill>
+                  <a:srgbClr val="434343"/>
+                </a:solidFill>
+              </a:rPr>
+              <a:t> </a:t>
+            </a:r>
+          </a:p>
+          <a:p>
+            <a:pPr marL="914507" indent="-711281">
+              <a:buClr>
+                <a:srgbClr val="434343"/>
+              </a:buClr>
+              <a:buFont typeface="Calibri"/>
+              <a:buChar char="●"/>
+            </a:pPr>
             <a:endParaRPr lang="en-US" sz="4002" dirty="0">
               <a:solidFill>
                 <a:srgbClr val="434343"/>
@@ -8027,6 +8194,34 @@
               </a:rPr>
               <a:t>We are looking for the [training] loss and validation loss to decrease over time</a:t>
             </a:r>
+          </a:p>
+          <a:p>
+            <a:pPr marL="914507" indent="-711281">
+              <a:buClr>
+                <a:srgbClr val="434343"/>
+              </a:buClr>
+              <a:buFont typeface="Calibri"/>
+              <a:buChar char="●"/>
+            </a:pPr>
+            <a:endParaRPr lang="en-US" sz="4002" dirty="0">
+              <a:solidFill>
+                <a:srgbClr val="434343"/>
+              </a:solidFill>
+            </a:endParaRPr>
+          </a:p>
+          <a:p>
+            <a:pPr marL="914507" indent="-711281">
+              <a:buClr>
+                <a:srgbClr val="434343"/>
+              </a:buClr>
+              <a:buFont typeface="Calibri"/>
+              <a:buChar char="●"/>
+            </a:pPr>
+            <a:endParaRPr lang="en-US" sz="4002" dirty="0">
+              <a:solidFill>
+                <a:srgbClr val="434343"/>
+              </a:solidFill>
+            </a:endParaRPr>
           </a:p>
           <a:p>
             <a:pPr marL="914507" indent="-711281">
@@ -8331,7 +8526,6 @@
               <a:buClr>
                 <a:srgbClr val="434343"/>
               </a:buClr>
-              <a:buFont typeface="Calibri"/>
               <a:buChar char="●"/>
             </a:pPr>
             <a:r>
@@ -8340,23 +8534,23 @@
                   <a:srgbClr val="434343"/>
                 </a:solidFill>
               </a:rPr>
-              <a:t>Display what the CNN “sees”??</a:t>
-            </a:r>
-          </a:p>
-          <a:p>
-            <a:pPr marL="914507" indent="-711281">
-              <a:buClr>
-                <a:srgbClr val="434343"/>
-              </a:buClr>
-              <a:buChar char="●"/>
-            </a:pPr>
+              <a:t>Creating </a:t>
+            </a:r>
+            <a:r>
+              <a:rPr lang="en-US" sz="4002">
+                <a:solidFill>
+                  <a:srgbClr val="434343"/>
+                </a:solidFill>
+              </a:rPr>
+              <a:t>a video </a:t>
+            </a:r>
             <a:r>
               <a:rPr lang="en-US" sz="4002" dirty="0">
                 <a:solidFill>
                   <a:srgbClr val="434343"/>
                 </a:solidFill>
               </a:rPr>
-              <a:t>Creating a YouTube video of this in action</a:t>
+              <a:t>of this in action</a:t>
             </a:r>
           </a:p>
           <a:p>
@@ -8424,6 +8618,225 @@
 </file>
 
 <file path=ppt/slides/slide23.xml><?xml version="1.0" encoding="utf-8"?>
+<p:sld xmlns:a="http://schemas.openxmlformats.org/drawingml/2006/main" xmlns:r="http://schemas.openxmlformats.org/officeDocument/2006/relationships" xmlns:p="http://schemas.openxmlformats.org/presentationml/2006/main">
+  <p:cSld>
+    <p:spTree>
+      <p:nvGrpSpPr>
+        <p:cNvPr id="1" name="Shape 147"/>
+        <p:cNvGrpSpPr/>
+        <p:nvPr/>
+      </p:nvGrpSpPr>
+      <p:grpSpPr>
+        <a:xfrm>
+          <a:off x="0" y="0"/>
+          <a:ext cx="0" cy="0"/>
+          <a:chOff x="0" y="0"/>
+          <a:chExt cx="0" cy="0"/>
+        </a:xfrm>
+      </p:grpSpPr>
+      <p:sp>
+        <p:nvSpPr>
+          <p:cNvPr id="148" name="Shape 148"/>
+          <p:cNvSpPr txBox="1">
+            <a:spLocks noGrp="1"/>
+          </p:cNvSpPr>
+          <p:nvPr>
+            <p:ph type="title"/>
+          </p:nvPr>
+        </p:nvSpPr>
+        <p:spPr>
+          <a:xfrm>
+            <a:off x="192358" y="32689"/>
+            <a:ext cx="17661379" cy="1204842"/>
+          </a:xfrm>
+          <a:prstGeom prst="rect">
+            <a:avLst/>
+          </a:prstGeom>
+        </p:spPr>
+        <p:txBody>
+          <a:bodyPr lIns="182874" tIns="182874" rIns="182874" bIns="182874" anchor="ctr" anchorCtr="0">
+            <a:noAutofit/>
+          </a:bodyPr>
+          <a:lstStyle/>
+          <a:p>
+            <a:pPr algn="ctr"/>
+            <a:r>
+              <a:rPr lang="en" sz="4402" dirty="0"/>
+              <a:t>How to make it better?</a:t>
+            </a:r>
+          </a:p>
+        </p:txBody>
+      </p:sp>
+      <p:sp>
+        <p:nvSpPr>
+          <p:cNvPr id="149" name="Shape 149"/>
+          <p:cNvSpPr txBox="1">
+            <a:spLocks noGrp="1"/>
+          </p:cNvSpPr>
+          <p:nvPr>
+            <p:ph type="body" idx="4294967295"/>
+          </p:nvPr>
+        </p:nvSpPr>
+        <p:spPr>
+          <a:xfrm>
+            <a:off x="413459" y="1776131"/>
+            <a:ext cx="17440478" cy="8042873"/>
+          </a:xfrm>
+          <a:prstGeom prst="rect">
+            <a:avLst/>
+          </a:prstGeom>
+        </p:spPr>
+        <p:txBody>
+          <a:bodyPr lIns="182874" tIns="182874" rIns="182874" bIns="182874" anchor="t" anchorCtr="0">
+            <a:noAutofit/>
+          </a:bodyPr>
+          <a:lstStyle/>
+          <a:p>
+            <a:pPr marL="914507" indent="-711281">
+              <a:buClr>
+                <a:srgbClr val="434343"/>
+              </a:buClr>
+              <a:buChar char="●"/>
+            </a:pPr>
+            <a:r>
+              <a:rPr lang="en-US" sz="4002" dirty="0">
+                <a:solidFill>
+                  <a:srgbClr val="434343"/>
+                </a:solidFill>
+              </a:rPr>
+              <a:t>Testing model accuracy</a:t>
+            </a:r>
+          </a:p>
+          <a:p>
+            <a:pPr marL="914507" indent="-711281">
+              <a:buClr>
+                <a:srgbClr val="434343"/>
+              </a:buClr>
+              <a:buChar char="●"/>
+            </a:pPr>
+            <a:r>
+              <a:rPr lang="en-US" sz="4002" dirty="0">
+                <a:solidFill>
+                  <a:srgbClr val="434343"/>
+                </a:solidFill>
+              </a:rPr>
+              <a:t>Displaying the steering wheel</a:t>
+            </a:r>
+          </a:p>
+          <a:p>
+            <a:pPr marL="914507" indent="-711281">
+              <a:buClr>
+                <a:srgbClr val="434343"/>
+              </a:buClr>
+              <a:buChar char="●"/>
+            </a:pPr>
+            <a:r>
+              <a:rPr lang="en-US" sz="4002" dirty="0">
+                <a:solidFill>
+                  <a:srgbClr val="434343"/>
+                </a:solidFill>
+              </a:rPr>
+              <a:t>Smoothing out the movement</a:t>
+            </a:r>
+          </a:p>
+          <a:p>
+            <a:pPr marL="914507" indent="-711281">
+              <a:buClr>
+                <a:srgbClr val="434343"/>
+              </a:buClr>
+              <a:buFont typeface="Calibri"/>
+              <a:buChar char="●"/>
+            </a:pPr>
+            <a:r>
+              <a:rPr lang="en-US" sz="4002" dirty="0">
+                <a:solidFill>
+                  <a:srgbClr val="434343"/>
+                </a:solidFill>
+              </a:rPr>
+              <a:t>Display what the CNN “sees”??</a:t>
+            </a:r>
+          </a:p>
+          <a:p>
+            <a:pPr marL="914507" indent="-711281">
+              <a:buClr>
+                <a:srgbClr val="434343"/>
+              </a:buClr>
+              <a:buChar char="●"/>
+            </a:pPr>
+            <a:r>
+              <a:rPr lang="en-US" sz="4002" dirty="0">
+                <a:solidFill>
+                  <a:srgbClr val="434343"/>
+                </a:solidFill>
+              </a:rPr>
+              <a:t>Creating a YouTube video of this in action</a:t>
+            </a:r>
+          </a:p>
+          <a:p>
+            <a:pPr marL="914507" indent="-711281">
+              <a:buClr>
+                <a:srgbClr val="434343"/>
+              </a:buClr>
+              <a:buChar char="●"/>
+            </a:pPr>
+            <a:endParaRPr lang="en-US" sz="4002" dirty="0">
+              <a:solidFill>
+                <a:srgbClr val="434343"/>
+              </a:solidFill>
+            </a:endParaRPr>
+          </a:p>
+          <a:p>
+            <a:pPr marL="203226" lvl="1">
+              <a:buClr>
+                <a:srgbClr val="434343"/>
+              </a:buClr>
+            </a:pPr>
+            <a:r>
+              <a:rPr lang="en-GB" sz="3200" dirty="0">
+                <a:solidFill>
+                  <a:srgbClr val="434343"/>
+                </a:solidFill>
+                <a:latin typeface="Consolas" panose="020B0609020204030204" pitchFamily="49" charset="0"/>
+                <a:cs typeface="Consolas" panose="020B0609020204030204" pitchFamily="49" charset="0"/>
+              </a:rPr>
+              <a:t>		</a:t>
+            </a:r>
+            <a:endParaRPr lang="en-US" sz="4002" dirty="0">
+              <a:solidFill>
+                <a:srgbClr val="434343"/>
+              </a:solidFill>
+            </a:endParaRPr>
+          </a:p>
+          <a:p>
+            <a:pPr marL="774726" indent="-571500">
+              <a:buClr>
+                <a:srgbClr val="434343"/>
+              </a:buClr>
+              <a:buFont typeface="Arial" panose="020B0604020202020204" pitchFamily="34" charset="0"/>
+              <a:buChar char="•"/>
+            </a:pPr>
+            <a:endParaRPr lang="en" sz="4002" dirty="0">
+              <a:solidFill>
+                <a:srgbClr val="434343"/>
+              </a:solidFill>
+            </a:endParaRPr>
+          </a:p>
+        </p:txBody>
+      </p:sp>
+    </p:spTree>
+    <p:extLst>
+      <p:ext uri="{BB962C8B-B14F-4D97-AF65-F5344CB8AC3E}">
+        <p14:creationId xmlns:p14="http://schemas.microsoft.com/office/powerpoint/2010/main" val="2612864631"/>
+      </p:ext>
+    </p:extLst>
+  </p:cSld>
+  <p:clrMapOvr>
+    <a:masterClrMapping/>
+  </p:clrMapOvr>
+</p:sld>
+</file>
+
+<file path=ppt/slides/slide24.xml><?xml version="1.0" encoding="utf-8"?>
 <p:sld xmlns:a="http://schemas.openxmlformats.org/drawingml/2006/main" xmlns:r="http://schemas.openxmlformats.org/officeDocument/2006/relationships" xmlns:p="http://schemas.openxmlformats.org/presentationml/2006/main">
   <p:cSld>
     <p:bg>

--- a/4. Predicting the steering angle of a car/Slides/4.1.pptx
+++ b/4. Predicting the steering angle of a car/Slides/4.1.pptx
@@ -742,8 +742,75 @@
             </a:pPr>
             <a:r>
               <a:rPr lang="en-US" dirty="0"/>
-              <a:t>As you can see, a large percentage of the dataset has a steering angle of between -5 and +5 degrees.  This can potentially cause training issues where the algorithm may get 70% accuracy by just returning 0 as the answer! Obviously this won’t be a good thing in a real car!! </a:t>
-            </a:r>
+              <a:t>Expected to take about a few days to train on a decent spec </a:t>
+            </a:r>
+            <a:r>
+              <a:rPr lang="en-US" dirty="0" err="1"/>
+              <a:t>Macbook</a:t>
+            </a:r>
+            <a:r>
+              <a:rPr lang="en-US" dirty="0"/>
+              <a:t> Pro</a:t>
+            </a:r>
+          </a:p>
+          <a:p>
+            <a:pPr lvl="0" rtl="0">
+              <a:spcBef>
+                <a:spcPts val="0"/>
+              </a:spcBef>
+              <a:buNone/>
+            </a:pPr>
+            <a:r>
+              <a:rPr lang="en-US" dirty="0"/>
+              <a:t>Took approx. 5 hours on a 2core 13GB VM in Google cloud using a Nvidia K80 GPIU</a:t>
+            </a:r>
+          </a:p>
+          <a:p>
+            <a:pPr lvl="0" rtl="0">
+              <a:spcBef>
+                <a:spcPts val="0"/>
+              </a:spcBef>
+              <a:buNone/>
+            </a:pPr>
+            <a:endParaRPr lang="en-US" dirty="0"/>
+          </a:p>
+          <a:p>
+            <a:pPr lvl="0" rtl="0">
+              <a:spcBef>
+                <a:spcPts val="0"/>
+              </a:spcBef>
+              <a:buNone/>
+            </a:pPr>
+            <a:r>
+              <a:rPr lang="en-US" dirty="0"/>
+              <a:t>Note that at this point in time, </a:t>
+            </a:r>
+            <a:r>
+              <a:rPr lang="en-US" dirty="0" err="1"/>
+              <a:t>Tensorflow</a:t>
+            </a:r>
+            <a:r>
+              <a:rPr lang="en-US" dirty="0"/>
+              <a:t> wasn’t compatible with Python 3.7. I used Python 3.6 and TF 1.11 here!</a:t>
+            </a:r>
+          </a:p>
+          <a:p>
+            <a:pPr lvl="0" rtl="0">
+              <a:spcBef>
+                <a:spcPts val="0"/>
+              </a:spcBef>
+              <a:buNone/>
+            </a:pPr>
+            <a:endParaRPr lang="en-US" dirty="0"/>
+          </a:p>
+          <a:p>
+            <a:pPr lvl="0" rtl="0">
+              <a:spcBef>
+                <a:spcPts val="0"/>
+              </a:spcBef>
+              <a:buNone/>
+            </a:pPr>
+            <a:endParaRPr lang="en-US" dirty="0"/>
           </a:p>
           <a:p>
             <a:pPr lvl="0" rtl="0">
@@ -2304,12 +2371,68 @@
             </a:pPr>
             <a:r>
               <a:rPr lang="en-US" dirty="0"/>
-              <a:t>This slide, like mentioned above is for multiple pointers. The information above covers the types</a:t>
-            </a:r>
-            <a:r>
-              <a:rPr lang="en-US" baseline="0" dirty="0"/>
-              <a:t> of information that can be used in this slide</a:t>
-            </a:r>
+              <a:t>Some of the things that could be done to improve the model would be:</a:t>
+            </a:r>
+          </a:p>
+          <a:p>
+            <a:pPr marL="171450" lvl="0" indent="-171450" rtl="0">
+              <a:spcBef>
+                <a:spcPts val="0"/>
+              </a:spcBef>
+              <a:buFontTx/>
+              <a:buChar char="-"/>
+            </a:pPr>
+            <a:r>
+              <a:rPr lang="en-US" dirty="0"/>
+              <a:t>Use a larger dataset with different roads, the car in different positions in the lane, different conditions such as rain or fog, etc. </a:t>
+            </a:r>
+          </a:p>
+          <a:p>
+            <a:pPr marL="171450" lvl="0" indent="-171450" rtl="0">
+              <a:spcBef>
+                <a:spcPts val="0"/>
+              </a:spcBef>
+              <a:buFontTx/>
+              <a:buChar char="-"/>
+            </a:pPr>
+            <a:r>
+              <a:rPr lang="en-US" dirty="0"/>
+              <a:t>Augment the data, for example generating noise in the image, making it darker or lighter, skewing it slightly to depict different camera angles, flipping it left/right </a:t>
+            </a:r>
+          </a:p>
+          <a:p>
+            <a:pPr marL="171450" lvl="0" indent="-171450" rtl="0">
+              <a:spcBef>
+                <a:spcPts val="0"/>
+              </a:spcBef>
+              <a:buFontTx/>
+              <a:buChar char="-"/>
+            </a:pPr>
+            <a:r>
+              <a:rPr lang="en-US" dirty="0"/>
+              <a:t>A more complex approach would be to skew the next image based on what would actually happen if the predicted steering angle was used, so for example if the car understeers compared to the correct angle, the next frame would show that the car was no longer in the </a:t>
+            </a:r>
+            <a:r>
+              <a:rPr lang="en-US" dirty="0" err="1"/>
+              <a:t>centre</a:t>
+            </a:r>
+            <a:r>
+              <a:rPr lang="en-US" dirty="0"/>
+              <a:t> of the lane, but had moved towards one side of another</a:t>
+            </a:r>
+            <a:r>
+              <a:rPr lang="en-US"/>
+              <a:t>. </a:t>
+            </a:r>
+          </a:p>
+          <a:p>
+            <a:pPr marL="171450" lvl="0" indent="-171450" rtl="0">
+              <a:spcBef>
+                <a:spcPts val="0"/>
+              </a:spcBef>
+              <a:buFontTx/>
+              <a:buChar char="-"/>
+            </a:pPr>
             <a:endParaRPr lang="en-US" dirty="0"/>
           </a:p>
           <a:p>
@@ -5722,7 +5845,7 @@
                   <a:srgbClr val="434343"/>
                 </a:solidFill>
               </a:rPr>
-              <a:t>It took several hours to train to a level where the predicted angles were accurate enough for demo purposes</a:t>
+              <a:t>It took many hours to train to a level where the predicted angles were accurate enough for demo purposes</a:t>
             </a:r>
           </a:p>
           <a:p>
@@ -5739,6 +5862,38 @@
                 </a:solidFill>
               </a:rPr>
               <a:t>Use of a more powerful laptop, or a server with a GPU will decrease training times (often significantly!!)</a:t>
+            </a:r>
+          </a:p>
+          <a:p>
+            <a:pPr marL="914507" indent="-711281">
+              <a:buClr>
+                <a:srgbClr val="434343"/>
+              </a:buClr>
+              <a:buChar char="●"/>
+            </a:pPr>
+            <a:r>
+              <a:rPr lang="en-US" sz="4002" dirty="0">
+                <a:solidFill>
+                  <a:srgbClr val="434343"/>
+                </a:solidFill>
+              </a:rPr>
+              <a:t>Please check Python version compatibility with </a:t>
+            </a:r>
+            <a:r>
+              <a:rPr lang="en-US" sz="4002" dirty="0" err="1">
+                <a:solidFill>
+                  <a:srgbClr val="434343"/>
+                </a:solidFill>
+              </a:rPr>
+              <a:t>Tensorflow</a:t>
+            </a:r>
+            <a:r>
+              <a:rPr lang="en-US" sz="4002" dirty="0">
+                <a:solidFill>
+                  <a:srgbClr val="434343"/>
+                </a:solidFill>
+              </a:rPr>
+              <a:t>!</a:t>
             </a:r>
           </a:p>
           <a:p>
@@ -8534,23 +8689,7 @@
                   <a:srgbClr val="434343"/>
                 </a:solidFill>
               </a:rPr>
-              <a:t>Creating </a:t>
-            </a:r>
-            <a:r>
-              <a:rPr lang="en-US" sz="4002">
-                <a:solidFill>
-                  <a:srgbClr val="434343"/>
-                </a:solidFill>
-              </a:rPr>
-              <a:t>a video </a:t>
-            </a:r>
-            <a:r>
-              <a:rPr lang="en-US" sz="4002" dirty="0">
-                <a:solidFill>
-                  <a:srgbClr val="434343"/>
-                </a:solidFill>
-              </a:rPr>
-              <a:t>of this in action</a:t>
+              <a:t>Creating a video of this in action</a:t>
             </a:r>
           </a:p>
           <a:p>
@@ -8704,7 +8843,7 @@
                   <a:srgbClr val="434343"/>
                 </a:solidFill>
               </a:rPr>
-              <a:t>Testing model accuracy</a:t>
+              <a:t>Use a larger dataset</a:t>
             </a:r>
           </a:p>
           <a:p>
@@ -8720,7 +8859,7 @@
                   <a:srgbClr val="434343"/>
                 </a:solidFill>
               </a:rPr>
-              <a:t>Displaying the steering wheel</a:t>
+              <a:t>Augment the data</a:t>
             </a:r>
           </a:p>
           <a:p>
@@ -8736,40 +8875,7 @@
                   <a:srgbClr val="434343"/>
                 </a:solidFill>
               </a:rPr>
-              <a:t>Smoothing out the movement</a:t>
-            </a:r>
-          </a:p>
-          <a:p>
-            <a:pPr marL="914507" indent="-711281">
-              <a:buClr>
-                <a:srgbClr val="434343"/>
-              </a:buClr>
-              <a:buFont typeface="Calibri"/>
-              <a:buChar char="●"/>
-            </a:pPr>
-            <a:r>
-              <a:rPr lang="en-US" sz="4002" dirty="0">
-                <a:solidFill>
-                  <a:srgbClr val="434343"/>
-                </a:solidFill>
-              </a:rPr>
-              <a:t>Display what the CNN “sees”??</a:t>
-            </a:r>
-          </a:p>
-          <a:p>
-            <a:pPr marL="914507" indent="-711281">
-              <a:buClr>
-                <a:srgbClr val="434343"/>
-              </a:buClr>
-              <a:buChar char="●"/>
-            </a:pPr>
-            <a:r>
-              <a:rPr lang="en-US" sz="4002" dirty="0">
-                <a:solidFill>
-                  <a:srgbClr val="434343"/>
-                </a:solidFill>
-              </a:rPr>
-              <a:t>Creating a YouTube video of this in action</a:t>
+              <a:t>Skew the image for the next frame to reflect what would happen with the predicted steering angle</a:t>
             </a:r>
           </a:p>
           <a:p>

--- a/4. Predicting the steering angle of a car/Slides/4.1.pptx
+++ b/4. Predicting the steering angle of a car/Slides/4.1.pptx
@@ -5,7 +5,7 @@
     <p:sldMasterId id="2147483669" r:id="rId1"/>
   </p:sldMasterIdLst>
   <p:notesMasterIdLst>
-    <p:notesMasterId r:id="rId26"/>
+    <p:notesMasterId r:id="rId28"/>
   </p:notesMasterIdLst>
   <p:sldIdLst>
     <p:sldId id="291" r:id="rId2"/>
@@ -26,36 +26,38 @@
     <p:sldId id="309" r:id="rId17"/>
     <p:sldId id="311" r:id="rId18"/>
     <p:sldId id="310" r:id="rId19"/>
-    <p:sldId id="312" r:id="rId20"/>
-    <p:sldId id="313" r:id="rId21"/>
-    <p:sldId id="307" r:id="rId22"/>
-    <p:sldId id="303" r:id="rId23"/>
-    <p:sldId id="317" r:id="rId24"/>
-    <p:sldId id="301" r:id="rId25"/>
+    <p:sldId id="318" r:id="rId20"/>
+    <p:sldId id="312" r:id="rId21"/>
+    <p:sldId id="313" r:id="rId22"/>
+    <p:sldId id="307" r:id="rId23"/>
+    <p:sldId id="303" r:id="rId24"/>
+    <p:sldId id="319" r:id="rId25"/>
+    <p:sldId id="317" r:id="rId26"/>
+    <p:sldId id="301" r:id="rId27"/>
   </p:sldIdLst>
   <p:sldSz cx="18288000" cy="10282238"/>
   <p:notesSz cx="6858000" cy="9144000"/>
   <p:embeddedFontLst>
     <p:embeddedFont>
       <p:font typeface="Calibri" panose="020F0502020204030204" pitchFamily="34" charset="0"/>
-      <p:regular r:id="rId27"/>
-      <p:bold r:id="rId28"/>
-      <p:italic r:id="rId29"/>
-      <p:boldItalic r:id="rId30"/>
+      <p:regular r:id="rId29"/>
+      <p:bold r:id="rId30"/>
+      <p:italic r:id="rId31"/>
+      <p:boldItalic r:id="rId32"/>
     </p:embeddedFont>
     <p:embeddedFont>
       <p:font typeface="Consolas" panose="020B0609020204030204" pitchFamily="49" charset="0"/>
-      <p:regular r:id="rId31"/>
-      <p:bold r:id="rId32"/>
-      <p:italic r:id="rId33"/>
-      <p:boldItalic r:id="rId34"/>
+      <p:regular r:id="rId33"/>
+      <p:bold r:id="rId34"/>
+      <p:italic r:id="rId35"/>
+      <p:boldItalic r:id="rId36"/>
     </p:embeddedFont>
     <p:embeddedFont>
       <p:font typeface="Roboto" panose="02000000000000000000" pitchFamily="2" charset="0"/>
-      <p:regular r:id="rId35"/>
-      <p:bold r:id="rId36"/>
-      <p:italic r:id="rId37"/>
-      <p:boldItalic r:id="rId38"/>
+      <p:regular r:id="rId37"/>
+      <p:bold r:id="rId38"/>
+      <p:italic r:id="rId39"/>
+      <p:boldItalic r:id="rId40"/>
     </p:embeddedFont>
   </p:embeddedFontLst>
   <p:defaultTextStyle>
@@ -279,6 +281,33 @@
 </p:presentation>
 </file>
 
+<file path=ppt/ink/ink1.xml><?xml version="1.0" encoding="utf-8"?>
+<inkml:ink xmlns:inkml="http://www.w3.org/2003/InkML">
+  <inkml:definitions>
+    <inkml:context xml:id="ctx0">
+      <inkml:inkSource xml:id="inkSrc0">
+        <inkml:traceFormat>
+          <inkml:channel name="X" type="integer" min="-2.14748E9" max="2.14748E9" units="cm"/>
+          <inkml:channel name="Y" type="integer" min="-2.14748E9" max="2.14748E9" units="cm"/>
+          <inkml:channel name="F" type="integer" max="32767" units="dev"/>
+        </inkml:traceFormat>
+        <inkml:channelProperties>
+          <inkml:channelProperty channel="X" name="resolution" value="1000" units="1/cm"/>
+          <inkml:channelProperty channel="Y" name="resolution" value="1000" units="1/cm"/>
+          <inkml:channelProperty channel="F" name="resolution" value="0" units="1/dev"/>
+        </inkml:channelProperties>
+      </inkml:inkSource>
+      <inkml:timestamp xml:id="ts0" timeString="2018-11-16T09:30:07.210"/>
+    </inkml:context>
+    <inkml:brush xml:id="br0">
+      <inkml:brushProperty name="width" value="0.05" units="cm"/>
+      <inkml:brushProperty name="height" value="0.05" units="cm"/>
+    </inkml:brush>
+  </inkml:definitions>
+  <inkml:trace contextRef="#ctx0" brushRef="#br0">13 13 24575,'-12'-13'0</inkml:trace>
+</inkml:ink>
+</file>
+
 <file path=ppt/notesMasters/notesMaster1.xml><?xml version="1.0" encoding="utf-8"?>
 <p:notesMaster xmlns:a="http://schemas.openxmlformats.org/drawingml/2006/main" xmlns:r="http://schemas.openxmlformats.org/officeDocument/2006/relationships" xmlns:p="http://schemas.openxmlformats.org/presentationml/2006/main">
   <p:cSld>
@@ -762,7 +791,19 @@
             </a:pPr>
             <a:r>
               <a:rPr lang="en-US" dirty="0"/>
-              <a:t>Took approx. 5 hours on a 2core 13GB VM in Google cloud using a Nvidia K80 GPIU</a:t>
+              <a:t>Took approx. 5 hours on a 2core 13GB VM in Google cloud using a Nvidia K80 GPU</a:t>
+            </a:r>
+          </a:p>
+          <a:p>
+            <a:pPr lvl="0" rtl="0">
+              <a:spcBef>
+                <a:spcPts val="0"/>
+              </a:spcBef>
+              <a:buNone/>
+            </a:pPr>
+            <a:r>
+              <a:rPr lang="en-US" dirty="0"/>
+              <a:t>However, I’ve provided a pre-trained model so you can still work with the code and understand what it is doing</a:t>
             </a:r>
           </a:p>
           <a:p>
@@ -1362,11 +1403,11 @@
 </file>
 
 <file path=ppt/notesSlides/notesSlide15.xml><?xml version="1.0" encoding="utf-8"?>
-<p:notes xmlns:a="http://schemas.openxmlformats.org/drawingml/2006/main" xmlns:r="http://schemas.openxmlformats.org/officeDocument/2006/relationships" xmlns:p="http://schemas.openxmlformats.org/presentationml/2006/main" showMasterSp="0" showMasterPhAnim="0">
+<p:notes xmlns:a="http://schemas.openxmlformats.org/drawingml/2006/main" xmlns:r="http://schemas.openxmlformats.org/officeDocument/2006/relationships" xmlns:p="http://schemas.openxmlformats.org/presentationml/2006/main">
   <p:cSld>
     <p:spTree>
       <p:nvGrpSpPr>
-        <p:cNvPr id="1" name="Shape 144"/>
+        <p:cNvPr id="1" name=""/>
         <p:cNvGrpSpPr/>
         <p:nvPr/>
       </p:nvGrpSpPr>
@@ -1380,110 +1421,63 @@
       </p:grpSpPr>
       <p:sp>
         <p:nvSpPr>
-          <p:cNvPr id="145" name="Shape 145"/>
+          <p:cNvPr id="2" name="Slide Image Placeholder 1"/>
           <p:cNvSpPr>
             <a:spLocks noGrp="1" noRot="1" noChangeAspect="1"/>
           </p:cNvSpPr>
           <p:nvPr>
-            <p:ph type="sldImg" idx="2"/>
+            <p:ph type="sldImg"/>
           </p:nvPr>
         </p:nvSpPr>
-        <p:spPr>
-          <a:xfrm>
-            <a:off x="381000" y="685800"/>
-            <a:ext cx="6096000" cy="3429000"/>
-          </a:xfrm>
-          <a:custGeom>
-            <a:avLst/>
-            <a:gdLst/>
-            <a:ahLst/>
-            <a:cxnLst/>
-            <a:rect l="0" t="0" r="0" b="0"/>
-            <a:pathLst>
-              <a:path w="120000" h="120000" extrusionOk="0">
-                <a:moveTo>
-                  <a:pt x="0" y="0"/>
-                </a:moveTo>
-                <a:lnTo>
-                  <a:pt x="120000" y="0"/>
-                </a:lnTo>
-                <a:lnTo>
-                  <a:pt x="120000" y="120000"/>
-                </a:lnTo>
-                <a:lnTo>
-                  <a:pt x="0" y="120000"/>
-                </a:lnTo>
-                <a:close/>
-              </a:path>
-            </a:pathLst>
-          </a:custGeom>
-        </p:spPr>
+        <p:spPr/>
       </p:sp>
       <p:sp>
         <p:nvSpPr>
-          <p:cNvPr id="146" name="Shape 146"/>
-          <p:cNvSpPr txBox="1">
+          <p:cNvPr id="3" name="Notes Placeholder 2"/>
+          <p:cNvSpPr>
             <a:spLocks noGrp="1"/>
           </p:cNvSpPr>
           <p:nvPr>
             <p:ph type="body" idx="1"/>
           </p:nvPr>
         </p:nvSpPr>
-        <p:spPr>
-          <a:xfrm>
-            <a:off x="685800" y="4343400"/>
-            <a:ext cx="5486400" cy="4114800"/>
-          </a:xfrm>
-          <a:prstGeom prst="rect">
-            <a:avLst/>
-          </a:prstGeom>
-        </p:spPr>
+        <p:spPr/>
         <p:txBody>
-          <a:bodyPr lIns="91425" tIns="91425" rIns="91425" bIns="91425" anchor="t" anchorCtr="0">
-            <a:noAutofit/>
-          </a:bodyPr>
+          <a:bodyPr/>
           <a:lstStyle/>
           <a:p>
-            <a:pPr lvl="0" rtl="0">
-              <a:spcBef>
-                <a:spcPts val="0"/>
-              </a:spcBef>
-              <a:buNone/>
-            </a:pPr>
             <a:r>
               <a:rPr lang="en-US" dirty="0"/>
-              <a:t>This slide, like mentioned above is for multiple pointers. The information above covers the types</a:t>
-            </a:r>
-            <a:r>
-              <a:rPr lang="en-US" baseline="0" dirty="0"/>
-              <a:t> of information that can be used in this slide</a:t>
-            </a:r>
+              <a:t>We split the data into training, validation and testing to help train the model and understand how it predicts previously unseen examples.</a:t>
+            </a:r>
+          </a:p>
+          <a:p>
+            <a:r>
+              <a:rPr lang="en-US" dirty="0"/>
+              <a:t>During a typical training exercise, training data is used to train the model, then validation data is used to understand how well it predicts after that epoch.  For example, if I train on 128 images, I would then validate how accurate the prediction was on another 128 samples.</a:t>
+            </a:r>
+          </a:p>
+          <a:p>
+            <a:r>
+              <a:rPr lang="en-US" dirty="0"/>
+              <a:t>Once the model is fully trained, you would test it on the final 20% to see how accurate it is.</a:t>
+            </a:r>
+          </a:p>
+          <a:p>
+            <a:r>
+              <a:rPr lang="en-US" dirty="0"/>
+              <a:t>This is one option of splitting the data, another way could be to take the first 60% as training data, the next 20% as validation, and the final 20% as test data.</a:t>
+            </a:r>
+          </a:p>
+          <a:p>
             <a:endParaRPr lang="en-US" dirty="0"/>
-          </a:p>
-          <a:p>
-            <a:pPr lvl="0" rtl="0">
-              <a:spcBef>
-                <a:spcPts val="0"/>
-              </a:spcBef>
-              <a:buNone/>
-            </a:pPr>
-            <a:endParaRPr lang="en-US" dirty="0"/>
-          </a:p>
-          <a:p>
-            <a:pPr lvl="0">
-              <a:spcBef>
-                <a:spcPts val="0"/>
-              </a:spcBef>
-              <a:buNone/>
-            </a:pPr>
-            <a:endParaRPr dirty="0"/>
           </a:p>
         </p:txBody>
       </p:sp>
     </p:spTree>
     <p:extLst>
       <p:ext uri="{BB962C8B-B14F-4D97-AF65-F5344CB8AC3E}">
-        <p14:creationId xmlns:p14="http://schemas.microsoft.com/office/powerpoint/2010/main" val="650117490"/>
+        <p14:creationId xmlns:p14="http://schemas.microsoft.com/office/powerpoint/2010/main" val="1774118689"/>
       </p:ext>
     </p:extLst>
   </p:cSld>
@@ -1615,7 +1609,7 @@
     </p:spTree>
     <p:extLst>
       <p:ext uri="{BB962C8B-B14F-4D97-AF65-F5344CB8AC3E}">
-        <p14:creationId xmlns:p14="http://schemas.microsoft.com/office/powerpoint/2010/main" val="2083510538"/>
+        <p14:creationId xmlns:p14="http://schemas.microsoft.com/office/powerpoint/2010/main" val="650117490"/>
       </p:ext>
     </p:extLst>
   </p:cSld>
@@ -1716,12 +1710,16 @@
             </a:pPr>
             <a:r>
               <a:rPr lang="en-US" dirty="0"/>
-              <a:t>This slide, like mentioned above is for multiple pointers. The information above covers the types</a:t>
-            </a:r>
-            <a:r>
-              <a:rPr lang="en-US" baseline="0" dirty="0"/>
-              <a:t> of information that can be used in this slide</a:t>
-            </a:r>
+              <a:t>Our CNN is built up of a 5 convolutional layers followed by 3 fully connected layers.  Dropout is used to improve training performance by effectively dropping connections between artificial neurons.  It makes those that remain more resilient to the underlying data.</a:t>
+            </a:r>
+          </a:p>
+          <a:p>
+            <a:pPr lvl="0" rtl="0">
+              <a:spcBef>
+                <a:spcPts val="0"/>
+              </a:spcBef>
+              <a:buNone/>
+            </a:pPr>
             <a:endParaRPr lang="en-US" dirty="0"/>
           </a:p>
           <a:p>
@@ -1747,7 +1745,7 @@
     </p:spTree>
     <p:extLst>
       <p:ext uri="{BB962C8B-B14F-4D97-AF65-F5344CB8AC3E}">
-        <p14:creationId xmlns:p14="http://schemas.microsoft.com/office/powerpoint/2010/main" val="3163693538"/>
+        <p14:creationId xmlns:p14="http://schemas.microsoft.com/office/powerpoint/2010/main" val="2083510538"/>
       </p:ext>
     </p:extLst>
   </p:cSld>
@@ -1758,6 +1756,153 @@
 </file>
 
 <file path=ppt/notesSlides/notesSlide18.xml><?xml version="1.0" encoding="utf-8"?>
+<p:notes xmlns:a="http://schemas.openxmlformats.org/drawingml/2006/main" xmlns:r="http://schemas.openxmlformats.org/officeDocument/2006/relationships" xmlns:p="http://schemas.openxmlformats.org/presentationml/2006/main" showMasterSp="0" showMasterPhAnim="0">
+  <p:cSld>
+    <p:spTree>
+      <p:nvGrpSpPr>
+        <p:cNvPr id="1" name="Shape 169"/>
+        <p:cNvGrpSpPr/>
+        <p:nvPr/>
+      </p:nvGrpSpPr>
+      <p:grpSpPr>
+        <a:xfrm>
+          <a:off x="0" y="0"/>
+          <a:ext cx="0" cy="0"/>
+          <a:chOff x="0" y="0"/>
+          <a:chExt cx="0" cy="0"/>
+        </a:xfrm>
+      </p:grpSpPr>
+      <p:sp>
+        <p:nvSpPr>
+          <p:cNvPr id="170" name="Shape 170"/>
+          <p:cNvSpPr>
+            <a:spLocks noGrp="1" noRot="1" noChangeAspect="1"/>
+          </p:cNvSpPr>
+          <p:nvPr>
+            <p:ph type="sldImg" idx="2"/>
+          </p:nvPr>
+        </p:nvSpPr>
+        <p:spPr>
+          <a:xfrm>
+            <a:off x="381000" y="685800"/>
+            <a:ext cx="6096000" cy="3429000"/>
+          </a:xfrm>
+          <a:custGeom>
+            <a:avLst/>
+            <a:gdLst/>
+            <a:ahLst/>
+            <a:cxnLst/>
+            <a:rect l="0" t="0" r="0" b="0"/>
+            <a:pathLst>
+              <a:path w="120000" h="120000" extrusionOk="0">
+                <a:moveTo>
+                  <a:pt x="0" y="0"/>
+                </a:moveTo>
+                <a:lnTo>
+                  <a:pt x="120000" y="0"/>
+                </a:lnTo>
+                <a:lnTo>
+                  <a:pt x="120000" y="120000"/>
+                </a:lnTo>
+                <a:lnTo>
+                  <a:pt x="0" y="120000"/>
+                </a:lnTo>
+                <a:close/>
+              </a:path>
+            </a:pathLst>
+          </a:custGeom>
+        </p:spPr>
+      </p:sp>
+      <p:sp>
+        <p:nvSpPr>
+          <p:cNvPr id="171" name="Shape 171"/>
+          <p:cNvSpPr txBox="1">
+            <a:spLocks noGrp="1"/>
+          </p:cNvSpPr>
+          <p:nvPr>
+            <p:ph type="body" idx="1"/>
+          </p:nvPr>
+        </p:nvSpPr>
+        <p:spPr>
+          <a:xfrm>
+            <a:off x="685800" y="4343400"/>
+            <a:ext cx="5486400" cy="4114800"/>
+          </a:xfrm>
+          <a:prstGeom prst="rect">
+            <a:avLst/>
+          </a:prstGeom>
+        </p:spPr>
+        <p:txBody>
+          <a:bodyPr lIns="91425" tIns="91425" rIns="91425" bIns="91425" anchor="t" anchorCtr="0">
+            <a:noAutofit/>
+          </a:bodyPr>
+          <a:lstStyle/>
+          <a:p>
+            <a:pPr lvl="0" rtl="0">
+              <a:spcBef>
+                <a:spcPts val="0"/>
+              </a:spcBef>
+              <a:buNone/>
+            </a:pPr>
+            <a:r>
+              <a:rPr lang="en-US" dirty="0"/>
+              <a:t>As you can see, a large percentage of the dataset has a steering angle of between -5 and +5 degrees.  This can potentially cause training issues where the algorithm may get 70% accuracy by just returning 0 as the answer! Obviously this won’t be a good thing in a real car!! </a:t>
+            </a:r>
+          </a:p>
+          <a:p>
+            <a:pPr lvl="0" rtl="0">
+              <a:spcBef>
+                <a:spcPts val="0"/>
+              </a:spcBef>
+              <a:buNone/>
+            </a:pPr>
+            <a:endParaRPr lang="en-US"/>
+          </a:p>
+          <a:p>
+            <a:pPr marL="0" marR="0" lvl="0" indent="0" algn="l" defTabSz="1828145" rtl="0" eaLnBrk="1" fontAlgn="auto" latinLnBrk="0" hangingPunct="1">
+              <a:lnSpc>
+                <a:spcPct val="100000"/>
+              </a:lnSpc>
+              <a:spcBef>
+                <a:spcPts val="0"/>
+              </a:spcBef>
+              <a:spcAft>
+                <a:spcPts val="0"/>
+              </a:spcAft>
+              <a:buClrTx/>
+              <a:buSzTx/>
+              <a:buFontTx/>
+              <a:buNone/>
+              <a:tabLst/>
+              <a:defRPr/>
+            </a:pPr>
+            <a:endParaRPr lang="en-US" dirty="0"/>
+          </a:p>
+          <a:p>
+            <a:pPr lvl="0">
+              <a:spcBef>
+                <a:spcPts val="0"/>
+              </a:spcBef>
+              <a:buNone/>
+            </a:pPr>
+            <a:endParaRPr dirty="0"/>
+          </a:p>
+        </p:txBody>
+      </p:sp>
+    </p:spTree>
+    <p:extLst>
+      <p:ext uri="{BB962C8B-B14F-4D97-AF65-F5344CB8AC3E}">
+        <p14:creationId xmlns:p14="http://schemas.microsoft.com/office/powerpoint/2010/main" val="2461616150"/>
+      </p:ext>
+    </p:extLst>
+  </p:cSld>
+  <p:clrMapOvr>
+    <a:masterClrMapping/>
+  </p:clrMapOvr>
+</p:notes>
+</file>
+
+<file path=ppt/notesSlides/notesSlide19.xml><?xml version="1.0" encoding="utf-8"?>
 <p:notes xmlns:a="http://schemas.openxmlformats.org/drawingml/2006/main" xmlns:r="http://schemas.openxmlformats.org/officeDocument/2006/relationships" xmlns:p="http://schemas.openxmlformats.org/presentationml/2006/main" showMasterSp="0" showMasterPhAnim="0">
   <p:cSld>
     <p:spTree>
@@ -1848,12 +1993,36 @@
             </a:pPr>
             <a:r>
               <a:rPr lang="en-US" dirty="0"/>
-              <a:t>This slide, like mentioned above is for multiple pointers. The information above covers the types</a:t>
-            </a:r>
-            <a:r>
-              <a:rPr lang="en-US" baseline="0" dirty="0"/>
-              <a:t> of information that can be used in this slide</a:t>
-            </a:r>
+              <a:t>This is the approach I use for training neural networks.  Typically I would perform the initial training and tuning locally to ensure the code is working and the model is starting to converge or a small number samples before moving to a cloud based server to train on the full dataset.</a:t>
+            </a:r>
+          </a:p>
+          <a:p>
+            <a:pPr lvl="0" rtl="0">
+              <a:spcBef>
+                <a:spcPts val="0"/>
+              </a:spcBef>
+              <a:buNone/>
+            </a:pPr>
+            <a:r>
+              <a:rPr lang="en-US" dirty="0"/>
+              <a:t>Also, </a:t>
+            </a:r>
+            <a:r>
+              <a:rPr lang="en-US" dirty="0" err="1"/>
+              <a:t>Keras</a:t>
+            </a:r>
+            <a:r>
+              <a:rPr lang="en-US" dirty="0"/>
+              <a:t> disables drop-out on validation so you will notice that the validation loss is often lower than the training loss.  This is OK if you have dropout in the network, but if you don’t and you see this, then you have issues relating to your data (for example you need to think about the split between train and validation more, such as validation may be skewed to a smaller set of examples than the training data)</a:t>
+            </a:r>
+          </a:p>
+          <a:p>
+            <a:pPr lvl="0" rtl="0">
+              <a:spcBef>
+                <a:spcPts val="0"/>
+              </a:spcBef>
+              <a:buNone/>
+            </a:pPr>
             <a:endParaRPr lang="en-US" dirty="0"/>
           </a:p>
           <a:p>
@@ -1879,117 +2048,7 @@
     </p:spTree>
     <p:extLst>
       <p:ext uri="{BB962C8B-B14F-4D97-AF65-F5344CB8AC3E}">
-        <p14:creationId xmlns:p14="http://schemas.microsoft.com/office/powerpoint/2010/main" val="1882602306"/>
-      </p:ext>
-    </p:extLst>
-  </p:cSld>
-  <p:clrMapOvr>
-    <a:masterClrMapping/>
-  </p:clrMapOvr>
-</p:notes>
-</file>
-
-<file path=ppt/notesSlides/notesSlide19.xml><?xml version="1.0" encoding="utf-8"?>
-<p:notes xmlns:a="http://schemas.openxmlformats.org/drawingml/2006/main" xmlns:r="http://schemas.openxmlformats.org/officeDocument/2006/relationships" xmlns:p="http://schemas.openxmlformats.org/presentationml/2006/main" showMasterSp="0" showMasterPhAnim="0">
-  <p:cSld>
-    <p:spTree>
-      <p:nvGrpSpPr>
-        <p:cNvPr id="1" name="Shape 151"/>
-        <p:cNvGrpSpPr/>
-        <p:nvPr/>
-      </p:nvGrpSpPr>
-      <p:grpSpPr>
-        <a:xfrm>
-          <a:off x="0" y="0"/>
-          <a:ext cx="0" cy="0"/>
-          <a:chOff x="0" y="0"/>
-          <a:chExt cx="0" cy="0"/>
-        </a:xfrm>
-      </p:grpSpPr>
-      <p:sp>
-        <p:nvSpPr>
-          <p:cNvPr id="152" name="Shape 152"/>
-          <p:cNvSpPr>
-            <a:spLocks noGrp="1" noRot="1" noChangeAspect="1"/>
-          </p:cNvSpPr>
-          <p:nvPr>
-            <p:ph type="sldImg" idx="2"/>
-          </p:nvPr>
-        </p:nvSpPr>
-        <p:spPr>
-          <a:xfrm>
-            <a:off x="381000" y="685800"/>
-            <a:ext cx="6096000" cy="3429000"/>
-          </a:xfrm>
-          <a:custGeom>
-            <a:avLst/>
-            <a:gdLst/>
-            <a:ahLst/>
-            <a:cxnLst/>
-            <a:rect l="0" t="0" r="0" b="0"/>
-            <a:pathLst>
-              <a:path w="120000" h="120000" extrusionOk="0">
-                <a:moveTo>
-                  <a:pt x="0" y="0"/>
-                </a:moveTo>
-                <a:lnTo>
-                  <a:pt x="120000" y="0"/>
-                </a:lnTo>
-                <a:lnTo>
-                  <a:pt x="120000" y="120000"/>
-                </a:lnTo>
-                <a:lnTo>
-                  <a:pt x="0" y="120000"/>
-                </a:lnTo>
-                <a:close/>
-              </a:path>
-            </a:pathLst>
-          </a:custGeom>
-        </p:spPr>
-      </p:sp>
-      <p:sp>
-        <p:nvSpPr>
-          <p:cNvPr id="153" name="Shape 153"/>
-          <p:cNvSpPr txBox="1">
-            <a:spLocks noGrp="1"/>
-          </p:cNvSpPr>
-          <p:nvPr>
-            <p:ph type="body" idx="1"/>
-          </p:nvPr>
-        </p:nvSpPr>
-        <p:spPr>
-          <a:xfrm>
-            <a:off x="685800" y="4343400"/>
-            <a:ext cx="5486400" cy="4114800"/>
-          </a:xfrm>
-          <a:prstGeom prst="rect">
-            <a:avLst/>
-          </a:prstGeom>
-        </p:spPr>
-        <p:txBody>
-          <a:bodyPr lIns="91425" tIns="91425" rIns="91425" bIns="91425" anchor="t" anchorCtr="0">
-            <a:noAutofit/>
-          </a:bodyPr>
-          <a:lstStyle/>
-          <a:p>
-            <a:pPr lvl="0" rtl="0">
-              <a:spcBef>
-                <a:spcPts val="0"/>
-              </a:spcBef>
-              <a:buNone/>
-            </a:pPr>
-            <a:r>
-              <a:rPr lang="en-US" dirty="0"/>
-              <a:t>In this section we are going to look at some of the computer vision and AI technology used in self driving cars, specifically an approach to predict the steering angle based on a feed of images of the road ahead.</a:t>
-            </a:r>
-            <a:endParaRPr dirty="0"/>
-          </a:p>
-        </p:txBody>
-      </p:sp>
-    </p:spTree>
-    <p:extLst>
-      <p:ext uri="{BB962C8B-B14F-4D97-AF65-F5344CB8AC3E}">
-        <p14:creationId xmlns:p14="http://schemas.microsoft.com/office/powerpoint/2010/main" val="4059420221"/>
+        <p14:creationId xmlns:p14="http://schemas.microsoft.com/office/powerpoint/2010/main" val="3163693538"/>
       </p:ext>
     </p:extLst>
   </p:cSld>
@@ -2237,23 +2296,6 @@
               </a:spcBef>
               <a:buNone/>
             </a:pPr>
-            <a:r>
-              <a:rPr lang="en-US" dirty="0"/>
-              <a:t>This slide, like mentioned above is for multiple pointers. The information above covers the types</a:t>
-            </a:r>
-            <a:r>
-              <a:rPr lang="en-US" baseline="0" dirty="0"/>
-              <a:t> of information that can be used in this slide</a:t>
-            </a:r>
-            <a:endParaRPr lang="en-US" dirty="0"/>
-          </a:p>
-          <a:p>
-            <a:pPr lvl="0" rtl="0">
-              <a:spcBef>
-                <a:spcPts val="0"/>
-              </a:spcBef>
-              <a:buNone/>
-            </a:pPr>
             <a:endParaRPr lang="en-US" dirty="0"/>
           </a:p>
           <a:p>
@@ -2270,7 +2312,7 @@
     </p:spTree>
     <p:extLst>
       <p:ext uri="{BB962C8B-B14F-4D97-AF65-F5344CB8AC3E}">
-        <p14:creationId xmlns:p14="http://schemas.microsoft.com/office/powerpoint/2010/main" val="4107019688"/>
+        <p14:creationId xmlns:p14="http://schemas.microsoft.com/office/powerpoint/2010/main" val="1882602306"/>
       </p:ext>
     </p:extLst>
   </p:cSld>
@@ -2281,6 +2323,116 @@
 </file>
 
 <file path=ppt/notesSlides/notesSlide21.xml><?xml version="1.0" encoding="utf-8"?>
+<p:notes xmlns:a="http://schemas.openxmlformats.org/drawingml/2006/main" xmlns:r="http://schemas.openxmlformats.org/officeDocument/2006/relationships" xmlns:p="http://schemas.openxmlformats.org/presentationml/2006/main" showMasterSp="0" showMasterPhAnim="0">
+  <p:cSld>
+    <p:spTree>
+      <p:nvGrpSpPr>
+        <p:cNvPr id="1" name="Shape 151"/>
+        <p:cNvGrpSpPr/>
+        <p:nvPr/>
+      </p:nvGrpSpPr>
+      <p:grpSpPr>
+        <a:xfrm>
+          <a:off x="0" y="0"/>
+          <a:ext cx="0" cy="0"/>
+          <a:chOff x="0" y="0"/>
+          <a:chExt cx="0" cy="0"/>
+        </a:xfrm>
+      </p:grpSpPr>
+      <p:sp>
+        <p:nvSpPr>
+          <p:cNvPr id="152" name="Shape 152"/>
+          <p:cNvSpPr>
+            <a:spLocks noGrp="1" noRot="1" noChangeAspect="1"/>
+          </p:cNvSpPr>
+          <p:nvPr>
+            <p:ph type="sldImg" idx="2"/>
+          </p:nvPr>
+        </p:nvSpPr>
+        <p:spPr>
+          <a:xfrm>
+            <a:off x="381000" y="685800"/>
+            <a:ext cx="6096000" cy="3429000"/>
+          </a:xfrm>
+          <a:custGeom>
+            <a:avLst/>
+            <a:gdLst/>
+            <a:ahLst/>
+            <a:cxnLst/>
+            <a:rect l="0" t="0" r="0" b="0"/>
+            <a:pathLst>
+              <a:path w="120000" h="120000" extrusionOk="0">
+                <a:moveTo>
+                  <a:pt x="0" y="0"/>
+                </a:moveTo>
+                <a:lnTo>
+                  <a:pt x="120000" y="0"/>
+                </a:lnTo>
+                <a:lnTo>
+                  <a:pt x="120000" y="120000"/>
+                </a:lnTo>
+                <a:lnTo>
+                  <a:pt x="0" y="120000"/>
+                </a:lnTo>
+                <a:close/>
+              </a:path>
+            </a:pathLst>
+          </a:custGeom>
+        </p:spPr>
+      </p:sp>
+      <p:sp>
+        <p:nvSpPr>
+          <p:cNvPr id="153" name="Shape 153"/>
+          <p:cNvSpPr txBox="1">
+            <a:spLocks noGrp="1"/>
+          </p:cNvSpPr>
+          <p:nvPr>
+            <p:ph type="body" idx="1"/>
+          </p:nvPr>
+        </p:nvSpPr>
+        <p:spPr>
+          <a:xfrm>
+            <a:off x="685800" y="4343400"/>
+            <a:ext cx="5486400" cy="4114800"/>
+          </a:xfrm>
+          <a:prstGeom prst="rect">
+            <a:avLst/>
+          </a:prstGeom>
+        </p:spPr>
+        <p:txBody>
+          <a:bodyPr lIns="91425" tIns="91425" rIns="91425" bIns="91425" anchor="t" anchorCtr="0">
+            <a:noAutofit/>
+          </a:bodyPr>
+          <a:lstStyle/>
+          <a:p>
+            <a:pPr lvl="0" rtl="0">
+              <a:spcBef>
+                <a:spcPts val="0"/>
+              </a:spcBef>
+              <a:buNone/>
+            </a:pPr>
+            <a:r>
+              <a:rPr lang="en-US" dirty="0"/>
+              <a:t>In this section we are going to look at some of the computer vision and AI technology used in self driving cars, specifically an approach to predict the steering angle based on a feed of images of the road ahead.</a:t>
+            </a:r>
+            <a:endParaRPr dirty="0"/>
+          </a:p>
+        </p:txBody>
+      </p:sp>
+    </p:spTree>
+    <p:extLst>
+      <p:ext uri="{BB962C8B-B14F-4D97-AF65-F5344CB8AC3E}">
+        <p14:creationId xmlns:p14="http://schemas.microsoft.com/office/powerpoint/2010/main" val="4059420221"/>
+      </p:ext>
+    </p:extLst>
+  </p:cSld>
+  <p:clrMapOvr>
+    <a:masterClrMapping/>
+  </p:clrMapOvr>
+</p:notes>
+</file>
+
+<file path=ppt/notesSlides/notesSlide22.xml><?xml version="1.0" encoding="utf-8"?>
 <p:notes xmlns:a="http://schemas.openxmlformats.org/drawingml/2006/main" xmlns:r="http://schemas.openxmlformats.org/officeDocument/2006/relationships" xmlns:p="http://schemas.openxmlformats.org/presentationml/2006/main" showMasterSp="0" showMasterPhAnim="0">
   <p:cSld>
     <p:spTree>
@@ -2371,6 +2523,285 @@
             </a:pPr>
             <a:r>
               <a:rPr lang="en-US" dirty="0"/>
+              <a:t>This slide, like mentioned above is for multiple pointers. The information above covers the types</a:t>
+            </a:r>
+            <a:r>
+              <a:rPr lang="en-US" baseline="0" dirty="0"/>
+              <a:t> of information that can be used in this slide</a:t>
+            </a:r>
+            <a:endParaRPr lang="en-US" dirty="0"/>
+          </a:p>
+          <a:p>
+            <a:pPr lvl="0" rtl="0">
+              <a:spcBef>
+                <a:spcPts val="0"/>
+              </a:spcBef>
+              <a:buNone/>
+            </a:pPr>
+            <a:endParaRPr lang="en-US" dirty="0"/>
+          </a:p>
+          <a:p>
+            <a:pPr lvl="0">
+              <a:spcBef>
+                <a:spcPts val="0"/>
+              </a:spcBef>
+              <a:buNone/>
+            </a:pPr>
+            <a:endParaRPr dirty="0"/>
+          </a:p>
+        </p:txBody>
+      </p:sp>
+    </p:spTree>
+    <p:extLst>
+      <p:ext uri="{BB962C8B-B14F-4D97-AF65-F5344CB8AC3E}">
+        <p14:creationId xmlns:p14="http://schemas.microsoft.com/office/powerpoint/2010/main" val="4107019688"/>
+      </p:ext>
+    </p:extLst>
+  </p:cSld>
+  <p:clrMapOvr>
+    <a:masterClrMapping/>
+  </p:clrMapOvr>
+</p:notes>
+</file>
+
+<file path=ppt/notesSlides/notesSlide23.xml><?xml version="1.0" encoding="utf-8"?>
+<p:notes xmlns:a="http://schemas.openxmlformats.org/drawingml/2006/main" xmlns:r="http://schemas.openxmlformats.org/officeDocument/2006/relationships" xmlns:p="http://schemas.openxmlformats.org/presentationml/2006/main" showMasterSp="0" showMasterPhAnim="0">
+  <p:cSld>
+    <p:spTree>
+      <p:nvGrpSpPr>
+        <p:cNvPr id="1" name="Shape 169"/>
+        <p:cNvGrpSpPr/>
+        <p:nvPr/>
+      </p:nvGrpSpPr>
+      <p:grpSpPr>
+        <a:xfrm>
+          <a:off x="0" y="0"/>
+          <a:ext cx="0" cy="0"/>
+          <a:chOff x="0" y="0"/>
+          <a:chExt cx="0" cy="0"/>
+        </a:xfrm>
+      </p:grpSpPr>
+      <p:sp>
+        <p:nvSpPr>
+          <p:cNvPr id="170" name="Shape 170"/>
+          <p:cNvSpPr>
+            <a:spLocks noGrp="1" noRot="1" noChangeAspect="1"/>
+          </p:cNvSpPr>
+          <p:nvPr>
+            <p:ph type="sldImg" idx="2"/>
+          </p:nvPr>
+        </p:nvSpPr>
+        <p:spPr>
+          <a:xfrm>
+            <a:off x="381000" y="685800"/>
+            <a:ext cx="6096000" cy="3429000"/>
+          </a:xfrm>
+          <a:custGeom>
+            <a:avLst/>
+            <a:gdLst/>
+            <a:ahLst/>
+            <a:cxnLst/>
+            <a:rect l="0" t="0" r="0" b="0"/>
+            <a:pathLst>
+              <a:path w="120000" h="120000" extrusionOk="0">
+                <a:moveTo>
+                  <a:pt x="0" y="0"/>
+                </a:moveTo>
+                <a:lnTo>
+                  <a:pt x="120000" y="0"/>
+                </a:lnTo>
+                <a:lnTo>
+                  <a:pt x="120000" y="120000"/>
+                </a:lnTo>
+                <a:lnTo>
+                  <a:pt x="0" y="120000"/>
+                </a:lnTo>
+                <a:close/>
+              </a:path>
+            </a:pathLst>
+          </a:custGeom>
+        </p:spPr>
+      </p:sp>
+      <p:sp>
+        <p:nvSpPr>
+          <p:cNvPr id="171" name="Shape 171"/>
+          <p:cNvSpPr txBox="1">
+            <a:spLocks noGrp="1"/>
+          </p:cNvSpPr>
+          <p:nvPr>
+            <p:ph type="body" idx="1"/>
+          </p:nvPr>
+        </p:nvSpPr>
+        <p:spPr>
+          <a:xfrm>
+            <a:off x="685800" y="4343400"/>
+            <a:ext cx="5486400" cy="4114800"/>
+          </a:xfrm>
+          <a:prstGeom prst="rect">
+            <a:avLst/>
+          </a:prstGeom>
+        </p:spPr>
+        <p:txBody>
+          <a:bodyPr lIns="91425" tIns="91425" rIns="91425" bIns="91425" anchor="t" anchorCtr="0">
+            <a:noAutofit/>
+          </a:bodyPr>
+          <a:lstStyle/>
+          <a:p>
+            <a:pPr lvl="0" rtl="0">
+              <a:spcBef>
+                <a:spcPts val="0"/>
+              </a:spcBef>
+              <a:buNone/>
+            </a:pPr>
+            <a:r>
+              <a:rPr lang="en-US" dirty="0"/>
+              <a:t>As you can see, a large percentage of the dataset has a steering angle of between -5 and +5 degrees.  This can potentially cause training issues where the algorithm may get 70% accuracy by just returning 0 as the answer! Obviously this won’t be a good thing in a real car!! </a:t>
+            </a:r>
+          </a:p>
+          <a:p>
+            <a:pPr lvl="0" rtl="0">
+              <a:spcBef>
+                <a:spcPts val="0"/>
+              </a:spcBef>
+              <a:buNone/>
+            </a:pPr>
+            <a:endParaRPr lang="en-US"/>
+          </a:p>
+          <a:p>
+            <a:pPr marL="0" marR="0" lvl="0" indent="0" algn="l" defTabSz="1828145" rtl="0" eaLnBrk="1" fontAlgn="auto" latinLnBrk="0" hangingPunct="1">
+              <a:lnSpc>
+                <a:spcPct val="100000"/>
+              </a:lnSpc>
+              <a:spcBef>
+                <a:spcPts val="0"/>
+              </a:spcBef>
+              <a:spcAft>
+                <a:spcPts val="0"/>
+              </a:spcAft>
+              <a:buClrTx/>
+              <a:buSzTx/>
+              <a:buFontTx/>
+              <a:buNone/>
+              <a:tabLst/>
+              <a:defRPr/>
+            </a:pPr>
+            <a:endParaRPr lang="en-US" dirty="0"/>
+          </a:p>
+          <a:p>
+            <a:pPr lvl="0">
+              <a:spcBef>
+                <a:spcPts val="0"/>
+              </a:spcBef>
+              <a:buNone/>
+            </a:pPr>
+            <a:endParaRPr dirty="0"/>
+          </a:p>
+        </p:txBody>
+      </p:sp>
+    </p:spTree>
+    <p:extLst>
+      <p:ext uri="{BB962C8B-B14F-4D97-AF65-F5344CB8AC3E}">
+        <p14:creationId xmlns:p14="http://schemas.microsoft.com/office/powerpoint/2010/main" val="3230928461"/>
+      </p:ext>
+    </p:extLst>
+  </p:cSld>
+  <p:clrMapOvr>
+    <a:masterClrMapping/>
+  </p:clrMapOvr>
+</p:notes>
+</file>
+
+<file path=ppt/notesSlides/notesSlide24.xml><?xml version="1.0" encoding="utf-8"?>
+<p:notes xmlns:a="http://schemas.openxmlformats.org/drawingml/2006/main" xmlns:r="http://schemas.openxmlformats.org/officeDocument/2006/relationships" xmlns:p="http://schemas.openxmlformats.org/presentationml/2006/main" showMasterSp="0" showMasterPhAnim="0">
+  <p:cSld>
+    <p:spTree>
+      <p:nvGrpSpPr>
+        <p:cNvPr id="1" name="Shape 144"/>
+        <p:cNvGrpSpPr/>
+        <p:nvPr/>
+      </p:nvGrpSpPr>
+      <p:grpSpPr>
+        <a:xfrm>
+          <a:off x="0" y="0"/>
+          <a:ext cx="0" cy="0"/>
+          <a:chOff x="0" y="0"/>
+          <a:chExt cx="0" cy="0"/>
+        </a:xfrm>
+      </p:grpSpPr>
+      <p:sp>
+        <p:nvSpPr>
+          <p:cNvPr id="145" name="Shape 145"/>
+          <p:cNvSpPr>
+            <a:spLocks noGrp="1" noRot="1" noChangeAspect="1"/>
+          </p:cNvSpPr>
+          <p:nvPr>
+            <p:ph type="sldImg" idx="2"/>
+          </p:nvPr>
+        </p:nvSpPr>
+        <p:spPr>
+          <a:xfrm>
+            <a:off x="381000" y="685800"/>
+            <a:ext cx="6096000" cy="3429000"/>
+          </a:xfrm>
+          <a:custGeom>
+            <a:avLst/>
+            <a:gdLst/>
+            <a:ahLst/>
+            <a:cxnLst/>
+            <a:rect l="0" t="0" r="0" b="0"/>
+            <a:pathLst>
+              <a:path w="120000" h="120000" extrusionOk="0">
+                <a:moveTo>
+                  <a:pt x="0" y="0"/>
+                </a:moveTo>
+                <a:lnTo>
+                  <a:pt x="120000" y="0"/>
+                </a:lnTo>
+                <a:lnTo>
+                  <a:pt x="120000" y="120000"/>
+                </a:lnTo>
+                <a:lnTo>
+                  <a:pt x="0" y="120000"/>
+                </a:lnTo>
+                <a:close/>
+              </a:path>
+            </a:pathLst>
+          </a:custGeom>
+        </p:spPr>
+      </p:sp>
+      <p:sp>
+        <p:nvSpPr>
+          <p:cNvPr id="146" name="Shape 146"/>
+          <p:cNvSpPr txBox="1">
+            <a:spLocks noGrp="1"/>
+          </p:cNvSpPr>
+          <p:nvPr>
+            <p:ph type="body" idx="1"/>
+          </p:nvPr>
+        </p:nvSpPr>
+        <p:spPr>
+          <a:xfrm>
+            <a:off x="685800" y="4343400"/>
+            <a:ext cx="5486400" cy="4114800"/>
+          </a:xfrm>
+          <a:prstGeom prst="rect">
+            <a:avLst/>
+          </a:prstGeom>
+        </p:spPr>
+        <p:txBody>
+          <a:bodyPr lIns="91425" tIns="91425" rIns="91425" bIns="91425" anchor="t" anchorCtr="0">
+            <a:noAutofit/>
+          </a:bodyPr>
+          <a:lstStyle/>
+          <a:p>
+            <a:pPr lvl="0" rtl="0">
+              <a:spcBef>
+                <a:spcPts val="0"/>
+              </a:spcBef>
+              <a:buNone/>
+            </a:pPr>
+            <a:r>
+              <a:rPr lang="en-US" dirty="0"/>
               <a:t>Some of the things that could be done to improve the model would be:</a:t>
             </a:r>
           </a:p>
@@ -2468,7 +2899,7 @@
 </p:notes>
 </file>
 
-<file path=ppt/notesSlides/notesSlide22.xml><?xml version="1.0" encoding="utf-8"?>
+<file path=ppt/notesSlides/notesSlide25.xml><?xml version="1.0" encoding="utf-8"?>
 <p:notes xmlns:a="http://schemas.openxmlformats.org/drawingml/2006/main" xmlns:r="http://schemas.openxmlformats.org/officeDocument/2006/relationships" xmlns:p="http://schemas.openxmlformats.org/presentationml/2006/main" showMasterSp="0" showMasterPhAnim="0">
   <p:cSld>
     <p:spTree>
@@ -5829,7 +6260,7 @@
                   <a:srgbClr val="434343"/>
                 </a:solidFill>
               </a:rPr>
-              <a:t>This model can be trained on a laptop or PC without a GPU</a:t>
+              <a:t>This model requires a powerful PC, preferably with a GPU, or use of a cloud GPU instance</a:t>
             </a:r>
           </a:p>
           <a:p>
@@ -5846,22 +6277,6 @@
                 </a:solidFill>
               </a:rPr>
               <a:t>It took many hours to train to a level where the predicted angles were accurate enough for demo purposes</a:t>
-            </a:r>
-          </a:p>
-          <a:p>
-            <a:pPr marL="914507" indent="-711281">
-              <a:buClr>
-                <a:srgbClr val="434343"/>
-              </a:buClr>
-              <a:buChar char="●"/>
-            </a:pPr>
-            <a:r>
-              <a:rPr lang="en-US" sz="4002" dirty="0">
-                <a:solidFill>
-                  <a:srgbClr val="434343"/>
-                </a:solidFill>
-              </a:rPr>
-              <a:t>Use of a more powerful laptop, or a server with a GPU will decrease training times (often significantly!!)</a:t>
             </a:r>
           </a:p>
           <a:p>
@@ -6407,23 +6822,6 @@
                 </a:solidFill>
               </a:rPr>
               <a:t>Creating training, validation and test datasets</a:t>
-            </a:r>
-          </a:p>
-          <a:p>
-            <a:pPr marL="914507" indent="-711281">
-              <a:buClr>
-                <a:srgbClr val="434343"/>
-              </a:buClr>
-              <a:buFont typeface="Calibri"/>
-              <a:buChar char="●"/>
-            </a:pPr>
-            <a:r>
-              <a:rPr lang="en-US" sz="4002" dirty="0">
-                <a:solidFill>
-                  <a:srgbClr val="434343"/>
-                </a:solidFill>
-              </a:rPr>
-              <a:t>Generators</a:t>
             </a:r>
           </a:p>
           <a:p>
@@ -6643,7 +7041,7 @@
           <p:nvPr/>
         </p:nvPicPr>
         <p:blipFill>
-          <a:blip r:embed="rId2"/>
+          <a:blip r:embed="rId3"/>
           <a:stretch>
             <a:fillRect/>
           </a:stretch>
@@ -6673,7 +7071,7 @@
           <p:nvPr/>
         </p:nvPicPr>
         <p:blipFill>
-          <a:blip r:embed="rId3"/>
+          <a:blip r:embed="rId4"/>
           <a:stretch>
             <a:fillRect/>
           </a:stretch>
@@ -6703,7 +7101,7 @@
           <p:nvPr/>
         </p:nvPicPr>
         <p:blipFill>
-          <a:blip r:embed="rId4"/>
+          <a:blip r:embed="rId5"/>
           <a:stretch>
             <a:fillRect/>
           </a:stretch>
@@ -6733,7 +7131,7 @@
           <p:nvPr/>
         </p:nvPicPr>
         <p:blipFill>
-          <a:blip r:embed="rId5"/>
+          <a:blip r:embed="rId6"/>
           <a:stretch>
             <a:fillRect/>
           </a:stretch>
@@ -6763,7 +7161,7 @@
           <p:nvPr/>
         </p:nvPicPr>
         <p:blipFill>
-          <a:blip r:embed="rId6"/>
+          <a:blip r:embed="rId7"/>
           <a:stretch>
             <a:fillRect/>
           </a:stretch>
@@ -6793,7 +7191,7 @@
           <p:nvPr/>
         </p:nvPicPr>
         <p:blipFill>
-          <a:blip r:embed="rId7"/>
+          <a:blip r:embed="rId8"/>
           <a:stretch>
             <a:fillRect/>
           </a:stretch>
@@ -6823,7 +7221,7 @@
           <p:nvPr/>
         </p:nvPicPr>
         <p:blipFill>
-          <a:blip r:embed="rId8"/>
+          <a:blip r:embed="rId9"/>
           <a:stretch>
             <a:fillRect/>
           </a:stretch>
@@ -6853,7 +7251,7 @@
           <p:nvPr/>
         </p:nvPicPr>
         <p:blipFill>
-          <a:blip r:embed="rId9"/>
+          <a:blip r:embed="rId10"/>
           <a:stretch>
             <a:fillRect/>
           </a:stretch>
@@ -7196,36 +7594,6 @@
           </a:prstGeom>
         </p:spPr>
       </p:pic>
-      <p:pic>
-        <p:nvPicPr>
-          <p:cNvPr id="5" name="Picture 4" descr="A sign on the side of a road&#13;&#10;&#13;&#10;Description automatically generated">
-            <a:extLst>
-              <a:ext uri="{FF2B5EF4-FFF2-40B4-BE49-F238E27FC236}">
-                <a16:creationId xmlns:a16="http://schemas.microsoft.com/office/drawing/2014/main" id="{FB8F78D3-6469-354C-8CF8-790AF468DA4A}"/>
-              </a:ext>
-            </a:extLst>
-          </p:cNvPr>
-          <p:cNvPicPr>
-            <a:picLocks noChangeAspect="1"/>
-          </p:cNvPicPr>
-          <p:nvPr/>
-        </p:nvPicPr>
-        <p:blipFill>
-          <a:blip r:embed="rId3"/>
-          <a:stretch>
-            <a:fillRect/>
-          </a:stretch>
-        </p:blipFill>
-        <p:spPr>
-          <a:xfrm>
-            <a:off x="11578892" y="6073084"/>
-            <a:ext cx="3894190" cy="1344012"/>
-          </a:xfrm>
-          <a:prstGeom prst="rect">
-            <a:avLst/>
-          </a:prstGeom>
-        </p:spPr>
-      </p:pic>
       <p:sp>
         <p:nvSpPr>
           <p:cNvPr id="16" name="Shape 149">
@@ -7614,6 +7982,86 @@
           </a:p>
         </p:txBody>
       </p:sp>
+      <p:pic>
+        <p:nvPicPr>
+          <p:cNvPr id="7" name="Picture 6">
+            <a:extLst>
+              <a:ext uri="{FF2B5EF4-FFF2-40B4-BE49-F238E27FC236}">
+                <a16:creationId xmlns:a16="http://schemas.microsoft.com/office/drawing/2014/main" id="{FCC6AD04-7951-624D-B022-7CBAADBFFF95}"/>
+              </a:ext>
+            </a:extLst>
+          </p:cNvPr>
+          <p:cNvPicPr>
+            <a:picLocks noChangeAspect="1"/>
+          </p:cNvPicPr>
+          <p:nvPr/>
+        </p:nvPicPr>
+        <p:blipFill rotWithShape="1">
+          <a:blip r:embed="rId2"/>
+          <a:srcRect t="39391" b="-39391"/>
+          <a:stretch/>
+        </p:blipFill>
+        <p:spPr>
+          <a:xfrm>
+            <a:off x="11190192" y="6011981"/>
+            <a:ext cx="4449553" cy="2508999"/>
+          </a:xfrm>
+          <a:prstGeom prst="rect">
+            <a:avLst/>
+          </a:prstGeom>
+        </p:spPr>
+      </p:pic>
+      <mc:AlternateContent xmlns:mc="http://schemas.openxmlformats.org/markup-compatibility/2006">
+        <mc:Choice xmlns:p14="http://schemas.microsoft.com/office/powerpoint/2010/main" Requires="p14">
+          <p:contentPart p14:bwMode="auto" r:id="rId3">
+            <p14:nvContentPartPr>
+              <p14:cNvPr id="3" name="Ink 2">
+                <a:extLst>
+                  <a:ext uri="{FF2B5EF4-FFF2-40B4-BE49-F238E27FC236}">
+                    <a16:creationId xmlns:a16="http://schemas.microsoft.com/office/drawing/2014/main" id="{6330F84A-302E-3740-B75A-7286AF9B2B03}"/>
+                  </a:ext>
+                </a:extLst>
+              </p14:cNvPr>
+              <p14:cNvContentPartPr/>
+              <p14:nvPr/>
+            </p14:nvContentPartPr>
+            <p14:xfrm>
+              <a:off x="6686449" y="6133856"/>
+              <a:ext cx="4680" cy="4680"/>
+            </p14:xfrm>
+          </p:contentPart>
+        </mc:Choice>
+        <mc:Fallback>
+          <p:pic>
+            <p:nvPicPr>
+              <p:cNvPr id="3" name="Ink 2">
+                <a:extLst>
+                  <a:ext uri="{FF2B5EF4-FFF2-40B4-BE49-F238E27FC236}">
+                    <a16:creationId xmlns:a16="http://schemas.microsoft.com/office/drawing/2014/main" id="{6330F84A-302E-3740-B75A-7286AF9B2B03}"/>
+                  </a:ext>
+                </a:extLst>
+              </p:cNvPr>
+              <p:cNvPicPr/>
+              <p:nvPr/>
+            </p:nvPicPr>
+            <p:blipFill>
+              <a:blip r:embed="rId4"/>
+              <a:stretch>
+                <a:fillRect/>
+              </a:stretch>
+            </p:blipFill>
+            <p:spPr>
+              <a:xfrm>
+                <a:off x="6677809" y="6124856"/>
+                <a:ext cx="22320" cy="22320"/>
+              </a:xfrm>
+              <a:prstGeom prst="rect">
+                <a:avLst/>
+              </a:prstGeom>
+            </p:spPr>
+          </p:pic>
+        </mc:Fallback>
+      </mc:AlternateContent>
     </p:spTree>
     <p:extLst>
       <p:ext uri="{BB962C8B-B14F-4D97-AF65-F5344CB8AC3E}">
@@ -7628,7 +8076,7 @@
 </file>
 
 <file path=ppt/slides/slide17.xml><?xml version="1.0" encoding="utf-8"?>
-<p:sld xmlns:a="http://schemas.openxmlformats.org/drawingml/2006/main" xmlns:r="http://schemas.openxmlformats.org/officeDocument/2006/relationships" xmlns:p="http://schemas.openxmlformats.org/presentationml/2006/main">
+<p:sld xmlns:a="http://schemas.openxmlformats.org/drawingml/2006/main" xmlns:r="http://schemas.openxmlformats.org/officeDocument/2006/relationships" xmlns:p="http://schemas.openxmlformats.org/presentationml/2006/main" show="0">
   <p:cSld>
     <p:spTree>
       <p:nvGrpSpPr>
@@ -7876,6 +8324,100 @@
           </a:p>
         </p:txBody>
       </p:sp>
+      <p:pic>
+        <p:nvPicPr>
+          <p:cNvPr id="3" name="Picture 2" descr="A screenshot of a cell phone&#13;&#10;&#13;&#10;Description automatically generated">
+            <a:extLst>
+              <a:ext uri="{FF2B5EF4-FFF2-40B4-BE49-F238E27FC236}">
+                <a16:creationId xmlns:a16="http://schemas.microsoft.com/office/drawing/2014/main" id="{08754724-7C1D-3949-915A-4C796CAD48AD}"/>
+              </a:ext>
+            </a:extLst>
+          </p:cNvPr>
+          <p:cNvPicPr>
+            <a:picLocks noChangeAspect="1"/>
+          </p:cNvPicPr>
+          <p:nvPr/>
+        </p:nvPicPr>
+        <p:blipFill>
+          <a:blip r:embed="rId3"/>
+          <a:stretch>
+            <a:fillRect/>
+          </a:stretch>
+        </p:blipFill>
+        <p:spPr>
+          <a:xfrm rot="5400000">
+            <a:off x="6902823" y="-2259104"/>
+            <a:ext cx="3514166" cy="15383436"/>
+          </a:xfrm>
+          <a:prstGeom prst="rect">
+            <a:avLst/>
+          </a:prstGeom>
+        </p:spPr>
+      </p:pic>
+      <p:pic>
+        <p:nvPicPr>
+          <p:cNvPr id="5" name="Picture 4">
+            <a:extLst>
+              <a:ext uri="{FF2B5EF4-FFF2-40B4-BE49-F238E27FC236}">
+                <a16:creationId xmlns:a16="http://schemas.microsoft.com/office/drawing/2014/main" id="{C0727B88-7B7B-A34E-B33D-30CFFB31EC9D}"/>
+              </a:ext>
+            </a:extLst>
+          </p:cNvPr>
+          <p:cNvPicPr>
+            <a:picLocks noChangeAspect="1"/>
+          </p:cNvPicPr>
+          <p:nvPr/>
+        </p:nvPicPr>
+        <p:blipFill rotWithShape="1">
+          <a:blip r:embed="rId4"/>
+          <a:srcRect t="39391" b="-39391"/>
+          <a:stretch/>
+        </p:blipFill>
+        <p:spPr>
+          <a:xfrm rot="5400000">
+            <a:off x="14614709" y="4178114"/>
+            <a:ext cx="4449553" cy="2508999"/>
+          </a:xfrm>
+          <a:prstGeom prst="rect">
+            <a:avLst/>
+          </a:prstGeom>
+        </p:spPr>
+      </p:pic>
+      <p:sp>
+        <p:nvSpPr>
+          <p:cNvPr id="4" name="TextBox 3">
+            <a:extLst>
+              <a:ext uri="{FF2B5EF4-FFF2-40B4-BE49-F238E27FC236}">
+                <a16:creationId xmlns:a16="http://schemas.microsoft.com/office/drawing/2014/main" id="{2A7B5968-FBD4-5047-9B6B-A11D6B6F310F}"/>
+              </a:ext>
+            </a:extLst>
+          </p:cNvPr>
+          <p:cNvSpPr txBox="1"/>
+          <p:nvPr/>
+        </p:nvSpPr>
+        <p:spPr>
+          <a:xfrm rot="5400000">
+            <a:off x="-99068" y="5170842"/>
+            <a:ext cx="1106393" cy="523541"/>
+          </a:xfrm>
+          <a:prstGeom prst="rect">
+            <a:avLst/>
+          </a:prstGeom>
+          <a:noFill/>
+        </p:spPr>
+        <p:txBody>
+          <a:bodyPr wrap="none" rtlCol="0">
+            <a:spAutoFit/>
+          </a:bodyPr>
+          <a:lstStyle/>
+          <a:p>
+            <a:r>
+              <a:rPr lang="en-US" dirty="0"/>
+              <a:t>Angle</a:t>
+            </a:r>
+          </a:p>
+        </p:txBody>
+      </p:sp>
     </p:spTree>
     <p:extLst>
       <p:ext uri="{BB962C8B-B14F-4D97-AF65-F5344CB8AC3E}">
@@ -7894,7 +8436,7 @@
   <p:cSld>
     <p:spTree>
       <p:nvGrpSpPr>
-        <p:cNvPr id="1" name="Shape 147"/>
+        <p:cNvPr id="1" name="Shape 172"/>
         <p:cNvGrpSpPr/>
         <p:nvPr/>
       </p:nvGrpSpPr>
@@ -7908,7 +8450,7 @@
       </p:grpSpPr>
       <p:sp>
         <p:nvSpPr>
-          <p:cNvPr id="148" name="Shape 148"/>
+          <p:cNvPr id="173" name="Shape 173"/>
           <p:cNvSpPr txBox="1">
             <a:spLocks noGrp="1"/>
           </p:cNvSpPr>
@@ -7918,8 +8460,8 @@
         </p:nvSpPr>
         <p:spPr>
           <a:xfrm>
-            <a:off x="192358" y="32689"/>
-            <a:ext cx="17661379" cy="1204842"/>
+            <a:off x="976721" y="976049"/>
+            <a:ext cx="16075446" cy="8177813"/>
           </a:xfrm>
           <a:prstGeom prst="rect">
             <a:avLst/>
@@ -7931,256 +8473,20 @@
           </a:bodyPr>
           <a:lstStyle/>
           <a:p>
-            <a:pPr algn="ctr"/>
-            <a:r>
-              <a:rPr lang="en" sz="4402" dirty="0"/>
-              <a:t>Debugging Neural Networks</a:t>
-            </a:r>
-          </a:p>
-        </p:txBody>
-      </p:sp>
-      <p:sp>
-        <p:nvSpPr>
-          <p:cNvPr id="149" name="Shape 149"/>
-          <p:cNvSpPr txBox="1">
-            <a:spLocks noGrp="1"/>
-          </p:cNvSpPr>
-          <p:nvPr>
-            <p:ph type="body" idx="4294967295"/>
-          </p:nvPr>
-        </p:nvSpPr>
-        <p:spPr>
-          <a:xfrm>
-            <a:off x="413459" y="1776131"/>
-            <a:ext cx="17440478" cy="8042873"/>
-          </a:xfrm>
-          <a:prstGeom prst="rect">
-            <a:avLst/>
-          </a:prstGeom>
-        </p:spPr>
-        <p:txBody>
-          <a:bodyPr lIns="182874" tIns="182874" rIns="182874" bIns="182874" anchor="t" anchorCtr="0">
-            <a:noAutofit/>
-          </a:bodyPr>
-          <a:lstStyle/>
-          <a:p>
-            <a:pPr marL="914507" indent="-711281">
-              <a:buClr>
-                <a:srgbClr val="434343"/>
-              </a:buClr>
-              <a:buFont typeface="Calibri"/>
-              <a:buChar char="●"/>
-            </a:pPr>
-            <a:r>
-              <a:rPr lang="en-US" sz="4002" dirty="0">
-                <a:solidFill>
-                  <a:srgbClr val="434343"/>
-                </a:solidFill>
-              </a:rPr>
-              <a:t>Training neural networks can be more trial-and-error than science</a:t>
-            </a:r>
-          </a:p>
-          <a:p>
-            <a:pPr marL="914507" indent="-711281">
-              <a:buClr>
-                <a:srgbClr val="434343"/>
-              </a:buClr>
-              <a:buFont typeface="Calibri"/>
-              <a:buChar char="●"/>
-            </a:pPr>
-            <a:r>
-              <a:rPr lang="en-US" sz="4002" dirty="0">
-                <a:solidFill>
-                  <a:srgbClr val="434343"/>
-                </a:solidFill>
-              </a:rPr>
-              <a:t>Prove the code works by running a small number of samples and a single batch</a:t>
-            </a:r>
-          </a:p>
-          <a:p>
-            <a:pPr marL="914507" indent="-711281">
-              <a:buClr>
-                <a:srgbClr val="434343"/>
-              </a:buClr>
-              <a:buFont typeface="Calibri"/>
-              <a:buChar char="●"/>
-            </a:pPr>
-            <a:r>
-              <a:rPr lang="en-US" sz="4002" dirty="0">
-                <a:solidFill>
-                  <a:srgbClr val="434343"/>
-                </a:solidFill>
-              </a:rPr>
-              <a:t>Train using a small number of samples to check that the model converges and you see overfitting</a:t>
-            </a:r>
-          </a:p>
-          <a:p>
-            <a:pPr marL="914507" indent="-711281">
-              <a:buClr>
-                <a:srgbClr val="434343"/>
-              </a:buClr>
-              <a:buFont typeface="Calibri"/>
-              <a:buChar char="●"/>
-            </a:pPr>
-            <a:r>
-              <a:rPr lang="en-US" sz="4002" dirty="0">
-                <a:solidFill>
-                  <a:srgbClr val="434343"/>
-                </a:solidFill>
-              </a:rPr>
-              <a:t>Increase the number of samples over time</a:t>
-            </a:r>
-          </a:p>
-          <a:p>
-            <a:pPr marL="914507" indent="-711281">
-              <a:buClr>
-                <a:srgbClr val="434343"/>
-              </a:buClr>
-              <a:buFont typeface="Calibri"/>
-              <a:buChar char="●"/>
-            </a:pPr>
-            <a:r>
-              <a:rPr lang="en-US" sz="4002" dirty="0">
-                <a:solidFill>
-                  <a:srgbClr val="434343"/>
-                </a:solidFill>
-              </a:rPr>
-              <a:t>Make changes to the network architecture, hyper-parameters, etc. to find an optimal solution</a:t>
-            </a:r>
-          </a:p>
-          <a:p>
-            <a:pPr marL="914507" indent="-711281">
-              <a:buClr>
-                <a:srgbClr val="434343"/>
-              </a:buClr>
-              <a:buFont typeface="Calibri"/>
-              <a:buChar char="●"/>
-            </a:pPr>
-            <a:r>
-              <a:rPr lang="en-US" sz="4002" dirty="0">
-                <a:solidFill>
-                  <a:srgbClr val="434343"/>
-                </a:solidFill>
-              </a:rPr>
-              <a:t>Then scale to the full dataset</a:t>
-            </a:r>
-          </a:p>
-          <a:p>
-            <a:pPr marL="914507" indent="-711281">
-              <a:buClr>
-                <a:srgbClr val="434343"/>
-              </a:buClr>
-              <a:buFont typeface="Calibri"/>
-              <a:buChar char="●"/>
-            </a:pPr>
-            <a:r>
-              <a:rPr lang="en-US" sz="2400" dirty="0">
-                <a:solidFill>
-                  <a:srgbClr val="434343"/>
-                </a:solidFill>
-              </a:rPr>
-              <a:t>See </a:t>
-            </a:r>
-            <a:r>
-              <a:rPr lang="en-US" sz="2400" dirty="0">
-                <a:solidFill>
-                  <a:srgbClr val="434343"/>
-                </a:solidFill>
-                <a:hlinkClick r:id="rId3"/>
-              </a:rPr>
-              <a:t>https://keras.io/getting-started/faq/#why-is-the-training-loss-much-higher-than-the-testing-loss</a:t>
-            </a:r>
-            <a:r>
-              <a:rPr lang="en-US" sz="2400" dirty="0">
-                <a:solidFill>
-                  <a:srgbClr val="434343"/>
-                </a:solidFill>
-              </a:rPr>
-              <a:t> </a:t>
-            </a:r>
-          </a:p>
-          <a:p>
-            <a:pPr marL="914507" indent="-711281">
-              <a:buClr>
-                <a:srgbClr val="434343"/>
-              </a:buClr>
-              <a:buFont typeface="Calibri"/>
-              <a:buChar char="●"/>
-            </a:pPr>
-            <a:endParaRPr lang="en-US" sz="4002" dirty="0">
-              <a:solidFill>
-                <a:srgbClr val="434343"/>
-              </a:solidFill>
-            </a:endParaRPr>
-          </a:p>
-          <a:p>
-            <a:pPr marL="914507" indent="-711281">
-              <a:buClr>
-                <a:srgbClr val="434343"/>
-              </a:buClr>
-              <a:buChar char="●"/>
-            </a:pPr>
-            <a:endParaRPr lang="en-US" sz="4002" dirty="0">
-              <a:solidFill>
-                <a:srgbClr val="434343"/>
-              </a:solidFill>
-            </a:endParaRPr>
-          </a:p>
-          <a:p>
-            <a:pPr marL="914507" indent="-711281">
-              <a:buClr>
-                <a:srgbClr val="434343"/>
-              </a:buClr>
-              <a:buChar char="●"/>
-            </a:pPr>
-            <a:endParaRPr lang="en-US" sz="4002" dirty="0">
-              <a:solidFill>
-                <a:srgbClr val="434343"/>
-              </a:solidFill>
-            </a:endParaRPr>
-          </a:p>
-          <a:p>
-            <a:pPr marL="203226" lvl="1">
-              <a:buClr>
-                <a:srgbClr val="434343"/>
-              </a:buClr>
-            </a:pPr>
-            <a:r>
-              <a:rPr lang="en-GB" sz="3200" dirty="0">
-                <a:solidFill>
-                  <a:srgbClr val="434343"/>
-                </a:solidFill>
+            <a:r>
+              <a:rPr lang="en" dirty="0">
                 <a:latin typeface="Consolas" panose="020B0609020204030204" pitchFamily="49" charset="0"/>
                 <a:cs typeface="Consolas" panose="020B0609020204030204" pitchFamily="49" charset="0"/>
               </a:rPr>
-              <a:t>		</a:t>
-            </a:r>
-            <a:endParaRPr lang="en-US" sz="4002" dirty="0">
-              <a:solidFill>
-                <a:srgbClr val="434343"/>
-              </a:solidFill>
-            </a:endParaRPr>
-          </a:p>
-          <a:p>
-            <a:pPr marL="774726" indent="-571500">
-              <a:buClr>
-                <a:srgbClr val="434343"/>
-              </a:buClr>
-              <a:buFont typeface="Arial" panose="020B0604020202020204" pitchFamily="34" charset="0"/>
-              <a:buChar char="•"/>
-            </a:pPr>
-            <a:endParaRPr lang="en" sz="4002" dirty="0">
-              <a:solidFill>
-                <a:srgbClr val="434343"/>
-              </a:solidFill>
-            </a:endParaRPr>
+              <a:t>Let’s explore the code…</a:t>
+            </a:r>
           </a:p>
         </p:txBody>
       </p:sp>
     </p:spTree>
     <p:extLst>
       <p:ext uri="{BB962C8B-B14F-4D97-AF65-F5344CB8AC3E}">
-        <p14:creationId xmlns:p14="http://schemas.microsoft.com/office/powerpoint/2010/main" val="3367407288"/>
+        <p14:creationId xmlns:p14="http://schemas.microsoft.com/office/powerpoint/2010/main" val="2039812599"/>
       </p:ext>
     </p:extLst>
   </p:cSld>
@@ -8299,6 +8605,307 @@
           <a:p>
             <a:pPr algn="ctr"/>
             <a:r>
+              <a:rPr lang="en" sz="4402" dirty="0"/>
+              <a:t>Debugging Neural Networks</a:t>
+            </a:r>
+          </a:p>
+        </p:txBody>
+      </p:sp>
+      <p:sp>
+        <p:nvSpPr>
+          <p:cNvPr id="149" name="Shape 149"/>
+          <p:cNvSpPr txBox="1">
+            <a:spLocks noGrp="1"/>
+          </p:cNvSpPr>
+          <p:nvPr>
+            <p:ph type="body" idx="4294967295"/>
+          </p:nvPr>
+        </p:nvSpPr>
+        <p:spPr>
+          <a:xfrm>
+            <a:off x="413459" y="1776131"/>
+            <a:ext cx="17440478" cy="8042873"/>
+          </a:xfrm>
+          <a:prstGeom prst="rect">
+            <a:avLst/>
+          </a:prstGeom>
+        </p:spPr>
+        <p:txBody>
+          <a:bodyPr lIns="182874" tIns="182874" rIns="182874" bIns="182874" anchor="t" anchorCtr="0">
+            <a:noAutofit/>
+          </a:bodyPr>
+          <a:lstStyle/>
+          <a:p>
+            <a:pPr marL="914507" indent="-711281">
+              <a:buClr>
+                <a:srgbClr val="434343"/>
+              </a:buClr>
+              <a:buFont typeface="Calibri"/>
+              <a:buChar char="●"/>
+            </a:pPr>
+            <a:r>
+              <a:rPr lang="en-US" sz="4002" dirty="0">
+                <a:solidFill>
+                  <a:srgbClr val="434343"/>
+                </a:solidFill>
+              </a:rPr>
+              <a:t>Training neural networks can be more trial-and-error than science</a:t>
+            </a:r>
+          </a:p>
+          <a:p>
+            <a:pPr marL="914507" indent="-711281">
+              <a:buClr>
+                <a:srgbClr val="434343"/>
+              </a:buClr>
+              <a:buFont typeface="Calibri"/>
+              <a:buChar char="●"/>
+            </a:pPr>
+            <a:r>
+              <a:rPr lang="en-US" sz="4002" dirty="0">
+                <a:solidFill>
+                  <a:srgbClr val="434343"/>
+                </a:solidFill>
+              </a:rPr>
+              <a:t>Prove the code works by running a small number of samples and a single batch</a:t>
+            </a:r>
+          </a:p>
+          <a:p>
+            <a:pPr marL="914507" indent="-711281">
+              <a:buClr>
+                <a:srgbClr val="434343"/>
+              </a:buClr>
+              <a:buFont typeface="Calibri"/>
+              <a:buChar char="●"/>
+            </a:pPr>
+            <a:r>
+              <a:rPr lang="en-US" sz="4002" dirty="0">
+                <a:solidFill>
+                  <a:srgbClr val="434343"/>
+                </a:solidFill>
+              </a:rPr>
+              <a:t>Train using a small number of samples to check that the model converges and you see overfitting</a:t>
+            </a:r>
+          </a:p>
+          <a:p>
+            <a:pPr marL="914507" indent="-711281">
+              <a:buClr>
+                <a:srgbClr val="434343"/>
+              </a:buClr>
+              <a:buFont typeface="Calibri"/>
+              <a:buChar char="●"/>
+            </a:pPr>
+            <a:r>
+              <a:rPr lang="en-US" sz="4002" dirty="0">
+                <a:solidFill>
+                  <a:srgbClr val="434343"/>
+                </a:solidFill>
+              </a:rPr>
+              <a:t>Increase the number of samples over time</a:t>
+            </a:r>
+          </a:p>
+          <a:p>
+            <a:pPr marL="914507" indent="-711281">
+              <a:buClr>
+                <a:srgbClr val="434343"/>
+              </a:buClr>
+              <a:buFont typeface="Calibri"/>
+              <a:buChar char="●"/>
+            </a:pPr>
+            <a:r>
+              <a:rPr lang="en-US" sz="4002" dirty="0">
+                <a:solidFill>
+                  <a:srgbClr val="434343"/>
+                </a:solidFill>
+              </a:rPr>
+              <a:t>Make changes to the network architecture, hyper-parameters, etc. to find an optimal solution</a:t>
+            </a:r>
+          </a:p>
+          <a:p>
+            <a:pPr marL="914507" indent="-711281">
+              <a:buClr>
+                <a:srgbClr val="434343"/>
+              </a:buClr>
+              <a:buFont typeface="Calibri"/>
+              <a:buChar char="●"/>
+            </a:pPr>
+            <a:r>
+              <a:rPr lang="en-US" sz="4002" dirty="0">
+                <a:solidFill>
+                  <a:srgbClr val="434343"/>
+                </a:solidFill>
+              </a:rPr>
+              <a:t>Then scale to the full dataset</a:t>
+            </a:r>
+          </a:p>
+          <a:p>
+            <a:pPr marL="914507" indent="-711281">
+              <a:buClr>
+                <a:srgbClr val="434343"/>
+              </a:buClr>
+              <a:buFont typeface="Calibri"/>
+              <a:buChar char="●"/>
+            </a:pPr>
+            <a:r>
+              <a:rPr lang="en-US" sz="2400" dirty="0">
+                <a:solidFill>
+                  <a:srgbClr val="434343"/>
+                </a:solidFill>
+              </a:rPr>
+              <a:t>See </a:t>
+            </a:r>
+            <a:r>
+              <a:rPr lang="en-US" sz="2400" dirty="0">
+                <a:solidFill>
+                  <a:srgbClr val="434343"/>
+                </a:solidFill>
+                <a:hlinkClick r:id="rId3"/>
+              </a:rPr>
+              <a:t>https://keras.io/getting-started/faq/#why-is-the-training-loss-much-higher-than-the-testing-loss</a:t>
+            </a:r>
+            <a:r>
+              <a:rPr lang="en-US" sz="2400" dirty="0">
+                <a:solidFill>
+                  <a:srgbClr val="434343"/>
+                </a:solidFill>
+              </a:rPr>
+              <a:t> </a:t>
+            </a:r>
+          </a:p>
+          <a:p>
+            <a:pPr marL="914507" indent="-711281">
+              <a:buClr>
+                <a:srgbClr val="434343"/>
+              </a:buClr>
+              <a:buFont typeface="Calibri"/>
+              <a:buChar char="●"/>
+            </a:pPr>
+            <a:endParaRPr lang="en-US" sz="4002" dirty="0">
+              <a:solidFill>
+                <a:srgbClr val="434343"/>
+              </a:solidFill>
+            </a:endParaRPr>
+          </a:p>
+          <a:p>
+            <a:pPr marL="914507" indent="-711281">
+              <a:buClr>
+                <a:srgbClr val="434343"/>
+              </a:buClr>
+              <a:buChar char="●"/>
+            </a:pPr>
+            <a:endParaRPr lang="en-US" sz="4002" dirty="0">
+              <a:solidFill>
+                <a:srgbClr val="434343"/>
+              </a:solidFill>
+            </a:endParaRPr>
+          </a:p>
+          <a:p>
+            <a:pPr marL="914507" indent="-711281">
+              <a:buClr>
+                <a:srgbClr val="434343"/>
+              </a:buClr>
+              <a:buChar char="●"/>
+            </a:pPr>
+            <a:endParaRPr lang="en-US" sz="4002" dirty="0">
+              <a:solidFill>
+                <a:srgbClr val="434343"/>
+              </a:solidFill>
+            </a:endParaRPr>
+          </a:p>
+          <a:p>
+            <a:pPr marL="203226" lvl="1">
+              <a:buClr>
+                <a:srgbClr val="434343"/>
+              </a:buClr>
+            </a:pPr>
+            <a:r>
+              <a:rPr lang="en-GB" sz="3200" dirty="0">
+                <a:solidFill>
+                  <a:srgbClr val="434343"/>
+                </a:solidFill>
+                <a:latin typeface="Consolas" panose="020B0609020204030204" pitchFamily="49" charset="0"/>
+                <a:cs typeface="Consolas" panose="020B0609020204030204" pitchFamily="49" charset="0"/>
+              </a:rPr>
+              <a:t>		</a:t>
+            </a:r>
+            <a:endParaRPr lang="en-US" sz="4002" dirty="0">
+              <a:solidFill>
+                <a:srgbClr val="434343"/>
+              </a:solidFill>
+            </a:endParaRPr>
+          </a:p>
+          <a:p>
+            <a:pPr marL="774726" indent="-571500">
+              <a:buClr>
+                <a:srgbClr val="434343"/>
+              </a:buClr>
+              <a:buFont typeface="Arial" panose="020B0604020202020204" pitchFamily="34" charset="0"/>
+              <a:buChar char="•"/>
+            </a:pPr>
+            <a:endParaRPr lang="en" sz="4002" dirty="0">
+              <a:solidFill>
+                <a:srgbClr val="434343"/>
+              </a:solidFill>
+            </a:endParaRPr>
+          </a:p>
+        </p:txBody>
+      </p:sp>
+    </p:spTree>
+    <p:extLst>
+      <p:ext uri="{BB962C8B-B14F-4D97-AF65-F5344CB8AC3E}">
+        <p14:creationId xmlns:p14="http://schemas.microsoft.com/office/powerpoint/2010/main" val="3367407288"/>
+      </p:ext>
+    </p:extLst>
+  </p:cSld>
+  <p:clrMapOvr>
+    <a:masterClrMapping/>
+  </p:clrMapOvr>
+</p:sld>
+</file>
+
+<file path=ppt/slides/slide21.xml><?xml version="1.0" encoding="utf-8"?>
+<p:sld xmlns:a="http://schemas.openxmlformats.org/drawingml/2006/main" xmlns:r="http://schemas.openxmlformats.org/officeDocument/2006/relationships" xmlns:p="http://schemas.openxmlformats.org/presentationml/2006/main">
+  <p:cSld>
+    <p:spTree>
+      <p:nvGrpSpPr>
+        <p:cNvPr id="1" name="Shape 147"/>
+        <p:cNvGrpSpPr/>
+        <p:nvPr/>
+      </p:nvGrpSpPr>
+      <p:grpSpPr>
+        <a:xfrm>
+          <a:off x="0" y="0"/>
+          <a:ext cx="0" cy="0"/>
+          <a:chOff x="0" y="0"/>
+          <a:chExt cx="0" cy="0"/>
+        </a:xfrm>
+      </p:grpSpPr>
+      <p:sp>
+        <p:nvSpPr>
+          <p:cNvPr id="148" name="Shape 148"/>
+          <p:cNvSpPr txBox="1">
+            <a:spLocks noGrp="1"/>
+          </p:cNvSpPr>
+          <p:nvPr>
+            <p:ph type="title"/>
+          </p:nvPr>
+        </p:nvSpPr>
+        <p:spPr>
+          <a:xfrm>
+            <a:off x="192358" y="32689"/>
+            <a:ext cx="17661379" cy="1204842"/>
+          </a:xfrm>
+          <a:prstGeom prst="rect">
+            <a:avLst/>
+          </a:prstGeom>
+        </p:spPr>
+        <p:txBody>
+          <a:bodyPr lIns="182874" tIns="182874" rIns="182874" bIns="182874" anchor="ctr" anchorCtr="0">
+            <a:noAutofit/>
+          </a:bodyPr>
+          <a:lstStyle/>
+          <a:p>
+            <a:pPr algn="ctr"/>
+            <a:r>
               <a:rPr lang="en" sz="4402" dirty="0" err="1"/>
               <a:t>Analysing</a:t>
             </a:r>
@@ -8483,7 +9090,7 @@
 </p:sld>
 </file>
 
-<file path=ppt/slides/slide21.xml><?xml version="1.0" encoding="utf-8"?>
+<file path=ppt/slides/slide22.xml><?xml version="1.0" encoding="utf-8"?>
 <p:sld xmlns:a="http://schemas.openxmlformats.org/drawingml/2006/main" xmlns:r="http://schemas.openxmlformats.org/officeDocument/2006/relationships" xmlns:p="http://schemas.openxmlformats.org/presentationml/2006/main">
   <p:cSld>
     <p:bg>
@@ -8545,208 +9152,6 @@
     <p:extLst>
       <p:ext uri="{BB962C8B-B14F-4D97-AF65-F5344CB8AC3E}">
         <p14:creationId xmlns:p14="http://schemas.microsoft.com/office/powerpoint/2010/main" val="592704715"/>
-      </p:ext>
-    </p:extLst>
-  </p:cSld>
-  <p:clrMapOvr>
-    <a:masterClrMapping/>
-  </p:clrMapOvr>
-</p:sld>
-</file>
-
-<file path=ppt/slides/slide22.xml><?xml version="1.0" encoding="utf-8"?>
-<p:sld xmlns:a="http://schemas.openxmlformats.org/drawingml/2006/main" xmlns:r="http://schemas.openxmlformats.org/officeDocument/2006/relationships" xmlns:p="http://schemas.openxmlformats.org/presentationml/2006/main">
-  <p:cSld>
-    <p:spTree>
-      <p:nvGrpSpPr>
-        <p:cNvPr id="1" name="Shape 147"/>
-        <p:cNvGrpSpPr/>
-        <p:nvPr/>
-      </p:nvGrpSpPr>
-      <p:grpSpPr>
-        <a:xfrm>
-          <a:off x="0" y="0"/>
-          <a:ext cx="0" cy="0"/>
-          <a:chOff x="0" y="0"/>
-          <a:chExt cx="0" cy="0"/>
-        </a:xfrm>
-      </p:grpSpPr>
-      <p:sp>
-        <p:nvSpPr>
-          <p:cNvPr id="148" name="Shape 148"/>
-          <p:cNvSpPr txBox="1">
-            <a:spLocks noGrp="1"/>
-          </p:cNvSpPr>
-          <p:nvPr>
-            <p:ph type="title"/>
-          </p:nvPr>
-        </p:nvSpPr>
-        <p:spPr>
-          <a:xfrm>
-            <a:off x="192358" y="32689"/>
-            <a:ext cx="17661379" cy="1204842"/>
-          </a:xfrm>
-          <a:prstGeom prst="rect">
-            <a:avLst/>
-          </a:prstGeom>
-        </p:spPr>
-        <p:txBody>
-          <a:bodyPr lIns="182874" tIns="182874" rIns="182874" bIns="182874" anchor="ctr" anchorCtr="0">
-            <a:noAutofit/>
-          </a:bodyPr>
-          <a:lstStyle/>
-          <a:p>
-            <a:pPr algn="ctr"/>
-            <a:r>
-              <a:rPr lang="en" sz="4402" dirty="0"/>
-              <a:t>Testing Our Model</a:t>
-            </a:r>
-          </a:p>
-        </p:txBody>
-      </p:sp>
-      <p:sp>
-        <p:nvSpPr>
-          <p:cNvPr id="149" name="Shape 149"/>
-          <p:cNvSpPr txBox="1">
-            <a:spLocks noGrp="1"/>
-          </p:cNvSpPr>
-          <p:nvPr>
-            <p:ph type="body" idx="4294967295"/>
-          </p:nvPr>
-        </p:nvSpPr>
-        <p:spPr>
-          <a:xfrm>
-            <a:off x="413459" y="1776131"/>
-            <a:ext cx="17440478" cy="8042873"/>
-          </a:xfrm>
-          <a:prstGeom prst="rect">
-            <a:avLst/>
-          </a:prstGeom>
-        </p:spPr>
-        <p:txBody>
-          <a:bodyPr lIns="182874" tIns="182874" rIns="182874" bIns="182874" anchor="t" anchorCtr="0">
-            <a:noAutofit/>
-          </a:bodyPr>
-          <a:lstStyle/>
-          <a:p>
-            <a:pPr marL="914507" indent="-711281">
-              <a:buClr>
-                <a:srgbClr val="434343"/>
-              </a:buClr>
-              <a:buChar char="●"/>
-            </a:pPr>
-            <a:r>
-              <a:rPr lang="en-US" sz="4002" dirty="0">
-                <a:solidFill>
-                  <a:srgbClr val="434343"/>
-                </a:solidFill>
-              </a:rPr>
-              <a:t>Testing model accuracy</a:t>
-            </a:r>
-          </a:p>
-          <a:p>
-            <a:pPr marL="914507" indent="-711281">
-              <a:buClr>
-                <a:srgbClr val="434343"/>
-              </a:buClr>
-              <a:buChar char="●"/>
-            </a:pPr>
-            <a:r>
-              <a:rPr lang="en-US" sz="4002" dirty="0">
-                <a:solidFill>
-                  <a:srgbClr val="434343"/>
-                </a:solidFill>
-              </a:rPr>
-              <a:t>Displaying the steering wheel</a:t>
-            </a:r>
-          </a:p>
-          <a:p>
-            <a:pPr marL="914507" indent="-711281">
-              <a:buClr>
-                <a:srgbClr val="434343"/>
-              </a:buClr>
-              <a:buChar char="●"/>
-            </a:pPr>
-            <a:r>
-              <a:rPr lang="en-US" sz="4002" dirty="0">
-                <a:solidFill>
-                  <a:srgbClr val="434343"/>
-                </a:solidFill>
-              </a:rPr>
-              <a:t>Smoothing out the movement</a:t>
-            </a:r>
-          </a:p>
-          <a:p>
-            <a:pPr marL="914507" indent="-711281">
-              <a:buClr>
-                <a:srgbClr val="434343"/>
-              </a:buClr>
-              <a:buChar char="●"/>
-            </a:pPr>
-            <a:r>
-              <a:rPr lang="en-US" sz="4002" dirty="0">
-                <a:solidFill>
-                  <a:srgbClr val="434343"/>
-                </a:solidFill>
-              </a:rPr>
-              <a:t>Creating a video of this in action</a:t>
-            </a:r>
-          </a:p>
-          <a:p>
-            <a:pPr marL="914507" indent="-711281">
-              <a:buClr>
-                <a:srgbClr val="434343"/>
-              </a:buClr>
-              <a:buChar char="●"/>
-            </a:pPr>
-            <a:endParaRPr lang="en-US" sz="4002" dirty="0">
-              <a:solidFill>
-                <a:srgbClr val="434343"/>
-              </a:solidFill>
-            </a:endParaRPr>
-          </a:p>
-          <a:p>
-            <a:pPr marL="203226" lvl="1">
-              <a:buClr>
-                <a:srgbClr val="434343"/>
-              </a:buClr>
-            </a:pPr>
-            <a:r>
-              <a:rPr lang="en-GB" sz="3200" dirty="0">
-                <a:solidFill>
-                  <a:srgbClr val="434343"/>
-                </a:solidFill>
-                <a:latin typeface="Consolas" panose="020B0609020204030204" pitchFamily="49" charset="0"/>
-                <a:cs typeface="Consolas" panose="020B0609020204030204" pitchFamily="49" charset="0"/>
-              </a:rPr>
-              <a:t>		</a:t>
-            </a:r>
-            <a:endParaRPr lang="en-US" sz="4002" dirty="0">
-              <a:solidFill>
-                <a:srgbClr val="434343"/>
-              </a:solidFill>
-            </a:endParaRPr>
-          </a:p>
-          <a:p>
-            <a:pPr marL="774726" indent="-571500">
-              <a:buClr>
-                <a:srgbClr val="434343"/>
-              </a:buClr>
-              <a:buFont typeface="Arial" panose="020B0604020202020204" pitchFamily="34" charset="0"/>
-              <a:buChar char="•"/>
-            </a:pPr>
-            <a:endParaRPr lang="en" sz="4002" dirty="0">
-              <a:solidFill>
-                <a:srgbClr val="434343"/>
-              </a:solidFill>
-            </a:endParaRPr>
-          </a:p>
-        </p:txBody>
-      </p:sp>
-    </p:spTree>
-    <p:extLst>
-      <p:ext uri="{BB962C8B-B14F-4D97-AF65-F5344CB8AC3E}">
-        <p14:creationId xmlns:p14="http://schemas.microsoft.com/office/powerpoint/2010/main" val="3783544927"/>
       </p:ext>
     </p:extLst>
   </p:cSld>
@@ -8801,6 +9206,273 @@
             <a:pPr algn="ctr"/>
             <a:r>
               <a:rPr lang="en" sz="4402" dirty="0"/>
+              <a:t>Testing Our Model</a:t>
+            </a:r>
+          </a:p>
+        </p:txBody>
+      </p:sp>
+      <p:sp>
+        <p:nvSpPr>
+          <p:cNvPr id="149" name="Shape 149"/>
+          <p:cNvSpPr txBox="1">
+            <a:spLocks noGrp="1"/>
+          </p:cNvSpPr>
+          <p:nvPr>
+            <p:ph type="body" idx="4294967295"/>
+          </p:nvPr>
+        </p:nvSpPr>
+        <p:spPr>
+          <a:xfrm>
+            <a:off x="413459" y="1776131"/>
+            <a:ext cx="17440478" cy="8042873"/>
+          </a:xfrm>
+          <a:prstGeom prst="rect">
+            <a:avLst/>
+          </a:prstGeom>
+        </p:spPr>
+        <p:txBody>
+          <a:bodyPr lIns="182874" tIns="182874" rIns="182874" bIns="182874" anchor="t" anchorCtr="0">
+            <a:noAutofit/>
+          </a:bodyPr>
+          <a:lstStyle/>
+          <a:p>
+            <a:pPr marL="914507" indent="-711281">
+              <a:buClr>
+                <a:srgbClr val="434343"/>
+              </a:buClr>
+              <a:buChar char="●"/>
+            </a:pPr>
+            <a:r>
+              <a:rPr lang="en-US" sz="4002" dirty="0">
+                <a:solidFill>
+                  <a:srgbClr val="434343"/>
+                </a:solidFill>
+              </a:rPr>
+              <a:t>Testing model accuracy</a:t>
+            </a:r>
+          </a:p>
+          <a:p>
+            <a:pPr marL="914507" indent="-711281">
+              <a:buClr>
+                <a:srgbClr val="434343"/>
+              </a:buClr>
+              <a:buChar char="●"/>
+            </a:pPr>
+            <a:r>
+              <a:rPr lang="en-US" sz="4002" dirty="0">
+                <a:solidFill>
+                  <a:srgbClr val="434343"/>
+                </a:solidFill>
+              </a:rPr>
+              <a:t>Displaying the steering wheel</a:t>
+            </a:r>
+          </a:p>
+          <a:p>
+            <a:pPr marL="914507" indent="-711281">
+              <a:buClr>
+                <a:srgbClr val="434343"/>
+              </a:buClr>
+              <a:buChar char="●"/>
+            </a:pPr>
+            <a:r>
+              <a:rPr lang="en-US" sz="4002" dirty="0">
+                <a:solidFill>
+                  <a:srgbClr val="434343"/>
+                </a:solidFill>
+              </a:rPr>
+              <a:t>Smoothing out the movement</a:t>
+            </a:r>
+          </a:p>
+          <a:p>
+            <a:pPr marL="914507" indent="-711281">
+              <a:buClr>
+                <a:srgbClr val="434343"/>
+              </a:buClr>
+              <a:buChar char="●"/>
+            </a:pPr>
+            <a:r>
+              <a:rPr lang="en-US" sz="4002" dirty="0">
+                <a:solidFill>
+                  <a:srgbClr val="434343"/>
+                </a:solidFill>
+              </a:rPr>
+              <a:t>Creating a video of this in action</a:t>
+            </a:r>
+          </a:p>
+          <a:p>
+            <a:pPr marL="914507" indent="-711281">
+              <a:buClr>
+                <a:srgbClr val="434343"/>
+              </a:buClr>
+              <a:buChar char="●"/>
+            </a:pPr>
+            <a:endParaRPr lang="en-US" sz="4002" dirty="0">
+              <a:solidFill>
+                <a:srgbClr val="434343"/>
+              </a:solidFill>
+            </a:endParaRPr>
+          </a:p>
+          <a:p>
+            <a:pPr marL="203226" lvl="1">
+              <a:buClr>
+                <a:srgbClr val="434343"/>
+              </a:buClr>
+            </a:pPr>
+            <a:r>
+              <a:rPr lang="en-GB" sz="3200" dirty="0">
+                <a:solidFill>
+                  <a:srgbClr val="434343"/>
+                </a:solidFill>
+                <a:latin typeface="Consolas" panose="020B0609020204030204" pitchFamily="49" charset="0"/>
+                <a:cs typeface="Consolas" panose="020B0609020204030204" pitchFamily="49" charset="0"/>
+              </a:rPr>
+              <a:t>		</a:t>
+            </a:r>
+            <a:endParaRPr lang="en-US" sz="4002" dirty="0">
+              <a:solidFill>
+                <a:srgbClr val="434343"/>
+              </a:solidFill>
+            </a:endParaRPr>
+          </a:p>
+          <a:p>
+            <a:pPr marL="774726" indent="-571500">
+              <a:buClr>
+                <a:srgbClr val="434343"/>
+              </a:buClr>
+              <a:buFont typeface="Arial" panose="020B0604020202020204" pitchFamily="34" charset="0"/>
+              <a:buChar char="•"/>
+            </a:pPr>
+            <a:endParaRPr lang="en" sz="4002" dirty="0">
+              <a:solidFill>
+                <a:srgbClr val="434343"/>
+              </a:solidFill>
+            </a:endParaRPr>
+          </a:p>
+        </p:txBody>
+      </p:sp>
+    </p:spTree>
+    <p:extLst>
+      <p:ext uri="{BB962C8B-B14F-4D97-AF65-F5344CB8AC3E}">
+        <p14:creationId xmlns:p14="http://schemas.microsoft.com/office/powerpoint/2010/main" val="3783544927"/>
+      </p:ext>
+    </p:extLst>
+  </p:cSld>
+  <p:clrMapOvr>
+    <a:masterClrMapping/>
+  </p:clrMapOvr>
+</p:sld>
+</file>
+
+<file path=ppt/slides/slide24.xml><?xml version="1.0" encoding="utf-8"?>
+<p:sld xmlns:a="http://schemas.openxmlformats.org/drawingml/2006/main" xmlns:r="http://schemas.openxmlformats.org/officeDocument/2006/relationships" xmlns:p="http://schemas.openxmlformats.org/presentationml/2006/main">
+  <p:cSld>
+    <p:spTree>
+      <p:nvGrpSpPr>
+        <p:cNvPr id="1" name="Shape 172"/>
+        <p:cNvGrpSpPr/>
+        <p:nvPr/>
+      </p:nvGrpSpPr>
+      <p:grpSpPr>
+        <a:xfrm>
+          <a:off x="0" y="0"/>
+          <a:ext cx="0" cy="0"/>
+          <a:chOff x="0" y="0"/>
+          <a:chExt cx="0" cy="0"/>
+        </a:xfrm>
+      </p:grpSpPr>
+      <p:sp>
+        <p:nvSpPr>
+          <p:cNvPr id="173" name="Shape 173"/>
+          <p:cNvSpPr txBox="1">
+            <a:spLocks noGrp="1"/>
+          </p:cNvSpPr>
+          <p:nvPr>
+            <p:ph type="title"/>
+          </p:nvPr>
+        </p:nvSpPr>
+        <p:spPr>
+          <a:xfrm>
+            <a:off x="976721" y="976049"/>
+            <a:ext cx="16075446" cy="8177813"/>
+          </a:xfrm>
+          <a:prstGeom prst="rect">
+            <a:avLst/>
+          </a:prstGeom>
+        </p:spPr>
+        <p:txBody>
+          <a:bodyPr lIns="182874" tIns="182874" rIns="182874" bIns="182874" anchor="ctr" anchorCtr="0">
+            <a:noAutofit/>
+          </a:bodyPr>
+          <a:lstStyle/>
+          <a:p>
+            <a:r>
+              <a:rPr lang="en" dirty="0">
+                <a:latin typeface="Consolas" panose="020B0609020204030204" pitchFamily="49" charset="0"/>
+                <a:cs typeface="Consolas" panose="020B0609020204030204" pitchFamily="49" charset="0"/>
+              </a:rPr>
+              <a:t>Let’s explore the code…</a:t>
+            </a:r>
+          </a:p>
+        </p:txBody>
+      </p:sp>
+    </p:spTree>
+    <p:extLst>
+      <p:ext uri="{BB962C8B-B14F-4D97-AF65-F5344CB8AC3E}">
+        <p14:creationId xmlns:p14="http://schemas.microsoft.com/office/powerpoint/2010/main" val="2664113388"/>
+      </p:ext>
+    </p:extLst>
+  </p:cSld>
+  <p:clrMapOvr>
+    <a:masterClrMapping/>
+  </p:clrMapOvr>
+</p:sld>
+</file>
+
+<file path=ppt/slides/slide25.xml><?xml version="1.0" encoding="utf-8"?>
+<p:sld xmlns:a="http://schemas.openxmlformats.org/drawingml/2006/main" xmlns:r="http://schemas.openxmlformats.org/officeDocument/2006/relationships" xmlns:p="http://schemas.openxmlformats.org/presentationml/2006/main">
+  <p:cSld>
+    <p:spTree>
+      <p:nvGrpSpPr>
+        <p:cNvPr id="1" name="Shape 147"/>
+        <p:cNvGrpSpPr/>
+        <p:nvPr/>
+      </p:nvGrpSpPr>
+      <p:grpSpPr>
+        <a:xfrm>
+          <a:off x="0" y="0"/>
+          <a:ext cx="0" cy="0"/>
+          <a:chOff x="0" y="0"/>
+          <a:chExt cx="0" cy="0"/>
+        </a:xfrm>
+      </p:grpSpPr>
+      <p:sp>
+        <p:nvSpPr>
+          <p:cNvPr id="148" name="Shape 148"/>
+          <p:cNvSpPr txBox="1">
+            <a:spLocks noGrp="1"/>
+          </p:cNvSpPr>
+          <p:nvPr>
+            <p:ph type="title"/>
+          </p:nvPr>
+        </p:nvSpPr>
+        <p:spPr>
+          <a:xfrm>
+            <a:off x="192358" y="32689"/>
+            <a:ext cx="17661379" cy="1204842"/>
+          </a:xfrm>
+          <a:prstGeom prst="rect">
+            <a:avLst/>
+          </a:prstGeom>
+        </p:spPr>
+        <p:txBody>
+          <a:bodyPr lIns="182874" tIns="182874" rIns="182874" bIns="182874" anchor="ctr" anchorCtr="0">
+            <a:noAutofit/>
+          </a:bodyPr>
+          <a:lstStyle/>
+          <a:p>
+            <a:pPr algn="ctr"/>
+            <a:r>
+              <a:rPr lang="en" sz="4402" dirty="0"/>
               <a:t>How to make it better?</a:t>
             </a:r>
           </a:p>
@@ -8942,7 +9614,7 @@
 </p:sld>
 </file>
 
-<file path=ppt/slides/slide24.xml><?xml version="1.0" encoding="utf-8"?>
+<file path=ppt/slides/slide26.xml><?xml version="1.0" encoding="utf-8"?>
 <p:sld xmlns:a="http://schemas.openxmlformats.org/drawingml/2006/main" xmlns:r="http://schemas.openxmlformats.org/officeDocument/2006/relationships" xmlns:p="http://schemas.openxmlformats.org/presentationml/2006/main">
   <p:cSld>
     <p:bg>
@@ -9445,14 +10117,11 @@
               </a:buClr>
               <a:buChar char="●"/>
             </a:pPr>
-            <a:r>
-              <a:rPr lang="en-US" sz="4002" dirty="0">
-                <a:solidFill>
-                  <a:srgbClr val="434343"/>
-                </a:solidFill>
-              </a:rPr>
-              <a:t>How… </a:t>
-            </a:r>
+            <a:endParaRPr lang="en-US" sz="4002" dirty="0">
+              <a:solidFill>
+                <a:srgbClr val="434343"/>
+              </a:solidFill>
+            </a:endParaRPr>
           </a:p>
           <a:p>
             <a:pPr marL="914507" indent="-711281">
